--- a/Meetings/22.08.2016-LabRetreat.pptx
+++ b/Meetings/22.08.2016-LabRetreat.pptx
@@ -4,9 +4,21 @@
   <p:sldMasterIdLst>
     <p:sldMasterId id="2147483648" r:id="rId1"/>
   </p:sldMasterIdLst>
+  <p:notesMasterIdLst>
+    <p:notesMasterId r:id="rId13"/>
+  </p:notesMasterIdLst>
   <p:sldIdLst>
     <p:sldId id="256" r:id="rId2"/>
-    <p:sldId id="257" r:id="rId3"/>
+    <p:sldId id="265" r:id="rId3"/>
+    <p:sldId id="259" r:id="rId4"/>
+    <p:sldId id="261" r:id="rId5"/>
+    <p:sldId id="262" r:id="rId6"/>
+    <p:sldId id="263" r:id="rId7"/>
+    <p:sldId id="264" r:id="rId8"/>
+    <p:sldId id="258" r:id="rId9"/>
+    <p:sldId id="266" r:id="rId10"/>
+    <p:sldId id="257" r:id="rId11"/>
+    <p:sldId id="260" r:id="rId12"/>
   </p:sldIdLst>
   <p:sldSz cx="9144000" cy="6858000" type="screen4x3"/>
   <p:notesSz cx="6858000" cy="9144000"/>
@@ -108,6 +120,540 @@
 </p:presentation>
 </file>
 
+<file path=ppt/notesMasters/notesMaster1.xml><?xml version="1.0" encoding="utf-8"?>
+<p:notesMaster xmlns:a="http://schemas.openxmlformats.org/drawingml/2006/main" xmlns:r="http://schemas.openxmlformats.org/officeDocument/2006/relationships" xmlns:p="http://schemas.openxmlformats.org/presentationml/2006/main">
+  <p:cSld>
+    <p:bg>
+      <p:bgRef idx="1001">
+        <a:schemeClr val="bg1"/>
+      </p:bgRef>
+    </p:bg>
+    <p:spTree>
+      <p:nvGrpSpPr>
+        <p:cNvPr id="1" name=""/>
+        <p:cNvGrpSpPr/>
+        <p:nvPr/>
+      </p:nvGrpSpPr>
+      <p:grpSpPr>
+        <a:xfrm>
+          <a:off x="0" y="0"/>
+          <a:ext cx="0" cy="0"/>
+          <a:chOff x="0" y="0"/>
+          <a:chExt cx="0" cy="0"/>
+        </a:xfrm>
+      </p:grpSpPr>
+      <p:sp>
+        <p:nvSpPr>
+          <p:cNvPr id="2" name="Header Placeholder 1"/>
+          <p:cNvSpPr>
+            <a:spLocks noGrp="1"/>
+          </p:cNvSpPr>
+          <p:nvPr>
+            <p:ph type="hdr" sz="quarter"/>
+          </p:nvPr>
+        </p:nvSpPr>
+        <p:spPr>
+          <a:xfrm>
+            <a:off x="0" y="0"/>
+            <a:ext cx="2971800" cy="457200"/>
+          </a:xfrm>
+          <a:prstGeom prst="rect">
+            <a:avLst/>
+          </a:prstGeom>
+        </p:spPr>
+        <p:txBody>
+          <a:bodyPr vert="horz" lIns="91440" tIns="45720" rIns="91440" bIns="45720" rtlCol="0"/>
+          <a:lstStyle>
+            <a:lvl1pPr algn="l">
+              <a:defRPr sz="1200"/>
+            </a:lvl1pPr>
+          </a:lstStyle>
+          <a:p>
+            <a:endParaRPr lang="en-CA"/>
+          </a:p>
+        </p:txBody>
+      </p:sp>
+      <p:sp>
+        <p:nvSpPr>
+          <p:cNvPr id="3" name="Date Placeholder 2"/>
+          <p:cNvSpPr>
+            <a:spLocks noGrp="1"/>
+          </p:cNvSpPr>
+          <p:nvPr>
+            <p:ph type="dt" idx="1"/>
+          </p:nvPr>
+        </p:nvSpPr>
+        <p:spPr>
+          <a:xfrm>
+            <a:off x="3884613" y="0"/>
+            <a:ext cx="2971800" cy="457200"/>
+          </a:xfrm>
+          <a:prstGeom prst="rect">
+            <a:avLst/>
+          </a:prstGeom>
+        </p:spPr>
+        <p:txBody>
+          <a:bodyPr vert="horz" lIns="91440" tIns="45720" rIns="91440" bIns="45720" rtlCol="0"/>
+          <a:lstStyle>
+            <a:lvl1pPr algn="r">
+              <a:defRPr sz="1200"/>
+            </a:lvl1pPr>
+          </a:lstStyle>
+          <a:p>
+            <a:fld id="{EB4E266A-4D22-8F44-80A9-CB89A014B13F}" type="datetimeFigureOut">
+              <a:rPr lang="en-US" smtClean="0"/>
+              <a:t>16-08-17</a:t>
+            </a:fld>
+            <a:endParaRPr lang="en-CA"/>
+          </a:p>
+        </p:txBody>
+      </p:sp>
+      <p:sp>
+        <p:nvSpPr>
+          <p:cNvPr id="4" name="Slide Image Placeholder 3"/>
+          <p:cNvSpPr>
+            <a:spLocks noGrp="1" noRot="1" noChangeAspect="1"/>
+          </p:cNvSpPr>
+          <p:nvPr>
+            <p:ph type="sldImg" idx="2"/>
+          </p:nvPr>
+        </p:nvSpPr>
+        <p:spPr>
+          <a:xfrm>
+            <a:off x="1143000" y="685800"/>
+            <a:ext cx="4572000" cy="3429000"/>
+          </a:xfrm>
+          <a:prstGeom prst="rect">
+            <a:avLst/>
+          </a:prstGeom>
+          <a:noFill/>
+          <a:ln w="12700">
+            <a:solidFill>
+              <a:prstClr val="black"/>
+            </a:solidFill>
+          </a:ln>
+        </p:spPr>
+        <p:txBody>
+          <a:bodyPr vert="horz" lIns="91440" tIns="45720" rIns="91440" bIns="45720" rtlCol="0" anchor="ctr"/>
+          <a:lstStyle/>
+          <a:p>
+            <a:endParaRPr lang="en-CA"/>
+          </a:p>
+        </p:txBody>
+      </p:sp>
+      <p:sp>
+        <p:nvSpPr>
+          <p:cNvPr id="5" name="Notes Placeholder 4"/>
+          <p:cNvSpPr>
+            <a:spLocks noGrp="1"/>
+          </p:cNvSpPr>
+          <p:nvPr>
+            <p:ph type="body" sz="quarter" idx="3"/>
+          </p:nvPr>
+        </p:nvSpPr>
+        <p:spPr>
+          <a:xfrm>
+            <a:off x="685800" y="4343400"/>
+            <a:ext cx="5486400" cy="4114800"/>
+          </a:xfrm>
+          <a:prstGeom prst="rect">
+            <a:avLst/>
+          </a:prstGeom>
+        </p:spPr>
+        <p:txBody>
+          <a:bodyPr vert="horz" lIns="91440" tIns="45720" rIns="91440" bIns="45720" rtlCol="0"/>
+          <a:lstStyle/>
+          <a:p>
+            <a:pPr lvl="0"/>
+            <a:r>
+              <a:rPr lang="en-US" smtClean="0"/>
+              <a:t>Click to edit Master text styles</a:t>
+            </a:r>
+          </a:p>
+          <a:p>
+            <a:pPr lvl="1"/>
+            <a:r>
+              <a:rPr lang="en-US" smtClean="0"/>
+              <a:t>Second level</a:t>
+            </a:r>
+          </a:p>
+          <a:p>
+            <a:pPr lvl="2"/>
+            <a:r>
+              <a:rPr lang="en-US" smtClean="0"/>
+              <a:t>Third level</a:t>
+            </a:r>
+          </a:p>
+          <a:p>
+            <a:pPr lvl="3"/>
+            <a:r>
+              <a:rPr lang="en-US" smtClean="0"/>
+              <a:t>Fourth level</a:t>
+            </a:r>
+          </a:p>
+          <a:p>
+            <a:pPr lvl="4"/>
+            <a:r>
+              <a:rPr lang="en-US" smtClean="0"/>
+              <a:t>Fifth level</a:t>
+            </a:r>
+            <a:endParaRPr lang="en-CA"/>
+          </a:p>
+        </p:txBody>
+      </p:sp>
+      <p:sp>
+        <p:nvSpPr>
+          <p:cNvPr id="6" name="Footer Placeholder 5"/>
+          <p:cNvSpPr>
+            <a:spLocks noGrp="1"/>
+          </p:cNvSpPr>
+          <p:nvPr>
+            <p:ph type="ftr" sz="quarter" idx="4"/>
+          </p:nvPr>
+        </p:nvSpPr>
+        <p:spPr>
+          <a:xfrm>
+            <a:off x="0" y="8685213"/>
+            <a:ext cx="2971800" cy="457200"/>
+          </a:xfrm>
+          <a:prstGeom prst="rect">
+            <a:avLst/>
+          </a:prstGeom>
+        </p:spPr>
+        <p:txBody>
+          <a:bodyPr vert="horz" lIns="91440" tIns="45720" rIns="91440" bIns="45720" rtlCol="0" anchor="b"/>
+          <a:lstStyle>
+            <a:lvl1pPr algn="l">
+              <a:defRPr sz="1200"/>
+            </a:lvl1pPr>
+          </a:lstStyle>
+          <a:p>
+            <a:endParaRPr lang="en-CA"/>
+          </a:p>
+        </p:txBody>
+      </p:sp>
+      <p:sp>
+        <p:nvSpPr>
+          <p:cNvPr id="7" name="Slide Number Placeholder 6"/>
+          <p:cNvSpPr>
+            <a:spLocks noGrp="1"/>
+          </p:cNvSpPr>
+          <p:nvPr>
+            <p:ph type="sldNum" sz="quarter" idx="5"/>
+          </p:nvPr>
+        </p:nvSpPr>
+        <p:spPr>
+          <a:xfrm>
+            <a:off x="3884613" y="8685213"/>
+            <a:ext cx="2971800" cy="457200"/>
+          </a:xfrm>
+          <a:prstGeom prst="rect">
+            <a:avLst/>
+          </a:prstGeom>
+        </p:spPr>
+        <p:txBody>
+          <a:bodyPr vert="horz" lIns="91440" tIns="45720" rIns="91440" bIns="45720" rtlCol="0" anchor="b"/>
+          <a:lstStyle>
+            <a:lvl1pPr algn="r">
+              <a:defRPr sz="1200"/>
+            </a:lvl1pPr>
+          </a:lstStyle>
+          <a:p>
+            <a:fld id="{537A71D4-B03A-4E4C-A0D3-5F8BF4C8A4C4}" type="slidenum">
+              <a:rPr lang="en-CA" smtClean="0"/>
+              <a:t>‹#›</a:t>
+            </a:fld>
+            <a:endParaRPr lang="en-CA"/>
+          </a:p>
+        </p:txBody>
+      </p:sp>
+    </p:spTree>
+    <p:extLst>
+      <p:ext uri="{BB962C8B-B14F-4D97-AF65-F5344CB8AC3E}">
+        <p14:creationId xmlns:p14="http://schemas.microsoft.com/office/powerpoint/2010/main" val="2017025664"/>
+      </p:ext>
+    </p:extLst>
+  </p:cSld>
+  <p:clrMap bg1="lt1" tx1="dk1" bg2="lt2" tx2="dk2" accent1="accent1" accent2="accent2" accent3="accent3" accent4="accent4" accent5="accent5" accent6="accent6" hlink="hlink" folHlink="folHlink"/>
+  <p:notesStyle>
+    <a:lvl1pPr marL="0" algn="l" defTabSz="457200" rtl="0" eaLnBrk="1" latinLnBrk="0" hangingPunct="1">
+      <a:defRPr sz="1200" kern="1200">
+        <a:solidFill>
+          <a:schemeClr val="tx1"/>
+        </a:solidFill>
+        <a:latin typeface="+mn-lt"/>
+        <a:ea typeface="+mn-ea"/>
+        <a:cs typeface="+mn-cs"/>
+      </a:defRPr>
+    </a:lvl1pPr>
+    <a:lvl2pPr marL="457200" algn="l" defTabSz="457200" rtl="0" eaLnBrk="1" latinLnBrk="0" hangingPunct="1">
+      <a:defRPr sz="1200" kern="1200">
+        <a:solidFill>
+          <a:schemeClr val="tx1"/>
+        </a:solidFill>
+        <a:latin typeface="+mn-lt"/>
+        <a:ea typeface="+mn-ea"/>
+        <a:cs typeface="+mn-cs"/>
+      </a:defRPr>
+    </a:lvl2pPr>
+    <a:lvl3pPr marL="914400" algn="l" defTabSz="457200" rtl="0" eaLnBrk="1" latinLnBrk="0" hangingPunct="1">
+      <a:defRPr sz="1200" kern="1200">
+        <a:solidFill>
+          <a:schemeClr val="tx1"/>
+        </a:solidFill>
+        <a:latin typeface="+mn-lt"/>
+        <a:ea typeface="+mn-ea"/>
+        <a:cs typeface="+mn-cs"/>
+      </a:defRPr>
+    </a:lvl3pPr>
+    <a:lvl4pPr marL="1371600" algn="l" defTabSz="457200" rtl="0" eaLnBrk="1" latinLnBrk="0" hangingPunct="1">
+      <a:defRPr sz="1200" kern="1200">
+        <a:solidFill>
+          <a:schemeClr val="tx1"/>
+        </a:solidFill>
+        <a:latin typeface="+mn-lt"/>
+        <a:ea typeface="+mn-ea"/>
+        <a:cs typeface="+mn-cs"/>
+      </a:defRPr>
+    </a:lvl4pPr>
+    <a:lvl5pPr marL="1828800" algn="l" defTabSz="457200" rtl="0" eaLnBrk="1" latinLnBrk="0" hangingPunct="1">
+      <a:defRPr sz="1200" kern="1200">
+        <a:solidFill>
+          <a:schemeClr val="tx1"/>
+        </a:solidFill>
+        <a:latin typeface="+mn-lt"/>
+        <a:ea typeface="+mn-ea"/>
+        <a:cs typeface="+mn-cs"/>
+      </a:defRPr>
+    </a:lvl5pPr>
+    <a:lvl6pPr marL="2286000" algn="l" defTabSz="457200" rtl="0" eaLnBrk="1" latinLnBrk="0" hangingPunct="1">
+      <a:defRPr sz="1200" kern="1200">
+        <a:solidFill>
+          <a:schemeClr val="tx1"/>
+        </a:solidFill>
+        <a:latin typeface="+mn-lt"/>
+        <a:ea typeface="+mn-ea"/>
+        <a:cs typeface="+mn-cs"/>
+      </a:defRPr>
+    </a:lvl6pPr>
+    <a:lvl7pPr marL="2743200" algn="l" defTabSz="457200" rtl="0" eaLnBrk="1" latinLnBrk="0" hangingPunct="1">
+      <a:defRPr sz="1200" kern="1200">
+        <a:solidFill>
+          <a:schemeClr val="tx1"/>
+        </a:solidFill>
+        <a:latin typeface="+mn-lt"/>
+        <a:ea typeface="+mn-ea"/>
+        <a:cs typeface="+mn-cs"/>
+      </a:defRPr>
+    </a:lvl7pPr>
+    <a:lvl8pPr marL="3200400" algn="l" defTabSz="457200" rtl="0" eaLnBrk="1" latinLnBrk="0" hangingPunct="1">
+      <a:defRPr sz="1200" kern="1200">
+        <a:solidFill>
+          <a:schemeClr val="tx1"/>
+        </a:solidFill>
+        <a:latin typeface="+mn-lt"/>
+        <a:ea typeface="+mn-ea"/>
+        <a:cs typeface="+mn-cs"/>
+      </a:defRPr>
+    </a:lvl8pPr>
+    <a:lvl9pPr marL="3657600" algn="l" defTabSz="457200" rtl="0" eaLnBrk="1" latinLnBrk="0" hangingPunct="1">
+      <a:defRPr sz="1200" kern="1200">
+        <a:solidFill>
+          <a:schemeClr val="tx1"/>
+        </a:solidFill>
+        <a:latin typeface="+mn-lt"/>
+        <a:ea typeface="+mn-ea"/>
+        <a:cs typeface="+mn-cs"/>
+      </a:defRPr>
+    </a:lvl9pPr>
+  </p:notesStyle>
+</p:notesMaster>
+</file>
+
+<file path=ppt/notesSlides/notesSlide1.xml><?xml version="1.0" encoding="utf-8"?>
+<p:notes xmlns:a="http://schemas.openxmlformats.org/drawingml/2006/main" xmlns:r="http://schemas.openxmlformats.org/officeDocument/2006/relationships" xmlns:p="http://schemas.openxmlformats.org/presentationml/2006/main">
+  <p:cSld>
+    <p:spTree>
+      <p:nvGrpSpPr>
+        <p:cNvPr id="1" name=""/>
+        <p:cNvGrpSpPr/>
+        <p:nvPr/>
+      </p:nvGrpSpPr>
+      <p:grpSpPr>
+        <a:xfrm>
+          <a:off x="0" y="0"/>
+          <a:ext cx="0" cy="0"/>
+          <a:chOff x="0" y="0"/>
+          <a:chExt cx="0" cy="0"/>
+        </a:xfrm>
+      </p:grpSpPr>
+      <p:sp>
+        <p:nvSpPr>
+          <p:cNvPr id="2" name="Slide Image Placeholder 1"/>
+          <p:cNvSpPr>
+            <a:spLocks noGrp="1" noRot="1" noChangeAspect="1"/>
+          </p:cNvSpPr>
+          <p:nvPr>
+            <p:ph type="sldImg"/>
+          </p:nvPr>
+        </p:nvSpPr>
+        <p:spPr/>
+      </p:sp>
+      <p:sp>
+        <p:nvSpPr>
+          <p:cNvPr id="3" name="Notes Placeholder 2"/>
+          <p:cNvSpPr>
+            <a:spLocks noGrp="1"/>
+          </p:cNvSpPr>
+          <p:nvPr>
+            <p:ph type="body" idx="1"/>
+          </p:nvPr>
+        </p:nvSpPr>
+        <p:spPr/>
+        <p:txBody>
+          <a:bodyPr/>
+          <a:lstStyle/>
+          <a:p>
+            <a:r>
+              <a:rPr lang="en-CA" dirty="0" smtClean="0"/>
+              <a:t>My thoughts on this topic are not coherent yet. I’m still working through this literature</a:t>
+            </a:r>
+            <a:r>
+              <a:rPr lang="en-CA" baseline="0" dirty="0" smtClean="0"/>
+              <a:t> and am hoping to discuss possibilities</a:t>
+            </a:r>
+            <a:endParaRPr lang="en-CA" dirty="0"/>
+          </a:p>
+        </p:txBody>
+      </p:sp>
+      <p:sp>
+        <p:nvSpPr>
+          <p:cNvPr id="4" name="Slide Number Placeholder 3"/>
+          <p:cNvSpPr>
+            <a:spLocks noGrp="1"/>
+          </p:cNvSpPr>
+          <p:nvPr>
+            <p:ph type="sldNum" sz="quarter" idx="10"/>
+          </p:nvPr>
+        </p:nvSpPr>
+        <p:spPr/>
+        <p:txBody>
+          <a:bodyPr/>
+          <a:lstStyle/>
+          <a:p>
+            <a:fld id="{537A71D4-B03A-4E4C-A0D3-5F8BF4C8A4C4}" type="slidenum">
+              <a:rPr lang="en-CA" smtClean="0"/>
+              <a:t>2</a:t>
+            </a:fld>
+            <a:endParaRPr lang="en-CA"/>
+          </a:p>
+        </p:txBody>
+      </p:sp>
+    </p:spTree>
+    <p:extLst>
+      <p:ext uri="{BB962C8B-B14F-4D97-AF65-F5344CB8AC3E}">
+        <p14:creationId xmlns:p14="http://schemas.microsoft.com/office/powerpoint/2010/main" val="2732195760"/>
+      </p:ext>
+    </p:extLst>
+  </p:cSld>
+  <p:clrMapOvr>
+    <a:masterClrMapping/>
+  </p:clrMapOvr>
+</p:notes>
+</file>
+
+<file path=ppt/notesSlides/notesSlide2.xml><?xml version="1.0" encoding="utf-8"?>
+<p:notes xmlns:a="http://schemas.openxmlformats.org/drawingml/2006/main" xmlns:r="http://schemas.openxmlformats.org/officeDocument/2006/relationships" xmlns:p="http://schemas.openxmlformats.org/presentationml/2006/main">
+  <p:cSld>
+    <p:spTree>
+      <p:nvGrpSpPr>
+        <p:cNvPr id="1" name=""/>
+        <p:cNvGrpSpPr/>
+        <p:nvPr/>
+      </p:nvGrpSpPr>
+      <p:grpSpPr>
+        <a:xfrm>
+          <a:off x="0" y="0"/>
+          <a:ext cx="0" cy="0"/>
+          <a:chOff x="0" y="0"/>
+          <a:chExt cx="0" cy="0"/>
+        </a:xfrm>
+      </p:grpSpPr>
+      <p:sp>
+        <p:nvSpPr>
+          <p:cNvPr id="2" name="Slide Image Placeholder 1"/>
+          <p:cNvSpPr>
+            <a:spLocks noGrp="1" noRot="1" noChangeAspect="1"/>
+          </p:cNvSpPr>
+          <p:nvPr>
+            <p:ph type="sldImg"/>
+          </p:nvPr>
+        </p:nvSpPr>
+        <p:spPr/>
+      </p:sp>
+      <p:sp>
+        <p:nvSpPr>
+          <p:cNvPr id="3" name="Notes Placeholder 2"/>
+          <p:cNvSpPr>
+            <a:spLocks noGrp="1"/>
+          </p:cNvSpPr>
+          <p:nvPr>
+            <p:ph type="body" idx="1"/>
+          </p:nvPr>
+        </p:nvSpPr>
+        <p:spPr/>
+        <p:txBody>
+          <a:bodyPr/>
+          <a:lstStyle/>
+          <a:p>
+            <a:r>
+              <a:rPr lang="en-CA" dirty="0" smtClean="0"/>
+              <a:t>Acoustical variation</a:t>
+            </a:r>
+            <a:r>
+              <a:rPr lang="en-CA" baseline="0" dirty="0" smtClean="0"/>
+              <a:t> – unclear what this means – I think it has to do with how much change there is in the acoustical properties of the song (timbre, pitch, etc.)</a:t>
+            </a:r>
+            <a:endParaRPr lang="en-CA" dirty="0"/>
+          </a:p>
+        </p:txBody>
+      </p:sp>
+      <p:sp>
+        <p:nvSpPr>
+          <p:cNvPr id="4" name="Slide Number Placeholder 3"/>
+          <p:cNvSpPr>
+            <a:spLocks noGrp="1"/>
+          </p:cNvSpPr>
+          <p:nvPr>
+            <p:ph type="sldNum" sz="quarter" idx="10"/>
+          </p:nvPr>
+        </p:nvSpPr>
+        <p:spPr/>
+        <p:txBody>
+          <a:bodyPr/>
+          <a:lstStyle/>
+          <a:p>
+            <a:fld id="{537A71D4-B03A-4E4C-A0D3-5F8BF4C8A4C4}" type="slidenum">
+              <a:rPr lang="en-CA" smtClean="0"/>
+              <a:t>4</a:t>
+            </a:fld>
+            <a:endParaRPr lang="en-CA"/>
+          </a:p>
+        </p:txBody>
+      </p:sp>
+    </p:spTree>
+    <p:extLst>
+      <p:ext uri="{BB962C8B-B14F-4D97-AF65-F5344CB8AC3E}">
+        <p14:creationId xmlns:p14="http://schemas.microsoft.com/office/powerpoint/2010/main" val="527175956"/>
+      </p:ext>
+    </p:extLst>
+  </p:cSld>
+  <p:clrMapOvr>
+    <a:masterClrMapping/>
+  </p:clrMapOvr>
+</p:notes>
+</file>
+
 <file path=ppt/slideLayouts/slideLayout1.xml><?xml version="1.0" encoding="utf-8"?>
 <p:sldLayout xmlns:a="http://schemas.openxmlformats.org/drawingml/2006/main" xmlns:r="http://schemas.openxmlformats.org/officeDocument/2006/relationships" xmlns:p="http://schemas.openxmlformats.org/presentationml/2006/main" type="title" preserve="1">
   <p:cSld name="Title Slide">
@@ -289,7 +835,7 @@
           <a:p>
             <a:fld id="{EB181B1E-577E-6746-9E87-E40B031F55A3}" type="datetimeFigureOut">
               <a:rPr lang="en-US" smtClean="0"/>
-              <a:t>16-08-16</a:t>
+              <a:t>16-08-17</a:t>
             </a:fld>
             <a:endParaRPr lang="en-CA"/>
           </a:p>
@@ -459,7 +1005,7 @@
           <a:p>
             <a:fld id="{EB181B1E-577E-6746-9E87-E40B031F55A3}" type="datetimeFigureOut">
               <a:rPr lang="en-US" smtClean="0"/>
-              <a:t>16-08-16</a:t>
+              <a:t>16-08-17</a:t>
             </a:fld>
             <a:endParaRPr lang="en-CA"/>
           </a:p>
@@ -639,7 +1185,7 @@
           <a:p>
             <a:fld id="{EB181B1E-577E-6746-9E87-E40B031F55A3}" type="datetimeFigureOut">
               <a:rPr lang="en-US" smtClean="0"/>
-              <a:t>16-08-16</a:t>
+              <a:t>16-08-17</a:t>
             </a:fld>
             <a:endParaRPr lang="en-CA"/>
           </a:p>
@@ -809,7 +1355,7 @@
           <a:p>
             <a:fld id="{EB181B1E-577E-6746-9E87-E40B031F55A3}" type="datetimeFigureOut">
               <a:rPr lang="en-US" smtClean="0"/>
-              <a:t>16-08-16</a:t>
+              <a:t>16-08-17</a:t>
             </a:fld>
             <a:endParaRPr lang="en-CA"/>
           </a:p>
@@ -1055,7 +1601,7 @@
           <a:p>
             <a:fld id="{EB181B1E-577E-6746-9E87-E40B031F55A3}" type="datetimeFigureOut">
               <a:rPr lang="en-US" smtClean="0"/>
-              <a:t>16-08-16</a:t>
+              <a:t>16-08-17</a:t>
             </a:fld>
             <a:endParaRPr lang="en-CA"/>
           </a:p>
@@ -1343,7 +1889,7 @@
           <a:p>
             <a:fld id="{EB181B1E-577E-6746-9E87-E40B031F55A3}" type="datetimeFigureOut">
               <a:rPr lang="en-US" smtClean="0"/>
-              <a:t>16-08-16</a:t>
+              <a:t>16-08-17</a:t>
             </a:fld>
             <a:endParaRPr lang="en-CA"/>
           </a:p>
@@ -1765,7 +2311,7 @@
           <a:p>
             <a:fld id="{EB181B1E-577E-6746-9E87-E40B031F55A3}" type="datetimeFigureOut">
               <a:rPr lang="en-US" smtClean="0"/>
-              <a:t>16-08-16</a:t>
+              <a:t>16-08-17</a:t>
             </a:fld>
             <a:endParaRPr lang="en-CA"/>
           </a:p>
@@ -1883,7 +2429,7 @@
           <a:p>
             <a:fld id="{EB181B1E-577E-6746-9E87-E40B031F55A3}" type="datetimeFigureOut">
               <a:rPr lang="en-US" smtClean="0"/>
-              <a:t>16-08-16</a:t>
+              <a:t>16-08-17</a:t>
             </a:fld>
             <a:endParaRPr lang="en-CA"/>
           </a:p>
@@ -1978,7 +2524,7 @@
           <a:p>
             <a:fld id="{EB181B1E-577E-6746-9E87-E40B031F55A3}" type="datetimeFigureOut">
               <a:rPr lang="en-US" smtClean="0"/>
-              <a:t>16-08-16</a:t>
+              <a:t>16-08-17</a:t>
             </a:fld>
             <a:endParaRPr lang="en-CA"/>
           </a:p>
@@ -2255,7 +2801,7 @@
           <a:p>
             <a:fld id="{EB181B1E-577E-6746-9E87-E40B031F55A3}" type="datetimeFigureOut">
               <a:rPr lang="en-US" smtClean="0"/>
-              <a:t>16-08-16</a:t>
+              <a:t>16-08-17</a:t>
             </a:fld>
             <a:endParaRPr lang="en-CA"/>
           </a:p>
@@ -2508,7 +3054,7 @@
           <a:p>
             <a:fld id="{EB181B1E-577E-6746-9E87-E40B031F55A3}" type="datetimeFigureOut">
               <a:rPr lang="en-US" smtClean="0"/>
-              <a:t>16-08-16</a:t>
+              <a:t>16-08-17</a:t>
             </a:fld>
             <a:endParaRPr lang="en-CA"/>
           </a:p>
@@ -2721,7 +3267,7 @@
           <a:p>
             <a:fld id="{EB181B1E-577E-6746-9E87-E40B031F55A3}" type="datetimeFigureOut">
               <a:rPr lang="en-US" smtClean="0"/>
-              <a:t>16-08-16</a:t>
+              <a:t>16-08-17</a:t>
             </a:fld>
             <a:endParaRPr lang="en-CA"/>
           </a:p>
@@ -3111,13 +3657,17 @@
           <a:bodyPr/>
           <a:lstStyle/>
           <a:p>
-            <a:endParaRPr lang="en-CA"/>
-          </a:p>
-        </p:txBody>
-      </p:sp>
-      <p:sp>
-        <p:nvSpPr>
-          <p:cNvPr id="3" name="Subtitle 2"/>
+            <a:r>
+              <a:rPr lang="en-CA" dirty="0" smtClean="0"/>
+              <a:t>Effect of background music on cognition</a:t>
+            </a:r>
+            <a:endParaRPr lang="en-CA" dirty="0"/>
+          </a:p>
+        </p:txBody>
+      </p:sp>
+      <p:sp>
+        <p:nvSpPr>
+          <p:cNvPr id="4" name="Subtitle 3"/>
           <p:cNvSpPr>
             <a:spLocks noGrp="1"/>
           </p:cNvSpPr>
@@ -3144,6 +3694,255 @@
   <p:clrMapOvr>
     <a:masterClrMapping/>
   </p:clrMapOvr>
+  <p:timing>
+    <p:tnLst>
+      <p:par>
+        <p:cTn xmlns:p14="http://schemas.microsoft.com/office/powerpoint/2010/main" id="1" dur="indefinite" restart="never" nodeType="tmRoot"/>
+      </p:par>
+    </p:tnLst>
+  </p:timing>
+</p:sld>
+</file>
+
+<file path=ppt/slides/slide10.xml><?xml version="1.0" encoding="utf-8"?>
+<p:sld xmlns:a="http://schemas.openxmlformats.org/drawingml/2006/main" xmlns:r="http://schemas.openxmlformats.org/officeDocument/2006/relationships" xmlns:p="http://schemas.openxmlformats.org/presentationml/2006/main">
+  <p:cSld>
+    <p:spTree>
+      <p:nvGrpSpPr>
+        <p:cNvPr id="1" name=""/>
+        <p:cNvGrpSpPr/>
+        <p:nvPr/>
+      </p:nvGrpSpPr>
+      <p:grpSpPr>
+        <a:xfrm>
+          <a:off x="0" y="0"/>
+          <a:ext cx="0" cy="0"/>
+          <a:chOff x="0" y="0"/>
+          <a:chExt cx="0" cy="0"/>
+        </a:xfrm>
+      </p:grpSpPr>
+      <p:sp>
+        <p:nvSpPr>
+          <p:cNvPr id="2" name="Title 1"/>
+          <p:cNvSpPr>
+            <a:spLocks noGrp="1"/>
+          </p:cNvSpPr>
+          <p:nvPr>
+            <p:ph type="title"/>
+          </p:nvPr>
+        </p:nvSpPr>
+        <p:spPr/>
+        <p:txBody>
+          <a:bodyPr/>
+          <a:lstStyle/>
+          <a:p>
+            <a:endParaRPr lang="en-CA"/>
+          </a:p>
+        </p:txBody>
+      </p:sp>
+      <p:sp>
+        <p:nvSpPr>
+          <p:cNvPr id="3" name="Content Placeholder 2"/>
+          <p:cNvSpPr>
+            <a:spLocks noGrp="1"/>
+          </p:cNvSpPr>
+          <p:nvPr>
+            <p:ph idx="1"/>
+          </p:nvPr>
+        </p:nvSpPr>
+        <p:spPr/>
+        <p:txBody>
+          <a:bodyPr>
+            <a:normAutofit fontScale="70000" lnSpcReduction="20000"/>
+          </a:bodyPr>
+          <a:lstStyle/>
+          <a:p>
+            <a:r>
+              <a:rPr lang="en-CA" dirty="0" smtClean="0"/>
+              <a:t>Music </a:t>
+            </a:r>
+            <a:r>
+              <a:rPr lang="en-CA" dirty="0" smtClean="0"/>
+              <a:t>as an arouser</a:t>
+            </a:r>
+          </a:p>
+          <a:p>
+            <a:r>
+              <a:rPr lang="en-CA" dirty="0" smtClean="0"/>
+              <a:t>Does playing music before task act as an arouser – benefit, without the distraction element of listening to music during task</a:t>
+            </a:r>
+          </a:p>
+          <a:p>
+            <a:r>
+              <a:rPr lang="en-CA" dirty="0" smtClean="0"/>
+              <a:t>what types of cognitive processes are affected by music?</a:t>
+            </a:r>
+          </a:p>
+          <a:p>
+            <a:r>
+              <a:rPr lang="en-CA" dirty="0" smtClean="0"/>
+              <a:t>Investigate effects based on:</a:t>
+            </a:r>
+          </a:p>
+          <a:p>
+            <a:pPr lvl="1"/>
+            <a:r>
+              <a:rPr lang="en-CA" dirty="0" smtClean="0"/>
+              <a:t>Steady-state </a:t>
+            </a:r>
+            <a:r>
+              <a:rPr lang="en-CA" dirty="0" err="1" smtClean="0"/>
+              <a:t>vs</a:t>
+            </a:r>
+            <a:r>
+              <a:rPr lang="en-CA" dirty="0" smtClean="0"/>
+              <a:t> changing-state sound </a:t>
+            </a:r>
+          </a:p>
+          <a:p>
+            <a:pPr lvl="1"/>
+            <a:r>
+              <a:rPr lang="en-CA" dirty="0" smtClean="0"/>
+              <a:t>Genre</a:t>
+            </a:r>
+          </a:p>
+          <a:p>
+            <a:pPr lvl="1"/>
+            <a:r>
+              <a:rPr lang="en-CA" dirty="0" smtClean="0"/>
+              <a:t>Like/dislike (been done (serial and reading), and doesn’t seem to have an effect when played during a task)</a:t>
+            </a:r>
+          </a:p>
+          <a:p>
+            <a:pPr lvl="1"/>
+            <a:r>
+              <a:rPr lang="en-CA" dirty="0" smtClean="0"/>
+              <a:t>Affect (happy/sad)</a:t>
+            </a:r>
+          </a:p>
+          <a:p>
+            <a:r>
+              <a:rPr lang="en-CA" dirty="0" smtClean="0"/>
+              <a:t>ISE</a:t>
+            </a:r>
+          </a:p>
+          <a:p>
+            <a:r>
+              <a:rPr lang="en-CA" dirty="0" smtClean="0"/>
+              <a:t>Some research on non-verbal problems (serial tasks, 1 study with shapes)</a:t>
+            </a:r>
+          </a:p>
+          <a:p>
+            <a:r>
+              <a:rPr lang="en-CA" dirty="0" smtClean="0"/>
+              <a:t>Differences in findings across studies – task choice, age</a:t>
+            </a:r>
+          </a:p>
+          <a:p>
+            <a:endParaRPr lang="en-CA" dirty="0" smtClean="0"/>
+          </a:p>
+        </p:txBody>
+      </p:sp>
+    </p:spTree>
+    <p:extLst>
+      <p:ext uri="{BB962C8B-B14F-4D97-AF65-F5344CB8AC3E}">
+        <p14:creationId xmlns:p14="http://schemas.microsoft.com/office/powerpoint/2010/main" val="1560329628"/>
+      </p:ext>
+    </p:extLst>
+  </p:cSld>
+  <p:clrMapOvr>
+    <a:masterClrMapping/>
+  </p:clrMapOvr>
+  <p:timing>
+    <p:tnLst>
+      <p:par>
+        <p:cTn xmlns:p14="http://schemas.microsoft.com/office/powerpoint/2010/main" id="1" dur="indefinite" restart="never" nodeType="tmRoot"/>
+      </p:par>
+    </p:tnLst>
+  </p:timing>
+</p:sld>
+</file>
+
+<file path=ppt/slides/slide11.xml><?xml version="1.0" encoding="utf-8"?>
+<p:sld xmlns:a="http://schemas.openxmlformats.org/drawingml/2006/main" xmlns:r="http://schemas.openxmlformats.org/officeDocument/2006/relationships" xmlns:p="http://schemas.openxmlformats.org/presentationml/2006/main">
+  <p:cSld>
+    <p:spTree>
+      <p:nvGrpSpPr>
+        <p:cNvPr id="1" name=""/>
+        <p:cNvGrpSpPr/>
+        <p:nvPr/>
+      </p:nvGrpSpPr>
+      <p:grpSpPr>
+        <a:xfrm>
+          <a:off x="0" y="0"/>
+          <a:ext cx="0" cy="0"/>
+          <a:chOff x="0" y="0"/>
+          <a:chExt cx="0" cy="0"/>
+        </a:xfrm>
+      </p:grpSpPr>
+      <p:sp>
+        <p:nvSpPr>
+          <p:cNvPr id="2" name="Title 1"/>
+          <p:cNvSpPr>
+            <a:spLocks noGrp="1"/>
+          </p:cNvSpPr>
+          <p:nvPr>
+            <p:ph type="title"/>
+          </p:nvPr>
+        </p:nvSpPr>
+        <p:spPr/>
+        <p:txBody>
+          <a:bodyPr>
+            <a:normAutofit/>
+          </a:bodyPr>
+          <a:lstStyle/>
+          <a:p>
+            <a:r>
+              <a:rPr lang="en-CA" sz="2800" dirty="0" smtClean="0"/>
+              <a:t>Effect of background music on cognitive performance</a:t>
+            </a:r>
+            <a:endParaRPr lang="en-CA" sz="2800" dirty="0"/>
+          </a:p>
+        </p:txBody>
+      </p:sp>
+      <p:sp>
+        <p:nvSpPr>
+          <p:cNvPr id="3" name="Content Placeholder 2"/>
+          <p:cNvSpPr>
+            <a:spLocks noGrp="1"/>
+          </p:cNvSpPr>
+          <p:nvPr>
+            <p:ph idx="1"/>
+          </p:nvPr>
+        </p:nvSpPr>
+        <p:spPr/>
+        <p:txBody>
+          <a:bodyPr>
+            <a:normAutofit/>
+          </a:bodyPr>
+          <a:lstStyle/>
+          <a:p>
+            <a:endParaRPr lang="en-CA" sz="2000" dirty="0"/>
+          </a:p>
+        </p:txBody>
+      </p:sp>
+    </p:spTree>
+    <p:extLst>
+      <p:ext uri="{BB962C8B-B14F-4D97-AF65-F5344CB8AC3E}">
+        <p14:creationId xmlns:p14="http://schemas.microsoft.com/office/powerpoint/2010/main" val="4042762009"/>
+      </p:ext>
+    </p:extLst>
+  </p:cSld>
+  <p:clrMapOvr>
+    <a:masterClrMapping/>
+  </p:clrMapOvr>
+  <p:timing>
+    <p:tnLst>
+      <p:par>
+        <p:cTn xmlns:p14="http://schemas.microsoft.com/office/powerpoint/2010/main" id="1" dur="indefinite" restart="never" nodeType="tmRoot"/>
+      </p:par>
+    </p:tnLst>
+  </p:timing>
 </p:sld>
 </file>
 
@@ -3179,7 +3978,11 @@
           <a:bodyPr/>
           <a:lstStyle/>
           <a:p>
-            <a:endParaRPr lang="en-CA"/>
+            <a:r>
+              <a:rPr lang="en-CA" dirty="0" smtClean="0"/>
+              <a:t>Warning</a:t>
+            </a:r>
+            <a:endParaRPr lang="en-CA" dirty="0"/>
           </a:p>
         </p:txBody>
       </p:sp>
@@ -3195,112 +3998,1999 @@
         </p:nvSpPr>
         <p:spPr/>
         <p:txBody>
-          <a:bodyPr>
-            <a:normAutofit fontScale="62500" lnSpcReduction="20000"/>
-          </a:bodyPr>
+          <a:bodyPr/>
           <a:lstStyle/>
           <a:p>
             <a:r>
               <a:rPr lang="en-CA" dirty="0" smtClean="0"/>
-              <a:t>Effect of background music on cognitive performance</a:t>
-            </a:r>
-          </a:p>
-          <a:p>
+              <a:t>This presentation will be a little disjointed</a:t>
+            </a:r>
+          </a:p>
+          <a:p>
+            <a:pPr marL="0" indent="0">
+              <a:buNone/>
+            </a:pPr>
             <a:r>
               <a:rPr lang="en-CA" dirty="0" smtClean="0"/>
-              <a:t>Music as an arouser</a:t>
-            </a:r>
-          </a:p>
-          <a:p>
-            <a:r>
-              <a:rPr lang="en-CA" dirty="0" smtClean="0"/>
-              <a:t>Does playing music before task act as an arouser – benefit, without the distraction element of listening to music during task</a:t>
-            </a:r>
-          </a:p>
-          <a:p>
-            <a:r>
-              <a:rPr lang="en-CA" dirty="0" smtClean="0"/>
-              <a:t>what types of cognitive processes are affected by music?</a:t>
-            </a:r>
-          </a:p>
-          <a:p>
-            <a:r>
-              <a:rPr lang="en-CA" dirty="0" smtClean="0"/>
-              <a:t>Investigate effects based on:</a:t>
-            </a:r>
-          </a:p>
-          <a:p>
-            <a:pPr lvl="1"/>
-            <a:r>
-              <a:rPr lang="en-CA" dirty="0" smtClean="0"/>
-              <a:t>Steady-state </a:t>
-            </a:r>
-            <a:r>
-              <a:rPr lang="en-CA" dirty="0" err="1" smtClean="0"/>
-              <a:t>vs</a:t>
-            </a:r>
-            <a:r>
-              <a:rPr lang="en-CA" dirty="0" smtClean="0"/>
-              <a:t> changing-state sound </a:t>
-            </a:r>
-          </a:p>
-          <a:p>
-            <a:pPr lvl="1"/>
-            <a:r>
-              <a:rPr lang="en-CA" dirty="0" smtClean="0"/>
-              <a:t>Genre</a:t>
-            </a:r>
-          </a:p>
-          <a:p>
-            <a:pPr lvl="1"/>
-            <a:r>
-              <a:rPr lang="en-CA" dirty="0" smtClean="0"/>
-              <a:t>Like/dislike (been done (serial and reading), and doesn’t seem to have an effect when played during a task</a:t>
-            </a:r>
-            <a:r>
-              <a:rPr lang="en-CA" dirty="0" smtClean="0"/>
-              <a:t>)</a:t>
-            </a:r>
-          </a:p>
-          <a:p>
-            <a:pPr lvl="1"/>
-            <a:r>
-              <a:rPr lang="en-CA" dirty="0" smtClean="0"/>
-              <a:t>Affect (happy</a:t>
-            </a:r>
-            <a:r>
-              <a:rPr lang="en-CA" smtClean="0"/>
-              <a:t>/sad)</a:t>
-            </a:r>
-            <a:endParaRPr lang="en-CA" dirty="0" smtClean="0"/>
-          </a:p>
-          <a:p>
-            <a:r>
-              <a:rPr lang="en-CA" dirty="0" smtClean="0"/>
-              <a:t>ISE</a:t>
-            </a:r>
-          </a:p>
-          <a:p>
-            <a:r>
-              <a:rPr lang="en-CA" dirty="0" smtClean="0"/>
-              <a:t>Some research on non-verbal problems (serial tasks, 1 study with shapes)</a:t>
-            </a:r>
-          </a:p>
-          <a:p>
-            <a:r>
-              <a:rPr lang="en-CA" dirty="0" smtClean="0"/>
-              <a:t>Differences in findings across studies – task choice, age</a:t>
-            </a:r>
-          </a:p>
-          <a:p>
-            <a:endParaRPr lang="en-CA" dirty="0" smtClean="0"/>
+              <a:t> </a:t>
+            </a:r>
+            <a:endParaRPr lang="en-CA" dirty="0"/>
           </a:p>
         </p:txBody>
       </p:sp>
     </p:spTree>
     <p:extLst>
       <p:ext uri="{BB962C8B-B14F-4D97-AF65-F5344CB8AC3E}">
-        <p14:creationId xmlns:p14="http://schemas.microsoft.com/office/powerpoint/2010/main" val="1560329628"/>
+        <p14:creationId xmlns:p14="http://schemas.microsoft.com/office/powerpoint/2010/main" val="1209027795"/>
+      </p:ext>
+    </p:extLst>
+  </p:cSld>
+  <p:clrMapOvr>
+    <a:masterClrMapping/>
+  </p:clrMapOvr>
+</p:sld>
+</file>
+
+<file path=ppt/slides/slide3.xml><?xml version="1.0" encoding="utf-8"?>
+<p:sld xmlns:a="http://schemas.openxmlformats.org/drawingml/2006/main" xmlns:r="http://schemas.openxmlformats.org/officeDocument/2006/relationships" xmlns:p="http://schemas.openxmlformats.org/presentationml/2006/main">
+  <p:cSld>
+    <p:spTree>
+      <p:nvGrpSpPr>
+        <p:cNvPr id="1" name=""/>
+        <p:cNvGrpSpPr/>
+        <p:nvPr/>
+      </p:nvGrpSpPr>
+      <p:grpSpPr>
+        <a:xfrm>
+          <a:off x="0" y="0"/>
+          <a:ext cx="0" cy="0"/>
+          <a:chOff x="0" y="0"/>
+          <a:chExt cx="0" cy="0"/>
+        </a:xfrm>
+      </p:grpSpPr>
+      <p:sp>
+        <p:nvSpPr>
+          <p:cNvPr id="2" name="Title 1"/>
+          <p:cNvSpPr>
+            <a:spLocks noGrp="1"/>
+          </p:cNvSpPr>
+          <p:nvPr>
+            <p:ph type="title"/>
+          </p:nvPr>
+        </p:nvSpPr>
+        <p:spPr/>
+        <p:txBody>
+          <a:bodyPr/>
+          <a:lstStyle/>
+          <a:p>
+            <a:endParaRPr lang="en-CA"/>
+          </a:p>
+        </p:txBody>
+      </p:sp>
+      <p:sp>
+        <p:nvSpPr>
+          <p:cNvPr id="3" name="Content Placeholder 2"/>
+          <p:cNvSpPr>
+            <a:spLocks noGrp="1"/>
+          </p:cNvSpPr>
+          <p:nvPr>
+            <p:ph idx="1"/>
+          </p:nvPr>
+        </p:nvSpPr>
+        <p:spPr>
+          <a:xfrm>
+            <a:off x="457200" y="1600200"/>
+            <a:ext cx="8229600" cy="3235959"/>
+          </a:xfrm>
+        </p:spPr>
+        <p:txBody>
+          <a:bodyPr>
+            <a:normAutofit/>
+          </a:bodyPr>
+          <a:lstStyle/>
+          <a:p>
+            <a:r>
+              <a:rPr lang="en-CA" dirty="0" smtClean="0"/>
+              <a:t>Is it a good idea to listen to music while studying?</a:t>
+            </a:r>
+          </a:p>
+          <a:p>
+            <a:endParaRPr lang="en-CA" dirty="0"/>
+          </a:p>
+          <a:p>
+            <a:pPr marL="0" indent="0" algn="ctr">
+              <a:buNone/>
+            </a:pPr>
+            <a:r>
+              <a:rPr lang="en-CA" dirty="0" smtClean="0"/>
+              <a:t>Maybe yes, maybe no</a:t>
+            </a:r>
+            <a:endParaRPr lang="en-CA" dirty="0"/>
+          </a:p>
+        </p:txBody>
+      </p:sp>
+    </p:spTree>
+    <p:extLst>
+      <p:ext uri="{BB962C8B-B14F-4D97-AF65-F5344CB8AC3E}">
+        <p14:creationId xmlns:p14="http://schemas.microsoft.com/office/powerpoint/2010/main" val="4017269629"/>
+      </p:ext>
+    </p:extLst>
+  </p:cSld>
+  <p:clrMapOvr>
+    <a:masterClrMapping/>
+  </p:clrMapOvr>
+  <p:timing>
+    <p:tnLst>
+      <p:par>
+        <p:cTn xmlns:p14="http://schemas.microsoft.com/office/powerpoint/2010/main" id="1" dur="indefinite" restart="never" nodeType="tmRoot">
+          <p:childTnLst>
+            <p:seq concurrent="1" nextAc="seek">
+              <p:cTn id="2" dur="indefinite" nodeType="mainSeq">
+                <p:childTnLst>
+                  <p:par>
+                    <p:cTn id="3" fill="hold">
+                      <p:stCondLst>
+                        <p:cond delay="indefinite"/>
+                      </p:stCondLst>
+                      <p:childTnLst>
+                        <p:par>
+                          <p:cTn id="4" fill="hold">
+                            <p:stCondLst>
+                              <p:cond delay="0"/>
+                            </p:stCondLst>
+                            <p:childTnLst>
+                              <p:par>
+                                <p:cTn id="5" presetID="1" presetClass="entr" presetSubtype="0" fill="hold" nodeType="clickEffect">
+                                  <p:stCondLst>
+                                    <p:cond delay="0"/>
+                                  </p:stCondLst>
+                                  <p:childTnLst>
+                                    <p:set>
+                                      <p:cBhvr>
+                                        <p:cTn id="6" dur="1" fill="hold">
+                                          <p:stCondLst>
+                                            <p:cond delay="0"/>
+                                          </p:stCondLst>
+                                        </p:cTn>
+                                        <p:tgtEl>
+                                          <p:spTgt spid="3">
+                                            <p:txEl>
+                                              <p:pRg st="2" end="2"/>
+                                            </p:txEl>
+                                          </p:spTgt>
+                                        </p:tgtEl>
+                                        <p:attrNameLst>
+                                          <p:attrName>style.visibility</p:attrName>
+                                        </p:attrNameLst>
+                                      </p:cBhvr>
+                                      <p:to>
+                                        <p:strVal val="visible"/>
+                                      </p:to>
+                                    </p:set>
+                                  </p:childTnLst>
+                                </p:cTn>
+                              </p:par>
+                            </p:childTnLst>
+                          </p:cTn>
+                        </p:par>
+                      </p:childTnLst>
+                    </p:cTn>
+                  </p:par>
+                </p:childTnLst>
+              </p:cTn>
+              <p:prevCondLst>
+                <p:cond evt="onPrev" delay="0">
+                  <p:tgtEl>
+                    <p:sldTgt/>
+                  </p:tgtEl>
+                </p:cond>
+              </p:prevCondLst>
+              <p:nextCondLst>
+                <p:cond evt="onNext" delay="0">
+                  <p:tgtEl>
+                    <p:sldTgt/>
+                  </p:tgtEl>
+                </p:cond>
+              </p:nextCondLst>
+            </p:seq>
+          </p:childTnLst>
+        </p:cTn>
+      </p:par>
+    </p:tnLst>
+  </p:timing>
+</p:sld>
+</file>
+
+<file path=ppt/slides/slide4.xml><?xml version="1.0" encoding="utf-8"?>
+<p:sld xmlns:a="http://schemas.openxmlformats.org/drawingml/2006/main" xmlns:r="http://schemas.openxmlformats.org/officeDocument/2006/relationships" xmlns:p="http://schemas.openxmlformats.org/presentationml/2006/main">
+  <p:cSld>
+    <p:spTree>
+      <p:nvGrpSpPr>
+        <p:cNvPr id="1" name=""/>
+        <p:cNvGrpSpPr/>
+        <p:nvPr/>
+      </p:nvGrpSpPr>
+      <p:grpSpPr>
+        <a:xfrm>
+          <a:off x="0" y="0"/>
+          <a:ext cx="0" cy="0"/>
+          <a:chOff x="0" y="0"/>
+          <a:chExt cx="0" cy="0"/>
+        </a:xfrm>
+      </p:grpSpPr>
+      <p:sp>
+        <p:nvSpPr>
+          <p:cNvPr id="2" name="Title 1"/>
+          <p:cNvSpPr>
+            <a:spLocks noGrp="1"/>
+          </p:cNvSpPr>
+          <p:nvPr>
+            <p:ph type="title"/>
+          </p:nvPr>
+        </p:nvSpPr>
+        <p:spPr/>
+        <p:txBody>
+          <a:bodyPr/>
+          <a:lstStyle/>
+          <a:p>
+            <a:endParaRPr lang="en-CA"/>
+          </a:p>
+        </p:txBody>
+      </p:sp>
+      <p:sp>
+        <p:nvSpPr>
+          <p:cNvPr id="3" name="Content Placeholder 2"/>
+          <p:cNvSpPr>
+            <a:spLocks noGrp="1"/>
+          </p:cNvSpPr>
+          <p:nvPr>
+            <p:ph idx="1"/>
+          </p:nvPr>
+        </p:nvSpPr>
+        <p:spPr>
+          <a:xfrm>
+            <a:off x="457200" y="1600201"/>
+            <a:ext cx="8229600" cy="1498600"/>
+          </a:xfrm>
+        </p:spPr>
+        <p:txBody>
+          <a:bodyPr/>
+          <a:lstStyle/>
+          <a:p>
+            <a:r>
+              <a:rPr lang="en-CA" dirty="0" smtClean="0"/>
+              <a:t>Is it a good idea to listen to music while studying?</a:t>
+            </a:r>
+            <a:endParaRPr lang="en-CA" dirty="0"/>
+          </a:p>
+        </p:txBody>
+      </p:sp>
+      <p:sp>
+        <p:nvSpPr>
+          <p:cNvPr id="4" name="Oval 3"/>
+          <p:cNvSpPr/>
+          <p:nvPr/>
+        </p:nvSpPr>
+        <p:spPr>
+          <a:xfrm>
+            <a:off x="3911600" y="1417638"/>
+            <a:ext cx="2580640" cy="1010602"/>
+          </a:xfrm>
+          <a:prstGeom prst="ellipse">
+            <a:avLst/>
+          </a:prstGeom>
+          <a:noFill/>
+          <a:ln w="41275">
+            <a:solidFill>
+              <a:schemeClr val="tx2">
+                <a:lumMod val="60000"/>
+                <a:lumOff val="40000"/>
+              </a:schemeClr>
+            </a:solidFill>
+          </a:ln>
+          <a:effectLst/>
+        </p:spPr>
+        <p:style>
+          <a:lnRef idx="1">
+            <a:schemeClr val="accent1"/>
+          </a:lnRef>
+          <a:fillRef idx="3">
+            <a:schemeClr val="accent1"/>
+          </a:fillRef>
+          <a:effectRef idx="2">
+            <a:schemeClr val="accent1"/>
+          </a:effectRef>
+          <a:fontRef idx="minor">
+            <a:schemeClr val="lt1"/>
+          </a:fontRef>
+        </p:style>
+        <p:txBody>
+          <a:bodyPr rtlCol="0" anchor="ctr"/>
+          <a:lstStyle/>
+          <a:p>
+            <a:pPr algn="ctr"/>
+            <a:endParaRPr lang="en-CA"/>
+          </a:p>
+        </p:txBody>
+      </p:sp>
+      <p:sp>
+        <p:nvSpPr>
+          <p:cNvPr id="5" name="Oval 4"/>
+          <p:cNvSpPr/>
+          <p:nvPr/>
+        </p:nvSpPr>
+        <p:spPr>
+          <a:xfrm>
+            <a:off x="457200" y="2075339"/>
+            <a:ext cx="2265680" cy="810101"/>
+          </a:xfrm>
+          <a:prstGeom prst="ellipse">
+            <a:avLst/>
+          </a:prstGeom>
+          <a:noFill/>
+          <a:ln w="41275">
+            <a:solidFill>
+              <a:schemeClr val="tx2">
+                <a:lumMod val="60000"/>
+                <a:lumOff val="40000"/>
+              </a:schemeClr>
+            </a:solidFill>
+          </a:ln>
+          <a:effectLst/>
+        </p:spPr>
+        <p:style>
+          <a:lnRef idx="1">
+            <a:schemeClr val="accent1"/>
+          </a:lnRef>
+          <a:fillRef idx="3">
+            <a:schemeClr val="accent1"/>
+          </a:fillRef>
+          <a:effectRef idx="2">
+            <a:schemeClr val="accent1"/>
+          </a:effectRef>
+          <a:fontRef idx="minor">
+            <a:schemeClr val="lt1"/>
+          </a:fontRef>
+        </p:style>
+        <p:txBody>
+          <a:bodyPr rtlCol="0" anchor="ctr"/>
+          <a:lstStyle/>
+          <a:p>
+            <a:pPr algn="ctr"/>
+            <a:endParaRPr lang="en-CA"/>
+          </a:p>
+        </p:txBody>
+      </p:sp>
+      <p:sp>
+        <p:nvSpPr>
+          <p:cNvPr id="6" name="TextBox 5"/>
+          <p:cNvSpPr txBox="1"/>
+          <p:nvPr/>
+        </p:nvSpPr>
+        <p:spPr>
+          <a:xfrm>
+            <a:off x="5191760" y="3515360"/>
+            <a:ext cx="2225614" cy="2246769"/>
+          </a:xfrm>
+          <a:prstGeom prst="rect">
+            <a:avLst/>
+          </a:prstGeom>
+          <a:noFill/>
+        </p:spPr>
+        <p:txBody>
+          <a:bodyPr wrap="none" rtlCol="0">
+            <a:spAutoFit/>
+          </a:bodyPr>
+          <a:lstStyle/>
+          <a:p>
+            <a:r>
+              <a:rPr lang="en-CA" sz="2000" dirty="0" smtClean="0"/>
+              <a:t>Familiar/unfamiliar</a:t>
+            </a:r>
+          </a:p>
+          <a:p>
+            <a:r>
+              <a:rPr lang="en-CA" sz="2000" dirty="0" smtClean="0"/>
+              <a:t>With/without lyrics</a:t>
+            </a:r>
+          </a:p>
+          <a:p>
+            <a:r>
+              <a:rPr lang="en-CA" sz="2000" dirty="0" smtClean="0"/>
+              <a:t>Liked/disliked</a:t>
+            </a:r>
+          </a:p>
+          <a:p>
+            <a:r>
+              <a:rPr lang="en-CA" sz="2000" dirty="0" smtClean="0"/>
+              <a:t>Quiet/loud</a:t>
+            </a:r>
+          </a:p>
+          <a:p>
+            <a:r>
+              <a:rPr lang="en-CA" sz="2000" dirty="0" smtClean="0"/>
+              <a:t>Happy/sad</a:t>
+            </a:r>
+          </a:p>
+          <a:p>
+            <a:r>
+              <a:rPr lang="en-CA" sz="2000" dirty="0" smtClean="0"/>
+              <a:t>Acoustical variation</a:t>
+            </a:r>
+          </a:p>
+          <a:p>
+            <a:r>
+              <a:rPr lang="en-CA" sz="2000" dirty="0" smtClean="0"/>
+              <a:t>Genre</a:t>
+            </a:r>
+          </a:p>
+        </p:txBody>
+      </p:sp>
+      <p:sp>
+        <p:nvSpPr>
+          <p:cNvPr id="8" name="TextBox 7"/>
+          <p:cNvSpPr txBox="1"/>
+          <p:nvPr/>
+        </p:nvSpPr>
+        <p:spPr>
+          <a:xfrm>
+            <a:off x="731520" y="3667760"/>
+            <a:ext cx="2861430" cy="1323439"/>
+          </a:xfrm>
+          <a:prstGeom prst="rect">
+            <a:avLst/>
+          </a:prstGeom>
+          <a:noFill/>
+        </p:spPr>
+        <p:txBody>
+          <a:bodyPr wrap="none" rtlCol="0">
+            <a:spAutoFit/>
+          </a:bodyPr>
+          <a:lstStyle/>
+          <a:p>
+            <a:r>
+              <a:rPr lang="en-CA" sz="2000" dirty="0" smtClean="0"/>
+              <a:t>Language comprehension</a:t>
+            </a:r>
+          </a:p>
+          <a:p>
+            <a:r>
+              <a:rPr lang="en-CA" sz="2000" dirty="0" smtClean="0"/>
+              <a:t>Serial recall</a:t>
+            </a:r>
+          </a:p>
+          <a:p>
+            <a:r>
+              <a:rPr lang="en-CA" sz="2000" dirty="0" smtClean="0"/>
+              <a:t>Mental arithmetic</a:t>
+            </a:r>
+          </a:p>
+          <a:p>
+            <a:r>
+              <a:rPr lang="en-CA" sz="2000" dirty="0" smtClean="0"/>
+              <a:t>Logic</a:t>
+            </a:r>
+          </a:p>
+        </p:txBody>
+      </p:sp>
+      <p:cxnSp>
+        <p:nvCxnSpPr>
+          <p:cNvPr id="10" name="Straight Connector 9"/>
+          <p:cNvCxnSpPr/>
+          <p:nvPr/>
+        </p:nvCxnSpPr>
+        <p:spPr>
+          <a:xfrm>
+            <a:off x="5506720" y="2428240"/>
+            <a:ext cx="660400" cy="1087120"/>
+          </a:xfrm>
+          <a:prstGeom prst="line">
+            <a:avLst/>
+          </a:prstGeom>
+          <a:ln w="38100"/>
+          <a:effectLst/>
+        </p:spPr>
+        <p:style>
+          <a:lnRef idx="2">
+            <a:schemeClr val="accent1"/>
+          </a:lnRef>
+          <a:fillRef idx="0">
+            <a:schemeClr val="accent1"/>
+          </a:fillRef>
+          <a:effectRef idx="1">
+            <a:schemeClr val="accent1"/>
+          </a:effectRef>
+          <a:fontRef idx="minor">
+            <a:schemeClr val="tx1"/>
+          </a:fontRef>
+        </p:style>
+      </p:cxnSp>
+      <p:cxnSp>
+        <p:nvCxnSpPr>
+          <p:cNvPr id="11" name="Straight Connector 10"/>
+          <p:cNvCxnSpPr/>
+          <p:nvPr/>
+        </p:nvCxnSpPr>
+        <p:spPr>
+          <a:xfrm flipH="1">
+            <a:off x="1107440" y="2885441"/>
+            <a:ext cx="487680" cy="863599"/>
+          </a:xfrm>
+          <a:prstGeom prst="line">
+            <a:avLst/>
+          </a:prstGeom>
+          <a:ln w="38100"/>
+          <a:effectLst/>
+        </p:spPr>
+        <p:style>
+          <a:lnRef idx="2">
+            <a:schemeClr val="accent1"/>
+          </a:lnRef>
+          <a:fillRef idx="0">
+            <a:schemeClr val="accent1"/>
+          </a:fillRef>
+          <a:effectRef idx="1">
+            <a:schemeClr val="accent1"/>
+          </a:effectRef>
+          <a:fontRef idx="minor">
+            <a:schemeClr val="tx1"/>
+          </a:fontRef>
+        </p:style>
+      </p:cxnSp>
+    </p:spTree>
+    <p:extLst>
+      <p:ext uri="{BB962C8B-B14F-4D97-AF65-F5344CB8AC3E}">
+        <p14:creationId xmlns:p14="http://schemas.microsoft.com/office/powerpoint/2010/main" val="3387237972"/>
+      </p:ext>
+    </p:extLst>
+  </p:cSld>
+  <p:clrMapOvr>
+    <a:masterClrMapping/>
+  </p:clrMapOvr>
+  <p:timing>
+    <p:tnLst>
+      <p:par>
+        <p:cTn xmlns:p14="http://schemas.microsoft.com/office/powerpoint/2010/main" id="1" dur="indefinite" restart="never" nodeType="tmRoot">
+          <p:childTnLst>
+            <p:seq concurrent="1" nextAc="seek">
+              <p:cTn id="2" dur="indefinite" nodeType="mainSeq">
+                <p:childTnLst>
+                  <p:par>
+                    <p:cTn id="3" fill="hold">
+                      <p:stCondLst>
+                        <p:cond delay="indefinite"/>
+                      </p:stCondLst>
+                      <p:childTnLst>
+                        <p:par>
+                          <p:cTn id="4" fill="hold">
+                            <p:stCondLst>
+                              <p:cond delay="0"/>
+                            </p:stCondLst>
+                            <p:childTnLst>
+                              <p:par>
+                                <p:cTn id="5" presetID="1" presetClass="entr" presetSubtype="0" fill="hold" grpId="0" nodeType="clickEffect">
+                                  <p:stCondLst>
+                                    <p:cond delay="0"/>
+                                  </p:stCondLst>
+                                  <p:childTnLst>
+                                    <p:set>
+                                      <p:cBhvr>
+                                        <p:cTn id="6" dur="1" fill="hold">
+                                          <p:stCondLst>
+                                            <p:cond delay="0"/>
+                                          </p:stCondLst>
+                                        </p:cTn>
+                                        <p:tgtEl>
+                                          <p:spTgt spid="4"/>
+                                        </p:tgtEl>
+                                        <p:attrNameLst>
+                                          <p:attrName>style.visibility</p:attrName>
+                                        </p:attrNameLst>
+                                      </p:cBhvr>
+                                      <p:to>
+                                        <p:strVal val="visible"/>
+                                      </p:to>
+                                    </p:set>
+                                  </p:childTnLst>
+                                </p:cTn>
+                              </p:par>
+                            </p:childTnLst>
+                          </p:cTn>
+                        </p:par>
+                      </p:childTnLst>
+                    </p:cTn>
+                  </p:par>
+                  <p:par>
+                    <p:cTn id="7" fill="hold">
+                      <p:stCondLst>
+                        <p:cond delay="indefinite"/>
+                      </p:stCondLst>
+                      <p:childTnLst>
+                        <p:par>
+                          <p:cTn id="8" fill="hold">
+                            <p:stCondLst>
+                              <p:cond delay="0"/>
+                            </p:stCondLst>
+                            <p:childTnLst>
+                              <p:par>
+                                <p:cTn id="9" presetID="1" presetClass="entr" presetSubtype="0" fill="hold" grpId="0" nodeType="clickEffect">
+                                  <p:stCondLst>
+                                    <p:cond delay="0"/>
+                                  </p:stCondLst>
+                                  <p:childTnLst>
+                                    <p:set>
+                                      <p:cBhvr>
+                                        <p:cTn id="10" dur="1" fill="hold">
+                                          <p:stCondLst>
+                                            <p:cond delay="0"/>
+                                          </p:stCondLst>
+                                        </p:cTn>
+                                        <p:tgtEl>
+                                          <p:spTgt spid="6"/>
+                                        </p:tgtEl>
+                                        <p:attrNameLst>
+                                          <p:attrName>style.visibility</p:attrName>
+                                        </p:attrNameLst>
+                                      </p:cBhvr>
+                                      <p:to>
+                                        <p:strVal val="visible"/>
+                                      </p:to>
+                                    </p:set>
+                                  </p:childTnLst>
+                                </p:cTn>
+                              </p:par>
+                              <p:par>
+                                <p:cTn id="11" presetID="1" presetClass="entr" presetSubtype="0" fill="hold" nodeType="withEffect">
+                                  <p:stCondLst>
+                                    <p:cond delay="0"/>
+                                  </p:stCondLst>
+                                  <p:childTnLst>
+                                    <p:set>
+                                      <p:cBhvr>
+                                        <p:cTn id="12" dur="1" fill="hold">
+                                          <p:stCondLst>
+                                            <p:cond delay="0"/>
+                                          </p:stCondLst>
+                                        </p:cTn>
+                                        <p:tgtEl>
+                                          <p:spTgt spid="10"/>
+                                        </p:tgtEl>
+                                        <p:attrNameLst>
+                                          <p:attrName>style.visibility</p:attrName>
+                                        </p:attrNameLst>
+                                      </p:cBhvr>
+                                      <p:to>
+                                        <p:strVal val="visible"/>
+                                      </p:to>
+                                    </p:set>
+                                  </p:childTnLst>
+                                </p:cTn>
+                              </p:par>
+                            </p:childTnLst>
+                          </p:cTn>
+                        </p:par>
+                      </p:childTnLst>
+                    </p:cTn>
+                  </p:par>
+                  <p:par>
+                    <p:cTn id="13" fill="hold">
+                      <p:stCondLst>
+                        <p:cond delay="indefinite"/>
+                      </p:stCondLst>
+                      <p:childTnLst>
+                        <p:par>
+                          <p:cTn id="14" fill="hold">
+                            <p:stCondLst>
+                              <p:cond delay="0"/>
+                            </p:stCondLst>
+                            <p:childTnLst>
+                              <p:par>
+                                <p:cTn id="15" presetID="1" presetClass="entr" presetSubtype="0" fill="hold" grpId="0" nodeType="clickEffect">
+                                  <p:stCondLst>
+                                    <p:cond delay="0"/>
+                                  </p:stCondLst>
+                                  <p:childTnLst>
+                                    <p:set>
+                                      <p:cBhvr>
+                                        <p:cTn id="16" dur="1" fill="hold">
+                                          <p:stCondLst>
+                                            <p:cond delay="0"/>
+                                          </p:stCondLst>
+                                        </p:cTn>
+                                        <p:tgtEl>
+                                          <p:spTgt spid="5"/>
+                                        </p:tgtEl>
+                                        <p:attrNameLst>
+                                          <p:attrName>style.visibility</p:attrName>
+                                        </p:attrNameLst>
+                                      </p:cBhvr>
+                                      <p:to>
+                                        <p:strVal val="visible"/>
+                                      </p:to>
+                                    </p:set>
+                                  </p:childTnLst>
+                                </p:cTn>
+                              </p:par>
+                            </p:childTnLst>
+                          </p:cTn>
+                        </p:par>
+                      </p:childTnLst>
+                    </p:cTn>
+                  </p:par>
+                  <p:par>
+                    <p:cTn id="17" fill="hold">
+                      <p:stCondLst>
+                        <p:cond delay="indefinite"/>
+                      </p:stCondLst>
+                      <p:childTnLst>
+                        <p:par>
+                          <p:cTn id="18" fill="hold">
+                            <p:stCondLst>
+                              <p:cond delay="0"/>
+                            </p:stCondLst>
+                            <p:childTnLst>
+                              <p:par>
+                                <p:cTn id="19" presetID="1" presetClass="entr" presetSubtype="0" fill="hold" nodeType="clickEffect">
+                                  <p:stCondLst>
+                                    <p:cond delay="0"/>
+                                  </p:stCondLst>
+                                  <p:childTnLst>
+                                    <p:set>
+                                      <p:cBhvr>
+                                        <p:cTn id="20" dur="1" fill="hold">
+                                          <p:stCondLst>
+                                            <p:cond delay="0"/>
+                                          </p:stCondLst>
+                                        </p:cTn>
+                                        <p:tgtEl>
+                                          <p:spTgt spid="11"/>
+                                        </p:tgtEl>
+                                        <p:attrNameLst>
+                                          <p:attrName>style.visibility</p:attrName>
+                                        </p:attrNameLst>
+                                      </p:cBhvr>
+                                      <p:to>
+                                        <p:strVal val="visible"/>
+                                      </p:to>
+                                    </p:set>
+                                  </p:childTnLst>
+                                </p:cTn>
+                              </p:par>
+                              <p:par>
+                                <p:cTn id="21" presetID="1" presetClass="entr" presetSubtype="0" fill="hold" grpId="0" nodeType="withEffect">
+                                  <p:stCondLst>
+                                    <p:cond delay="0"/>
+                                  </p:stCondLst>
+                                  <p:childTnLst>
+                                    <p:set>
+                                      <p:cBhvr>
+                                        <p:cTn id="22" dur="1" fill="hold">
+                                          <p:stCondLst>
+                                            <p:cond delay="0"/>
+                                          </p:stCondLst>
+                                        </p:cTn>
+                                        <p:tgtEl>
+                                          <p:spTgt spid="8"/>
+                                        </p:tgtEl>
+                                        <p:attrNameLst>
+                                          <p:attrName>style.visibility</p:attrName>
+                                        </p:attrNameLst>
+                                      </p:cBhvr>
+                                      <p:to>
+                                        <p:strVal val="visible"/>
+                                      </p:to>
+                                    </p:set>
+                                  </p:childTnLst>
+                                </p:cTn>
+                              </p:par>
+                            </p:childTnLst>
+                          </p:cTn>
+                        </p:par>
+                      </p:childTnLst>
+                    </p:cTn>
+                  </p:par>
+                </p:childTnLst>
+              </p:cTn>
+              <p:prevCondLst>
+                <p:cond evt="onPrev" delay="0">
+                  <p:tgtEl>
+                    <p:sldTgt/>
+                  </p:tgtEl>
+                </p:cond>
+              </p:prevCondLst>
+              <p:nextCondLst>
+                <p:cond evt="onNext" delay="0">
+                  <p:tgtEl>
+                    <p:sldTgt/>
+                  </p:tgtEl>
+                </p:cond>
+              </p:nextCondLst>
+            </p:seq>
+          </p:childTnLst>
+        </p:cTn>
+      </p:par>
+    </p:tnLst>
+    <p:bldLst>
+      <p:bldP spid="4" grpId="0" animBg="1"/>
+      <p:bldP spid="5" grpId="0" animBg="1"/>
+      <p:bldP spid="6" grpId="0"/>
+      <p:bldP spid="8" grpId="0"/>
+    </p:bldLst>
+  </p:timing>
+</p:sld>
+</file>
+
+<file path=ppt/slides/slide5.xml><?xml version="1.0" encoding="utf-8"?>
+<p:sld xmlns:a="http://schemas.openxmlformats.org/drawingml/2006/main" xmlns:r="http://schemas.openxmlformats.org/officeDocument/2006/relationships" xmlns:p="http://schemas.openxmlformats.org/presentationml/2006/main">
+  <p:cSld>
+    <p:spTree>
+      <p:nvGrpSpPr>
+        <p:cNvPr id="1" name=""/>
+        <p:cNvGrpSpPr/>
+        <p:nvPr/>
+      </p:nvGrpSpPr>
+      <p:grpSpPr>
+        <a:xfrm>
+          <a:off x="0" y="0"/>
+          <a:ext cx="0" cy="0"/>
+          <a:chOff x="0" y="0"/>
+          <a:chExt cx="0" cy="0"/>
+        </a:xfrm>
+      </p:grpSpPr>
+      <p:sp>
+        <p:nvSpPr>
+          <p:cNvPr id="2" name="Title 1"/>
+          <p:cNvSpPr>
+            <a:spLocks noGrp="1"/>
+          </p:cNvSpPr>
+          <p:nvPr>
+            <p:ph type="title"/>
+          </p:nvPr>
+        </p:nvSpPr>
+        <p:spPr/>
+        <p:txBody>
+          <a:bodyPr/>
+          <a:lstStyle/>
+          <a:p>
+            <a:r>
+              <a:rPr lang="en-CA" dirty="0" smtClean="0"/>
+              <a:t>Rauscher et al., (1993), </a:t>
+            </a:r>
+            <a:r>
+              <a:rPr lang="en-CA" i="1" dirty="0" smtClean="0"/>
+              <a:t>Nature</a:t>
+            </a:r>
+            <a:endParaRPr lang="en-CA" dirty="0"/>
+          </a:p>
+        </p:txBody>
+      </p:sp>
+      <p:sp>
+        <p:nvSpPr>
+          <p:cNvPr id="3" name="Content Placeholder 2"/>
+          <p:cNvSpPr>
+            <a:spLocks noGrp="1"/>
+          </p:cNvSpPr>
+          <p:nvPr>
+            <p:ph idx="1"/>
+          </p:nvPr>
+        </p:nvSpPr>
+        <p:spPr>
+          <a:xfrm>
+            <a:off x="457200" y="1600200"/>
+            <a:ext cx="8229600" cy="4868288"/>
+          </a:xfrm>
+        </p:spPr>
+        <p:txBody>
+          <a:bodyPr>
+            <a:normAutofit lnSpcReduction="10000"/>
+          </a:bodyPr>
+          <a:lstStyle/>
+          <a:p>
+            <a:r>
+              <a:rPr lang="en-CA" dirty="0" smtClean="0"/>
+              <a:t>Participants listened to Mozart music and then completed IQ spatial reasoning tasks. </a:t>
+            </a:r>
+          </a:p>
+          <a:p>
+            <a:pPr lvl="1"/>
+            <a:r>
+              <a:rPr lang="en-CA" dirty="0" smtClean="0"/>
+              <a:t>Note that music preceded task – we’ll come back to this</a:t>
+            </a:r>
+          </a:p>
+          <a:p>
+            <a:r>
+              <a:rPr lang="en-CA" dirty="0" smtClean="0"/>
+              <a:t>Performance after Mozart music was higher than after listening to a relaxation tape or silence</a:t>
+            </a:r>
+          </a:p>
+          <a:p>
+            <a:pPr marL="0" indent="0" algn="ctr">
+              <a:buNone/>
+            </a:pPr>
+            <a:endParaRPr lang="en-CA" dirty="0" smtClean="0"/>
+          </a:p>
+          <a:p>
+            <a:pPr marL="0" indent="0" algn="ctr">
+              <a:buNone/>
+            </a:pPr>
+            <a:r>
+              <a:rPr lang="en-CA" dirty="0" smtClean="0"/>
+              <a:t>This is where things like ‘Baby Mozart’ came from</a:t>
+            </a:r>
+            <a:endParaRPr lang="en-CA" dirty="0"/>
+          </a:p>
+        </p:txBody>
+      </p:sp>
+    </p:spTree>
+    <p:extLst>
+      <p:ext uri="{BB962C8B-B14F-4D97-AF65-F5344CB8AC3E}">
+        <p14:creationId xmlns:p14="http://schemas.microsoft.com/office/powerpoint/2010/main" val="1889846340"/>
+      </p:ext>
+    </p:extLst>
+  </p:cSld>
+  <p:clrMapOvr>
+    <a:masterClrMapping/>
+  </p:clrMapOvr>
+  <p:timing>
+    <p:tnLst>
+      <p:par>
+        <p:cTn xmlns:p14="http://schemas.microsoft.com/office/powerpoint/2010/main" id="1" dur="indefinite" restart="never" nodeType="tmRoot"/>
+      </p:par>
+    </p:tnLst>
+  </p:timing>
+</p:sld>
+</file>
+
+<file path=ppt/slides/slide6.xml><?xml version="1.0" encoding="utf-8"?>
+<p:sld xmlns:a="http://schemas.openxmlformats.org/drawingml/2006/main" xmlns:r="http://schemas.openxmlformats.org/officeDocument/2006/relationships" xmlns:p="http://schemas.openxmlformats.org/presentationml/2006/main">
+  <p:cSld>
+    <p:spTree>
+      <p:nvGrpSpPr>
+        <p:cNvPr id="1" name=""/>
+        <p:cNvGrpSpPr/>
+        <p:nvPr/>
+      </p:nvGrpSpPr>
+      <p:grpSpPr>
+        <a:xfrm>
+          <a:off x="0" y="0"/>
+          <a:ext cx="0" cy="0"/>
+          <a:chOff x="0" y="0"/>
+          <a:chExt cx="0" cy="0"/>
+        </a:xfrm>
+      </p:grpSpPr>
+      <p:sp>
+        <p:nvSpPr>
+          <p:cNvPr id="2" name="Title 1"/>
+          <p:cNvSpPr>
+            <a:spLocks noGrp="1"/>
+          </p:cNvSpPr>
+          <p:nvPr>
+            <p:ph type="title"/>
+          </p:nvPr>
+        </p:nvSpPr>
+        <p:spPr/>
+        <p:txBody>
+          <a:bodyPr>
+            <a:normAutofit/>
+          </a:bodyPr>
+          <a:lstStyle/>
+          <a:p>
+            <a:r>
+              <a:rPr lang="en-CA" sz="3400" dirty="0" smtClean="0"/>
+              <a:t>Conflicting results but some things come out</a:t>
+            </a:r>
+            <a:endParaRPr lang="en-CA" sz="3400" dirty="0"/>
+          </a:p>
+        </p:txBody>
+      </p:sp>
+      <p:sp>
+        <p:nvSpPr>
+          <p:cNvPr id="3" name="Content Placeholder 2"/>
+          <p:cNvSpPr>
+            <a:spLocks noGrp="1"/>
+          </p:cNvSpPr>
+          <p:nvPr>
+            <p:ph idx="1"/>
+          </p:nvPr>
+        </p:nvSpPr>
+        <p:spPr/>
+        <p:txBody>
+          <a:bodyPr>
+            <a:normAutofit fontScale="92500" lnSpcReduction="10000"/>
+          </a:bodyPr>
+          <a:lstStyle/>
+          <a:p>
+            <a:r>
+              <a:rPr lang="en-CA" dirty="0" smtClean="0"/>
+              <a:t>Serial recall is disrupted by music </a:t>
+            </a:r>
+          </a:p>
+          <a:p>
+            <a:pPr lvl="1"/>
+            <a:r>
+              <a:rPr lang="en-CA" sz="2100" dirty="0" smtClean="0"/>
+              <a:t>Perham &amp; </a:t>
+            </a:r>
+            <a:r>
+              <a:rPr lang="en-CA" sz="2100" dirty="0" err="1" smtClean="0"/>
+              <a:t>Sykora</a:t>
+            </a:r>
+            <a:r>
+              <a:rPr lang="en-CA" sz="2100" dirty="0" smtClean="0"/>
+              <a:t>, 2012; Perham &amp; </a:t>
+            </a:r>
+            <a:r>
+              <a:rPr lang="en-CA" sz="2100" dirty="0" err="1" smtClean="0"/>
+              <a:t>Vizard</a:t>
+            </a:r>
+            <a:r>
+              <a:rPr lang="en-CA" sz="2100" dirty="0" smtClean="0"/>
+              <a:t>, 2011; </a:t>
+            </a:r>
+            <a:r>
+              <a:rPr lang="en-CA" sz="2100" dirty="0" err="1" smtClean="0"/>
+              <a:t>Salame</a:t>
+            </a:r>
+            <a:r>
+              <a:rPr lang="en-CA" sz="2100" dirty="0" smtClean="0"/>
+              <a:t> &amp; </a:t>
+            </a:r>
+            <a:r>
+              <a:rPr lang="en-CA" sz="2100" dirty="0" err="1" smtClean="0"/>
+              <a:t>Baddeley</a:t>
+            </a:r>
+            <a:r>
+              <a:rPr lang="en-CA" sz="2100" dirty="0" smtClean="0"/>
+              <a:t>, 1989</a:t>
+            </a:r>
+          </a:p>
+          <a:p>
+            <a:r>
+              <a:rPr lang="en-CA" dirty="0" smtClean="0"/>
+              <a:t>Language comprehension disrupted when lyrics are present</a:t>
+            </a:r>
+            <a:r>
+              <a:rPr lang="is-IS" dirty="0" smtClean="0"/>
+              <a:t>… most of the time</a:t>
+            </a:r>
+            <a:endParaRPr lang="en-CA" dirty="0" smtClean="0"/>
+          </a:p>
+          <a:p>
+            <a:pPr lvl="1"/>
+            <a:r>
+              <a:rPr lang="en-CA" sz="2100" dirty="0" smtClean="0"/>
+              <a:t>Agree: </a:t>
+            </a:r>
+            <a:r>
+              <a:rPr lang="en-CA" sz="2100" dirty="0" err="1" smtClean="0"/>
+              <a:t>Freeburne</a:t>
+            </a:r>
+            <a:r>
+              <a:rPr lang="en-CA" sz="2100" dirty="0" smtClean="0"/>
+              <a:t> &amp; </a:t>
+            </a:r>
+            <a:r>
+              <a:rPr lang="en-CA" sz="2100" dirty="0"/>
+              <a:t>F</a:t>
+            </a:r>
+            <a:r>
+              <a:rPr lang="en-CA" sz="2100" dirty="0" smtClean="0"/>
+              <a:t>leischer, 1952; </a:t>
+            </a:r>
+            <a:r>
+              <a:rPr lang="en-CA" sz="2100" dirty="0" err="1" smtClean="0"/>
+              <a:t>Furnham</a:t>
+            </a:r>
+            <a:r>
+              <a:rPr lang="en-CA" sz="2100" dirty="0"/>
+              <a:t> </a:t>
+            </a:r>
+            <a:r>
+              <a:rPr lang="en-CA" sz="2100" dirty="0" smtClean="0"/>
+              <a:t>&amp; </a:t>
+            </a:r>
+            <a:r>
+              <a:rPr lang="en-CA" sz="2100" dirty="0" err="1" smtClean="0"/>
+              <a:t>Strbac</a:t>
+            </a:r>
+            <a:r>
+              <a:rPr lang="en-CA" sz="2100" dirty="0" smtClean="0"/>
+              <a:t>, 2002; Perham &amp; Currie, 2014</a:t>
+            </a:r>
+          </a:p>
+          <a:p>
+            <a:pPr lvl="1"/>
+            <a:r>
+              <a:rPr lang="en-CA" sz="2100" dirty="0" smtClean="0"/>
+              <a:t>Don’t Agree: </a:t>
+            </a:r>
+            <a:r>
+              <a:rPr lang="en-CA" sz="2100" dirty="0" err="1" smtClean="0"/>
+              <a:t>Furnham</a:t>
+            </a:r>
+            <a:r>
+              <a:rPr lang="en-CA" sz="2100" dirty="0" smtClean="0"/>
+              <a:t> &amp; Bradley, 1997; </a:t>
+            </a:r>
+            <a:r>
+              <a:rPr lang="en-CA" sz="2100" dirty="0" err="1" smtClean="0"/>
+              <a:t>Furnham</a:t>
+            </a:r>
+            <a:r>
+              <a:rPr lang="en-CA" sz="2100" dirty="0" smtClean="0"/>
+              <a:t> &amp; </a:t>
+            </a:r>
+            <a:r>
+              <a:rPr lang="en-CA" sz="2100" dirty="0" err="1" smtClean="0"/>
+              <a:t>Allass</a:t>
+            </a:r>
+            <a:r>
+              <a:rPr lang="en-CA" sz="2100" dirty="0" smtClean="0"/>
+              <a:t>, 1999; </a:t>
+            </a:r>
+            <a:r>
+              <a:rPr lang="en-CA" sz="2100" dirty="0" err="1" smtClean="0"/>
+              <a:t>Patson</a:t>
+            </a:r>
+            <a:r>
+              <a:rPr lang="en-CA" sz="2100" dirty="0" smtClean="0"/>
+              <a:t> &amp; </a:t>
+            </a:r>
+            <a:r>
+              <a:rPr lang="en-CA" sz="2100" dirty="0" err="1" smtClean="0"/>
+              <a:t>Tippett</a:t>
+            </a:r>
+            <a:r>
+              <a:rPr lang="en-CA" sz="2100" dirty="0" smtClean="0"/>
+              <a:t>, 2011</a:t>
+            </a:r>
+          </a:p>
+          <a:p>
+            <a:pPr lvl="1"/>
+            <a:r>
+              <a:rPr lang="en-CA" sz="2100" dirty="0" smtClean="0"/>
+              <a:t>Comprehension increased during calm music with lyrics: </a:t>
+            </a:r>
+            <a:r>
+              <a:rPr lang="en-CA" sz="2100" dirty="0" err="1" smtClean="0"/>
+              <a:t>Hallam</a:t>
+            </a:r>
+            <a:r>
+              <a:rPr lang="en-CA" sz="2100" dirty="0" smtClean="0"/>
+              <a:t> et al., 2002</a:t>
+            </a:r>
+          </a:p>
+          <a:p>
+            <a:r>
+              <a:rPr lang="en-CA" dirty="0" smtClean="0"/>
+              <a:t>Arithmetic is not affected by music</a:t>
+            </a:r>
+          </a:p>
+          <a:p>
+            <a:pPr lvl="1"/>
+            <a:r>
+              <a:rPr lang="en-CA" sz="1900" dirty="0" err="1" smtClean="0"/>
+              <a:t>Furnham</a:t>
+            </a:r>
+            <a:r>
+              <a:rPr lang="en-CA" sz="1900" dirty="0" smtClean="0"/>
+              <a:t> </a:t>
+            </a:r>
+            <a:r>
+              <a:rPr lang="en-CA" sz="1900" dirty="0"/>
+              <a:t>&amp; </a:t>
+            </a:r>
+            <a:r>
+              <a:rPr lang="en-CA" sz="1900" dirty="0" err="1"/>
+              <a:t>Strbac</a:t>
+            </a:r>
+            <a:r>
+              <a:rPr lang="en-CA" sz="1900" dirty="0"/>
+              <a:t>, </a:t>
+            </a:r>
+            <a:r>
+              <a:rPr lang="en-CA" sz="1900" dirty="0" smtClean="0"/>
+              <a:t>2002;</a:t>
+            </a:r>
+            <a:r>
+              <a:rPr lang="en-CA" sz="1900" dirty="0"/>
+              <a:t> </a:t>
+            </a:r>
+            <a:r>
+              <a:rPr lang="en-CA" sz="1900" dirty="0" err="1" smtClean="0"/>
+              <a:t>Hallam</a:t>
+            </a:r>
+            <a:r>
+              <a:rPr lang="en-CA" sz="1900" dirty="0" smtClean="0"/>
+              <a:t> </a:t>
+            </a:r>
+            <a:r>
+              <a:rPr lang="en-CA" sz="1900" dirty="0"/>
+              <a:t>et al., 2002</a:t>
+            </a:r>
+          </a:p>
+          <a:p>
+            <a:pPr lvl="1"/>
+            <a:endParaRPr lang="en-CA" dirty="0"/>
+          </a:p>
+        </p:txBody>
+      </p:sp>
+      <p:sp>
+        <p:nvSpPr>
+          <p:cNvPr id="4" name="Rectangle 3"/>
+          <p:cNvSpPr/>
+          <p:nvPr/>
+        </p:nvSpPr>
+        <p:spPr>
+          <a:xfrm>
+            <a:off x="2687461" y="2953648"/>
+            <a:ext cx="2908948" cy="324902"/>
+          </a:xfrm>
+          <a:prstGeom prst="rect">
+            <a:avLst/>
+          </a:prstGeom>
+          <a:solidFill>
+            <a:schemeClr val="bg1"/>
+          </a:solidFill>
+          <a:ln>
+            <a:noFill/>
+          </a:ln>
+          <a:effectLst/>
+        </p:spPr>
+        <p:style>
+          <a:lnRef idx="1">
+            <a:schemeClr val="accent1"/>
+          </a:lnRef>
+          <a:fillRef idx="3">
+            <a:schemeClr val="accent1"/>
+          </a:fillRef>
+          <a:effectRef idx="2">
+            <a:schemeClr val="accent1"/>
+          </a:effectRef>
+          <a:fontRef idx="minor">
+            <a:schemeClr val="lt1"/>
+          </a:fontRef>
+        </p:style>
+        <p:txBody>
+          <a:bodyPr rtlCol="0" anchor="ctr"/>
+          <a:lstStyle/>
+          <a:p>
+            <a:pPr algn="ctr"/>
+            <a:endParaRPr lang="en-CA"/>
+          </a:p>
+        </p:txBody>
+      </p:sp>
+    </p:spTree>
+    <p:extLst>
+      <p:ext uri="{BB962C8B-B14F-4D97-AF65-F5344CB8AC3E}">
+        <p14:creationId xmlns:p14="http://schemas.microsoft.com/office/powerpoint/2010/main" val="929463588"/>
+      </p:ext>
+    </p:extLst>
+  </p:cSld>
+  <p:clrMapOvr>
+    <a:masterClrMapping/>
+  </p:clrMapOvr>
+  <p:timing>
+    <p:tnLst>
+      <p:par>
+        <p:cTn xmlns:p14="http://schemas.microsoft.com/office/powerpoint/2010/main" id="1" dur="indefinite" restart="never" nodeType="tmRoot">
+          <p:childTnLst>
+            <p:seq concurrent="1" nextAc="seek">
+              <p:cTn id="2" dur="indefinite" nodeType="mainSeq">
+                <p:childTnLst>
+                  <p:par>
+                    <p:cTn id="3" fill="hold">
+                      <p:stCondLst>
+                        <p:cond delay="indefinite"/>
+                      </p:stCondLst>
+                      <p:childTnLst>
+                        <p:par>
+                          <p:cTn id="4" fill="hold">
+                            <p:stCondLst>
+                              <p:cond delay="0"/>
+                            </p:stCondLst>
+                            <p:childTnLst>
+                              <p:par>
+                                <p:cTn id="5" presetID="1" presetClass="entr" presetSubtype="0" fill="hold" nodeType="clickEffect">
+                                  <p:stCondLst>
+                                    <p:cond delay="0"/>
+                                  </p:stCondLst>
+                                  <p:childTnLst>
+                                    <p:set>
+                                      <p:cBhvr>
+                                        <p:cTn id="6" dur="1" fill="hold">
+                                          <p:stCondLst>
+                                            <p:cond delay="0"/>
+                                          </p:stCondLst>
+                                        </p:cTn>
+                                        <p:tgtEl>
+                                          <p:spTgt spid="3">
+                                            <p:txEl>
+                                              <p:pRg st="0" end="0"/>
+                                            </p:txEl>
+                                          </p:spTgt>
+                                        </p:tgtEl>
+                                        <p:attrNameLst>
+                                          <p:attrName>style.visibility</p:attrName>
+                                        </p:attrNameLst>
+                                      </p:cBhvr>
+                                      <p:to>
+                                        <p:strVal val="visible"/>
+                                      </p:to>
+                                    </p:set>
+                                  </p:childTnLst>
+                                </p:cTn>
+                              </p:par>
+                            </p:childTnLst>
+                          </p:cTn>
+                        </p:par>
+                      </p:childTnLst>
+                    </p:cTn>
+                  </p:par>
+                  <p:par>
+                    <p:cTn id="7" fill="hold">
+                      <p:stCondLst>
+                        <p:cond delay="indefinite"/>
+                      </p:stCondLst>
+                      <p:childTnLst>
+                        <p:par>
+                          <p:cTn id="8" fill="hold">
+                            <p:stCondLst>
+                              <p:cond delay="0"/>
+                            </p:stCondLst>
+                            <p:childTnLst>
+                              <p:par>
+                                <p:cTn id="9" presetID="1" presetClass="entr" presetSubtype="0" fill="hold" nodeType="clickEffect">
+                                  <p:stCondLst>
+                                    <p:cond delay="0"/>
+                                  </p:stCondLst>
+                                  <p:childTnLst>
+                                    <p:set>
+                                      <p:cBhvr>
+                                        <p:cTn id="10" dur="1" fill="hold">
+                                          <p:stCondLst>
+                                            <p:cond delay="0"/>
+                                          </p:stCondLst>
+                                        </p:cTn>
+                                        <p:tgtEl>
+                                          <p:spTgt spid="3">
+                                            <p:txEl>
+                                              <p:pRg st="1" end="1"/>
+                                            </p:txEl>
+                                          </p:spTgt>
+                                        </p:tgtEl>
+                                        <p:attrNameLst>
+                                          <p:attrName>style.visibility</p:attrName>
+                                        </p:attrNameLst>
+                                      </p:cBhvr>
+                                      <p:to>
+                                        <p:strVal val="visible"/>
+                                      </p:to>
+                                    </p:set>
+                                  </p:childTnLst>
+                                </p:cTn>
+                              </p:par>
+                            </p:childTnLst>
+                          </p:cTn>
+                        </p:par>
+                      </p:childTnLst>
+                    </p:cTn>
+                  </p:par>
+                  <p:par>
+                    <p:cTn id="11" fill="hold">
+                      <p:stCondLst>
+                        <p:cond delay="indefinite"/>
+                      </p:stCondLst>
+                      <p:childTnLst>
+                        <p:par>
+                          <p:cTn id="12" fill="hold">
+                            <p:stCondLst>
+                              <p:cond delay="0"/>
+                            </p:stCondLst>
+                            <p:childTnLst>
+                              <p:par>
+                                <p:cTn id="13" presetID="1" presetClass="entr" presetSubtype="0" fill="hold" nodeType="clickEffect">
+                                  <p:stCondLst>
+                                    <p:cond delay="0"/>
+                                  </p:stCondLst>
+                                  <p:childTnLst>
+                                    <p:set>
+                                      <p:cBhvr>
+                                        <p:cTn id="14" dur="1" fill="hold">
+                                          <p:stCondLst>
+                                            <p:cond delay="0"/>
+                                          </p:stCondLst>
+                                        </p:cTn>
+                                        <p:tgtEl>
+                                          <p:spTgt spid="3">
+                                            <p:txEl>
+                                              <p:pRg st="2" end="2"/>
+                                            </p:txEl>
+                                          </p:spTgt>
+                                        </p:tgtEl>
+                                        <p:attrNameLst>
+                                          <p:attrName>style.visibility</p:attrName>
+                                        </p:attrNameLst>
+                                      </p:cBhvr>
+                                      <p:to>
+                                        <p:strVal val="visible"/>
+                                      </p:to>
+                                    </p:set>
+                                  </p:childTnLst>
+                                </p:cTn>
+                              </p:par>
+                            </p:childTnLst>
+                          </p:cTn>
+                        </p:par>
+                      </p:childTnLst>
+                    </p:cTn>
+                  </p:par>
+                  <p:par>
+                    <p:cTn id="15" fill="hold">
+                      <p:stCondLst>
+                        <p:cond delay="indefinite"/>
+                      </p:stCondLst>
+                      <p:childTnLst>
+                        <p:par>
+                          <p:cTn id="16" fill="hold">
+                            <p:stCondLst>
+                              <p:cond delay="0"/>
+                            </p:stCondLst>
+                            <p:childTnLst>
+                              <p:par>
+                                <p:cTn id="17" presetID="1" presetClass="exit" presetSubtype="0" fill="hold" grpId="0" nodeType="clickEffect">
+                                  <p:stCondLst>
+                                    <p:cond delay="0"/>
+                                  </p:stCondLst>
+                                  <p:childTnLst>
+                                    <p:set>
+                                      <p:cBhvr>
+                                        <p:cTn id="18" dur="1" fill="hold">
+                                          <p:stCondLst>
+                                            <p:cond delay="0"/>
+                                          </p:stCondLst>
+                                        </p:cTn>
+                                        <p:tgtEl>
+                                          <p:spTgt spid="4"/>
+                                        </p:tgtEl>
+                                        <p:attrNameLst>
+                                          <p:attrName>style.visibility</p:attrName>
+                                        </p:attrNameLst>
+                                      </p:cBhvr>
+                                      <p:to>
+                                        <p:strVal val="hidden"/>
+                                      </p:to>
+                                    </p:set>
+                                  </p:childTnLst>
+                                </p:cTn>
+                              </p:par>
+                            </p:childTnLst>
+                          </p:cTn>
+                        </p:par>
+                      </p:childTnLst>
+                    </p:cTn>
+                  </p:par>
+                  <p:par>
+                    <p:cTn id="19" fill="hold">
+                      <p:stCondLst>
+                        <p:cond delay="indefinite"/>
+                      </p:stCondLst>
+                      <p:childTnLst>
+                        <p:par>
+                          <p:cTn id="20" fill="hold">
+                            <p:stCondLst>
+                              <p:cond delay="0"/>
+                            </p:stCondLst>
+                            <p:childTnLst>
+                              <p:par>
+                                <p:cTn id="21" presetID="1" presetClass="entr" presetSubtype="0" fill="hold" nodeType="clickEffect">
+                                  <p:stCondLst>
+                                    <p:cond delay="0"/>
+                                  </p:stCondLst>
+                                  <p:childTnLst>
+                                    <p:set>
+                                      <p:cBhvr>
+                                        <p:cTn id="22" dur="1" fill="hold">
+                                          <p:stCondLst>
+                                            <p:cond delay="0"/>
+                                          </p:stCondLst>
+                                        </p:cTn>
+                                        <p:tgtEl>
+                                          <p:spTgt spid="3">
+                                            <p:txEl>
+                                              <p:pRg st="3" end="3"/>
+                                            </p:txEl>
+                                          </p:spTgt>
+                                        </p:tgtEl>
+                                        <p:attrNameLst>
+                                          <p:attrName>style.visibility</p:attrName>
+                                        </p:attrNameLst>
+                                      </p:cBhvr>
+                                      <p:to>
+                                        <p:strVal val="visible"/>
+                                      </p:to>
+                                    </p:set>
+                                  </p:childTnLst>
+                                </p:cTn>
+                              </p:par>
+                              <p:par>
+                                <p:cTn id="23" presetID="1" presetClass="entr" presetSubtype="0" fill="hold" nodeType="withEffect">
+                                  <p:stCondLst>
+                                    <p:cond delay="0"/>
+                                  </p:stCondLst>
+                                  <p:childTnLst>
+                                    <p:set>
+                                      <p:cBhvr>
+                                        <p:cTn id="24" dur="1" fill="hold">
+                                          <p:stCondLst>
+                                            <p:cond delay="0"/>
+                                          </p:stCondLst>
+                                        </p:cTn>
+                                        <p:tgtEl>
+                                          <p:spTgt spid="3">
+                                            <p:txEl>
+                                              <p:pRg st="4" end="4"/>
+                                            </p:txEl>
+                                          </p:spTgt>
+                                        </p:tgtEl>
+                                        <p:attrNameLst>
+                                          <p:attrName>style.visibility</p:attrName>
+                                        </p:attrNameLst>
+                                      </p:cBhvr>
+                                      <p:to>
+                                        <p:strVal val="visible"/>
+                                      </p:to>
+                                    </p:set>
+                                  </p:childTnLst>
+                                </p:cTn>
+                              </p:par>
+                            </p:childTnLst>
+                          </p:cTn>
+                        </p:par>
+                      </p:childTnLst>
+                    </p:cTn>
+                  </p:par>
+                  <p:par>
+                    <p:cTn id="25" fill="hold">
+                      <p:stCondLst>
+                        <p:cond delay="indefinite"/>
+                      </p:stCondLst>
+                      <p:childTnLst>
+                        <p:par>
+                          <p:cTn id="26" fill="hold">
+                            <p:stCondLst>
+                              <p:cond delay="0"/>
+                            </p:stCondLst>
+                            <p:childTnLst>
+                              <p:par>
+                                <p:cTn id="27" presetID="1" presetClass="entr" presetSubtype="0" fill="hold" nodeType="clickEffect">
+                                  <p:stCondLst>
+                                    <p:cond delay="0"/>
+                                  </p:stCondLst>
+                                  <p:childTnLst>
+                                    <p:set>
+                                      <p:cBhvr>
+                                        <p:cTn id="28" dur="1" fill="hold">
+                                          <p:stCondLst>
+                                            <p:cond delay="0"/>
+                                          </p:stCondLst>
+                                        </p:cTn>
+                                        <p:tgtEl>
+                                          <p:spTgt spid="3">
+                                            <p:txEl>
+                                              <p:pRg st="5" end="5"/>
+                                            </p:txEl>
+                                          </p:spTgt>
+                                        </p:tgtEl>
+                                        <p:attrNameLst>
+                                          <p:attrName>style.visibility</p:attrName>
+                                        </p:attrNameLst>
+                                      </p:cBhvr>
+                                      <p:to>
+                                        <p:strVal val="visible"/>
+                                      </p:to>
+                                    </p:set>
+                                  </p:childTnLst>
+                                </p:cTn>
+                              </p:par>
+                            </p:childTnLst>
+                          </p:cTn>
+                        </p:par>
+                      </p:childTnLst>
+                    </p:cTn>
+                  </p:par>
+                  <p:par>
+                    <p:cTn id="29" fill="hold">
+                      <p:stCondLst>
+                        <p:cond delay="indefinite"/>
+                      </p:stCondLst>
+                      <p:childTnLst>
+                        <p:par>
+                          <p:cTn id="30" fill="hold">
+                            <p:stCondLst>
+                              <p:cond delay="0"/>
+                            </p:stCondLst>
+                            <p:childTnLst>
+                              <p:par>
+                                <p:cTn id="31" presetID="1" presetClass="entr" presetSubtype="0" fill="hold" nodeType="clickEffect">
+                                  <p:stCondLst>
+                                    <p:cond delay="0"/>
+                                  </p:stCondLst>
+                                  <p:childTnLst>
+                                    <p:set>
+                                      <p:cBhvr>
+                                        <p:cTn id="32" dur="1" fill="hold">
+                                          <p:stCondLst>
+                                            <p:cond delay="0"/>
+                                          </p:stCondLst>
+                                        </p:cTn>
+                                        <p:tgtEl>
+                                          <p:spTgt spid="3">
+                                            <p:txEl>
+                                              <p:pRg st="6" end="6"/>
+                                            </p:txEl>
+                                          </p:spTgt>
+                                        </p:tgtEl>
+                                        <p:attrNameLst>
+                                          <p:attrName>style.visibility</p:attrName>
+                                        </p:attrNameLst>
+                                      </p:cBhvr>
+                                      <p:to>
+                                        <p:strVal val="visible"/>
+                                      </p:to>
+                                    </p:set>
+                                  </p:childTnLst>
+                                </p:cTn>
+                              </p:par>
+                              <p:par>
+                                <p:cTn id="33" presetID="1" presetClass="entr" presetSubtype="0" fill="hold" nodeType="withEffect">
+                                  <p:stCondLst>
+                                    <p:cond delay="0"/>
+                                  </p:stCondLst>
+                                  <p:childTnLst>
+                                    <p:set>
+                                      <p:cBhvr>
+                                        <p:cTn id="34" dur="1" fill="hold">
+                                          <p:stCondLst>
+                                            <p:cond delay="0"/>
+                                          </p:stCondLst>
+                                        </p:cTn>
+                                        <p:tgtEl>
+                                          <p:spTgt spid="3">
+                                            <p:txEl>
+                                              <p:pRg st="7" end="7"/>
+                                            </p:txEl>
+                                          </p:spTgt>
+                                        </p:tgtEl>
+                                        <p:attrNameLst>
+                                          <p:attrName>style.visibility</p:attrName>
+                                        </p:attrNameLst>
+                                      </p:cBhvr>
+                                      <p:to>
+                                        <p:strVal val="visible"/>
+                                      </p:to>
+                                    </p:set>
+                                  </p:childTnLst>
+                                </p:cTn>
+                              </p:par>
+                            </p:childTnLst>
+                          </p:cTn>
+                        </p:par>
+                      </p:childTnLst>
+                    </p:cTn>
+                  </p:par>
+                </p:childTnLst>
+              </p:cTn>
+              <p:prevCondLst>
+                <p:cond evt="onPrev" delay="0">
+                  <p:tgtEl>
+                    <p:sldTgt/>
+                  </p:tgtEl>
+                </p:cond>
+              </p:prevCondLst>
+              <p:nextCondLst>
+                <p:cond evt="onNext" delay="0">
+                  <p:tgtEl>
+                    <p:sldTgt/>
+                  </p:tgtEl>
+                </p:cond>
+              </p:nextCondLst>
+            </p:seq>
+          </p:childTnLst>
+        </p:cTn>
+      </p:par>
+    </p:tnLst>
+    <p:bldLst>
+      <p:bldP spid="4" grpId="0" animBg="1"/>
+    </p:bldLst>
+  </p:timing>
+</p:sld>
+</file>
+
+<file path=ppt/slides/slide7.xml><?xml version="1.0" encoding="utf-8"?>
+<p:sld xmlns:a="http://schemas.openxmlformats.org/drawingml/2006/main" xmlns:r="http://schemas.openxmlformats.org/officeDocument/2006/relationships" xmlns:p="http://schemas.openxmlformats.org/presentationml/2006/main">
+  <p:cSld>
+    <p:spTree>
+      <p:nvGrpSpPr>
+        <p:cNvPr id="1" name=""/>
+        <p:cNvGrpSpPr/>
+        <p:nvPr/>
+      </p:nvGrpSpPr>
+      <p:grpSpPr>
+        <a:xfrm>
+          <a:off x="0" y="0"/>
+          <a:ext cx="0" cy="0"/>
+          <a:chOff x="0" y="0"/>
+          <a:chExt cx="0" cy="0"/>
+        </a:xfrm>
+      </p:grpSpPr>
+      <p:sp>
+        <p:nvSpPr>
+          <p:cNvPr id="2" name="Title 1"/>
+          <p:cNvSpPr>
+            <a:spLocks noGrp="1"/>
+          </p:cNvSpPr>
+          <p:nvPr>
+            <p:ph type="title"/>
+          </p:nvPr>
+        </p:nvSpPr>
+        <p:spPr/>
+        <p:txBody>
+          <a:bodyPr/>
+          <a:lstStyle/>
+          <a:p>
+            <a:r>
+              <a:rPr lang="en-CA" dirty="0" smtClean="0"/>
+              <a:t>Attempted Link</a:t>
+            </a:r>
+            <a:endParaRPr lang="en-CA" dirty="0"/>
+          </a:p>
+        </p:txBody>
+      </p:sp>
+      <p:sp>
+        <p:nvSpPr>
+          <p:cNvPr id="3" name="Content Placeholder 2"/>
+          <p:cNvSpPr>
+            <a:spLocks noGrp="1"/>
+          </p:cNvSpPr>
+          <p:nvPr>
+            <p:ph idx="1"/>
+          </p:nvPr>
+        </p:nvSpPr>
+        <p:spPr/>
+        <p:txBody>
+          <a:bodyPr/>
+          <a:lstStyle/>
+          <a:p>
+            <a:r>
+              <a:rPr lang="en-CA" dirty="0" smtClean="0"/>
+              <a:t>Perham &amp; Currie, 2014</a:t>
+            </a:r>
+          </a:p>
+          <a:p>
+            <a:pPr lvl="1"/>
+            <a:r>
+              <a:rPr lang="en-CA" dirty="0" smtClean="0"/>
+              <a:t>“These findings are not consistent with the music and cognition literature and instead concur with research on semantic auditory distraction”</a:t>
+            </a:r>
+            <a:endParaRPr lang="en-CA" dirty="0"/>
+          </a:p>
+        </p:txBody>
+      </p:sp>
+    </p:spTree>
+    <p:extLst>
+      <p:ext uri="{BB962C8B-B14F-4D97-AF65-F5344CB8AC3E}">
+        <p14:creationId xmlns:p14="http://schemas.microsoft.com/office/powerpoint/2010/main" val="2393477712"/>
+      </p:ext>
+    </p:extLst>
+  </p:cSld>
+  <p:clrMapOvr>
+    <a:masterClrMapping/>
+  </p:clrMapOvr>
+</p:sld>
+</file>
+
+<file path=ppt/slides/slide8.xml><?xml version="1.0" encoding="utf-8"?>
+<p:sld xmlns:a="http://schemas.openxmlformats.org/drawingml/2006/main" xmlns:r="http://schemas.openxmlformats.org/officeDocument/2006/relationships" xmlns:p="http://schemas.openxmlformats.org/presentationml/2006/main">
+  <p:cSld>
+    <p:spTree>
+      <p:nvGrpSpPr>
+        <p:cNvPr id="1" name=""/>
+        <p:cNvGrpSpPr/>
+        <p:nvPr/>
+      </p:nvGrpSpPr>
+      <p:grpSpPr>
+        <a:xfrm>
+          <a:off x="0" y="0"/>
+          <a:ext cx="0" cy="0"/>
+          <a:chOff x="0" y="0"/>
+          <a:chExt cx="0" cy="0"/>
+        </a:xfrm>
+      </p:grpSpPr>
+      <p:sp>
+        <p:nvSpPr>
+          <p:cNvPr id="2" name="Title 1"/>
+          <p:cNvSpPr>
+            <a:spLocks noGrp="1"/>
+          </p:cNvSpPr>
+          <p:nvPr>
+            <p:ph type="title"/>
+          </p:nvPr>
+        </p:nvSpPr>
+        <p:spPr/>
+        <p:txBody>
+          <a:bodyPr/>
+          <a:lstStyle/>
+          <a:p>
+            <a:r>
+              <a:rPr lang="en-CA" dirty="0" smtClean="0"/>
+              <a:t>Irrelevant Sound Effect (ISE)</a:t>
+            </a:r>
+            <a:endParaRPr lang="en-CA" dirty="0"/>
+          </a:p>
+        </p:txBody>
+      </p:sp>
+      <p:sp>
+        <p:nvSpPr>
+          <p:cNvPr id="3" name="Content Placeholder 2"/>
+          <p:cNvSpPr>
+            <a:spLocks noGrp="1"/>
+          </p:cNvSpPr>
+          <p:nvPr>
+            <p:ph idx="1"/>
+          </p:nvPr>
+        </p:nvSpPr>
+        <p:spPr/>
+        <p:txBody>
+          <a:bodyPr>
+            <a:normAutofit fontScale="77500" lnSpcReduction="20000"/>
+          </a:bodyPr>
+          <a:lstStyle/>
+          <a:p>
+            <a:r>
+              <a:rPr lang="en-CA" dirty="0"/>
+              <a:t>Explanations of the ISE can be roughly divided into </a:t>
+            </a:r>
+            <a:r>
+              <a:rPr lang="en-CA" dirty="0" smtClean="0"/>
+              <a:t>two types </a:t>
+            </a:r>
+            <a:r>
+              <a:rPr lang="en-CA" dirty="0"/>
+              <a:t>(Jones &amp; Tremblay, 2000). Firstly, there are those that propose that the impairment is because of the identity of the items in the task becoming confused with the identity of the items in the irrelevant sound (</a:t>
+            </a:r>
+            <a:r>
+              <a:rPr lang="en-CA" dirty="0" err="1"/>
+              <a:t>Baddeley</a:t>
+            </a:r>
+            <a:r>
+              <a:rPr lang="en-CA" dirty="0"/>
+              <a:t>, 1986; Neath, 2000) or that the sound attracts the participant’s attention, thus reducing available resources to perform the task (Cowan, 1995; Neath, 2000). However, these are refuted by </a:t>
+            </a:r>
+            <a:r>
+              <a:rPr lang="en-CA" dirty="0" smtClean="0"/>
+              <a:t>evidence </a:t>
+            </a:r>
+            <a:r>
+              <a:rPr lang="en-CA" dirty="0"/>
+              <a:t>showing that non-speech sounds also impair </a:t>
+            </a:r>
+            <a:r>
+              <a:rPr lang="en-CA" dirty="0" smtClean="0"/>
+              <a:t>performance </a:t>
+            </a:r>
+            <a:r>
+              <a:rPr lang="en-CA" dirty="0"/>
+              <a:t>(Jones &amp; </a:t>
+            </a:r>
+            <a:r>
+              <a:rPr lang="en-CA" dirty="0" err="1"/>
+              <a:t>Macken</a:t>
+            </a:r>
+            <a:r>
+              <a:rPr lang="en-CA" dirty="0"/>
+              <a:t>, 1993) and that the sound only impairs performance when the task involves </a:t>
+            </a:r>
+            <a:r>
+              <a:rPr lang="en-CA" dirty="0" err="1"/>
+              <a:t>seriation</a:t>
+            </a:r>
+            <a:r>
+              <a:rPr lang="en-CA" dirty="0"/>
+              <a:t> (tasks such as missing item and category recall do not show impairment: </a:t>
+            </a:r>
+            <a:r>
+              <a:rPr lang="en-CA" dirty="0" err="1"/>
+              <a:t>Beaman</a:t>
+            </a:r>
+            <a:r>
+              <a:rPr lang="en-CA" dirty="0"/>
+              <a:t> &amp; Jones, 1997; Perham, Banbury, &amp; Jones, 2007)</a:t>
+            </a:r>
+          </a:p>
+        </p:txBody>
+      </p:sp>
+    </p:spTree>
+    <p:extLst>
+      <p:ext uri="{BB962C8B-B14F-4D97-AF65-F5344CB8AC3E}">
+        <p14:creationId xmlns:p14="http://schemas.microsoft.com/office/powerpoint/2010/main" val="922382312"/>
+      </p:ext>
+    </p:extLst>
+  </p:cSld>
+  <p:clrMapOvr>
+    <a:masterClrMapping/>
+  </p:clrMapOvr>
+</p:sld>
+</file>
+
+<file path=ppt/slides/slide9.xml><?xml version="1.0" encoding="utf-8"?>
+<p:sld xmlns:a="http://schemas.openxmlformats.org/drawingml/2006/main" xmlns:r="http://schemas.openxmlformats.org/officeDocument/2006/relationships" xmlns:p="http://schemas.openxmlformats.org/presentationml/2006/main">
+  <p:cSld>
+    <p:spTree>
+      <p:nvGrpSpPr>
+        <p:cNvPr id="1" name=""/>
+        <p:cNvGrpSpPr/>
+        <p:nvPr/>
+      </p:nvGrpSpPr>
+      <p:grpSpPr>
+        <a:xfrm>
+          <a:off x="0" y="0"/>
+          <a:ext cx="0" cy="0"/>
+          <a:chOff x="0" y="0"/>
+          <a:chExt cx="0" cy="0"/>
+        </a:xfrm>
+      </p:grpSpPr>
+      <p:sp>
+        <p:nvSpPr>
+          <p:cNvPr id="2" name="Title 1"/>
+          <p:cNvSpPr>
+            <a:spLocks noGrp="1"/>
+          </p:cNvSpPr>
+          <p:nvPr>
+            <p:ph type="title"/>
+          </p:nvPr>
+        </p:nvSpPr>
+        <p:spPr/>
+        <p:txBody>
+          <a:bodyPr/>
+          <a:lstStyle/>
+          <a:p>
+            <a:r>
+              <a:rPr lang="en-CA" dirty="0" smtClean="0"/>
+              <a:t>Arousal on music</a:t>
+            </a:r>
+            <a:endParaRPr lang="en-CA" dirty="0"/>
+          </a:p>
+        </p:txBody>
+      </p:sp>
+      <p:sp>
+        <p:nvSpPr>
+          <p:cNvPr id="3" name="Content Placeholder 2"/>
+          <p:cNvSpPr>
+            <a:spLocks noGrp="1"/>
+          </p:cNvSpPr>
+          <p:nvPr>
+            <p:ph idx="1"/>
+          </p:nvPr>
+        </p:nvSpPr>
+        <p:spPr/>
+        <p:txBody>
+          <a:bodyPr/>
+          <a:lstStyle/>
+          <a:p>
+            <a:r>
+              <a:rPr lang="en-CA" dirty="0" smtClean="0"/>
+              <a:t>Playing music then doing task</a:t>
+            </a:r>
+            <a:endParaRPr lang="en-CA" dirty="0"/>
+          </a:p>
+        </p:txBody>
+      </p:sp>
+    </p:spTree>
+    <p:extLst>
+      <p:ext uri="{BB962C8B-B14F-4D97-AF65-F5344CB8AC3E}">
+        <p14:creationId xmlns:p14="http://schemas.microsoft.com/office/powerpoint/2010/main" val="999537132"/>
       </p:ext>
     </p:extLst>
   </p:cSld>
@@ -3628,4 +6318,324 @@
   </a:objectDefaults>
   <a:extraClrSchemeLst/>
 </a:theme>
+</file>
+
+<file path=ppt/theme/theme2.xml><?xml version="1.0" encoding="utf-8"?>
+<a:theme xmlns:a="http://schemas.openxmlformats.org/drawingml/2006/main" name="Office Theme">
+  <a:themeElements>
+    <a:clrScheme name="Office">
+      <a:dk1>
+        <a:sysClr val="windowText" lastClr="000000"/>
+      </a:dk1>
+      <a:lt1>
+        <a:sysClr val="window" lastClr="FFFFFF"/>
+      </a:lt1>
+      <a:dk2>
+        <a:srgbClr val="1F497D"/>
+      </a:dk2>
+      <a:lt2>
+        <a:srgbClr val="EEECE1"/>
+      </a:lt2>
+      <a:accent1>
+        <a:srgbClr val="4F81BD"/>
+      </a:accent1>
+      <a:accent2>
+        <a:srgbClr val="C0504D"/>
+      </a:accent2>
+      <a:accent3>
+        <a:srgbClr val="9BBB59"/>
+      </a:accent3>
+      <a:accent4>
+        <a:srgbClr val="8064A2"/>
+      </a:accent4>
+      <a:accent5>
+        <a:srgbClr val="4BACC6"/>
+      </a:accent5>
+      <a:accent6>
+        <a:srgbClr val="F79646"/>
+      </a:accent6>
+      <a:hlink>
+        <a:srgbClr val="0000FF"/>
+      </a:hlink>
+      <a:folHlink>
+        <a:srgbClr val="800080"/>
+      </a:folHlink>
+    </a:clrScheme>
+    <a:fontScheme name="Office">
+      <a:majorFont>
+        <a:latin typeface="Calibri"/>
+        <a:ea typeface=""/>
+        <a:cs typeface=""/>
+        <a:font script="Jpan" typeface="ＭＳ Ｐゴシック"/>
+        <a:font script="Hang" typeface="맑은 고딕"/>
+        <a:font script="Hans" typeface="宋体"/>
+        <a:font script="Hant" typeface="新細明體"/>
+        <a:font script="Arab" typeface="Times New Roman"/>
+        <a:font script="Hebr" typeface="Times New Roman"/>
+        <a:font script="Thai" typeface="Angsana New"/>
+        <a:font script="Ethi" typeface="Nyala"/>
+        <a:font script="Beng" typeface="Vrinda"/>
+        <a:font script="Gujr" typeface="Shruti"/>
+        <a:font script="Khmr" typeface="MoolBoran"/>
+        <a:font script="Knda" typeface="Tunga"/>
+        <a:font script="Guru" typeface="Raavi"/>
+        <a:font script="Cans" typeface="Euphemia"/>
+        <a:font script="Cher" typeface="Plantagenet Cherokee"/>
+        <a:font script="Yiii" typeface="Microsoft Yi Baiti"/>
+        <a:font script="Tibt" typeface="Microsoft Himalaya"/>
+        <a:font script="Thaa" typeface="MV Boli"/>
+        <a:font script="Deva" typeface="Mangal"/>
+        <a:font script="Telu" typeface="Gautami"/>
+        <a:font script="Taml" typeface="Latha"/>
+        <a:font script="Syrc" typeface="Estrangelo Edessa"/>
+        <a:font script="Orya" typeface="Kalinga"/>
+        <a:font script="Mlym" typeface="Kartika"/>
+        <a:font script="Laoo" typeface="DokChampa"/>
+        <a:font script="Sinh" typeface="Iskoola Pota"/>
+        <a:font script="Mong" typeface="Mongolian Baiti"/>
+        <a:font script="Viet" typeface="Times New Roman"/>
+        <a:font script="Uigh" typeface="Microsoft Uighur"/>
+        <a:font script="Geor" typeface="Sylfaen"/>
+      </a:majorFont>
+      <a:minorFont>
+        <a:latin typeface="Calibri"/>
+        <a:ea typeface=""/>
+        <a:cs typeface=""/>
+        <a:font script="Jpan" typeface="ＭＳ Ｐゴシック"/>
+        <a:font script="Hang" typeface="맑은 고딕"/>
+        <a:font script="Hans" typeface="宋体"/>
+        <a:font script="Hant" typeface="新細明體"/>
+        <a:font script="Arab" typeface="Arial"/>
+        <a:font script="Hebr" typeface="Arial"/>
+        <a:font script="Thai" typeface="Cordia New"/>
+        <a:font script="Ethi" typeface="Nyala"/>
+        <a:font script="Beng" typeface="Vrinda"/>
+        <a:font script="Gujr" typeface="Shruti"/>
+        <a:font script="Khmr" typeface="DaunPenh"/>
+        <a:font script="Knda" typeface="Tunga"/>
+        <a:font script="Guru" typeface="Raavi"/>
+        <a:font script="Cans" typeface="Euphemia"/>
+        <a:font script="Cher" typeface="Plantagenet Cherokee"/>
+        <a:font script="Yiii" typeface="Microsoft Yi Baiti"/>
+        <a:font script="Tibt" typeface="Microsoft Himalaya"/>
+        <a:font script="Thaa" typeface="MV Boli"/>
+        <a:font script="Deva" typeface="Mangal"/>
+        <a:font script="Telu" typeface="Gautami"/>
+        <a:font script="Taml" typeface="Latha"/>
+        <a:font script="Syrc" typeface="Estrangelo Edessa"/>
+        <a:font script="Orya" typeface="Kalinga"/>
+        <a:font script="Mlym" typeface="Kartika"/>
+        <a:font script="Laoo" typeface="DokChampa"/>
+        <a:font script="Sinh" typeface="Iskoola Pota"/>
+        <a:font script="Mong" typeface="Mongolian Baiti"/>
+        <a:font script="Viet" typeface="Arial"/>
+        <a:font script="Uigh" typeface="Microsoft Uighur"/>
+        <a:font script="Geor" typeface="Sylfaen"/>
+      </a:minorFont>
+    </a:fontScheme>
+    <a:fmtScheme name="Office">
+      <a:fillStyleLst>
+        <a:solidFill>
+          <a:schemeClr val="phClr"/>
+        </a:solidFill>
+        <a:gradFill rotWithShape="1">
+          <a:gsLst>
+            <a:gs pos="0">
+              <a:schemeClr val="phClr">
+                <a:tint val="50000"/>
+                <a:satMod val="300000"/>
+              </a:schemeClr>
+            </a:gs>
+            <a:gs pos="35000">
+              <a:schemeClr val="phClr">
+                <a:tint val="37000"/>
+                <a:satMod val="300000"/>
+              </a:schemeClr>
+            </a:gs>
+            <a:gs pos="100000">
+              <a:schemeClr val="phClr">
+                <a:tint val="15000"/>
+                <a:satMod val="350000"/>
+              </a:schemeClr>
+            </a:gs>
+          </a:gsLst>
+          <a:lin ang="16200000" scaled="1"/>
+        </a:gradFill>
+        <a:gradFill rotWithShape="1">
+          <a:gsLst>
+            <a:gs pos="0">
+              <a:schemeClr val="phClr">
+                <a:tint val="100000"/>
+                <a:shade val="100000"/>
+                <a:satMod val="130000"/>
+              </a:schemeClr>
+            </a:gs>
+            <a:gs pos="100000">
+              <a:schemeClr val="phClr">
+                <a:tint val="50000"/>
+                <a:shade val="100000"/>
+                <a:satMod val="350000"/>
+              </a:schemeClr>
+            </a:gs>
+          </a:gsLst>
+          <a:lin ang="16200000" scaled="0"/>
+        </a:gradFill>
+      </a:fillStyleLst>
+      <a:lnStyleLst>
+        <a:ln w="9525" cap="flat" cmpd="sng" algn="ctr">
+          <a:solidFill>
+            <a:schemeClr val="phClr">
+              <a:shade val="95000"/>
+              <a:satMod val="105000"/>
+            </a:schemeClr>
+          </a:solidFill>
+          <a:prstDash val="solid"/>
+        </a:ln>
+        <a:ln w="25400" cap="flat" cmpd="sng" algn="ctr">
+          <a:solidFill>
+            <a:schemeClr val="phClr"/>
+          </a:solidFill>
+          <a:prstDash val="solid"/>
+        </a:ln>
+        <a:ln w="38100" cap="flat" cmpd="sng" algn="ctr">
+          <a:solidFill>
+            <a:schemeClr val="phClr"/>
+          </a:solidFill>
+          <a:prstDash val="solid"/>
+        </a:ln>
+      </a:lnStyleLst>
+      <a:effectStyleLst>
+        <a:effectStyle>
+          <a:effectLst>
+            <a:outerShdw blurRad="40000" dist="20000" dir="5400000" rotWithShape="0">
+              <a:srgbClr val="000000">
+                <a:alpha val="38000"/>
+              </a:srgbClr>
+            </a:outerShdw>
+          </a:effectLst>
+        </a:effectStyle>
+        <a:effectStyle>
+          <a:effectLst>
+            <a:outerShdw blurRad="40000" dist="23000" dir="5400000" rotWithShape="0">
+              <a:srgbClr val="000000">
+                <a:alpha val="35000"/>
+              </a:srgbClr>
+            </a:outerShdw>
+          </a:effectLst>
+        </a:effectStyle>
+        <a:effectStyle>
+          <a:effectLst>
+            <a:outerShdw blurRad="40000" dist="23000" dir="5400000" rotWithShape="0">
+              <a:srgbClr val="000000">
+                <a:alpha val="35000"/>
+              </a:srgbClr>
+            </a:outerShdw>
+          </a:effectLst>
+          <a:scene3d>
+            <a:camera prst="orthographicFront">
+              <a:rot lat="0" lon="0" rev="0"/>
+            </a:camera>
+            <a:lightRig rig="threePt" dir="t">
+              <a:rot lat="0" lon="0" rev="1200000"/>
+            </a:lightRig>
+          </a:scene3d>
+          <a:sp3d>
+            <a:bevelT w="63500" h="25400"/>
+          </a:sp3d>
+        </a:effectStyle>
+      </a:effectStyleLst>
+      <a:bgFillStyleLst>
+        <a:solidFill>
+          <a:schemeClr val="phClr"/>
+        </a:solidFill>
+        <a:gradFill rotWithShape="1">
+          <a:gsLst>
+            <a:gs pos="0">
+              <a:schemeClr val="phClr">
+                <a:tint val="40000"/>
+                <a:satMod val="350000"/>
+              </a:schemeClr>
+            </a:gs>
+            <a:gs pos="40000">
+              <a:schemeClr val="phClr">
+                <a:tint val="45000"/>
+                <a:shade val="99000"/>
+                <a:satMod val="350000"/>
+              </a:schemeClr>
+            </a:gs>
+            <a:gs pos="100000">
+              <a:schemeClr val="phClr">
+                <a:shade val="20000"/>
+                <a:satMod val="255000"/>
+              </a:schemeClr>
+            </a:gs>
+          </a:gsLst>
+          <a:path path="circle">
+            <a:fillToRect l="50000" t="-80000" r="50000" b="180000"/>
+          </a:path>
+        </a:gradFill>
+        <a:gradFill rotWithShape="1">
+          <a:gsLst>
+            <a:gs pos="0">
+              <a:schemeClr val="phClr">
+                <a:tint val="80000"/>
+                <a:satMod val="300000"/>
+              </a:schemeClr>
+            </a:gs>
+            <a:gs pos="100000">
+              <a:schemeClr val="phClr">
+                <a:shade val="30000"/>
+                <a:satMod val="200000"/>
+              </a:schemeClr>
+            </a:gs>
+          </a:gsLst>
+          <a:path path="circle">
+            <a:fillToRect l="50000" t="50000" r="50000" b="50000"/>
+          </a:path>
+        </a:gradFill>
+      </a:bgFillStyleLst>
+    </a:fmtScheme>
+  </a:themeElements>
+  <a:objectDefaults>
+    <a:spDef>
+      <a:spPr/>
+      <a:bodyPr/>
+      <a:lstStyle/>
+      <a:style>
+        <a:lnRef idx="1">
+          <a:schemeClr val="accent1"/>
+        </a:lnRef>
+        <a:fillRef idx="3">
+          <a:schemeClr val="accent1"/>
+        </a:fillRef>
+        <a:effectRef idx="2">
+          <a:schemeClr val="accent1"/>
+        </a:effectRef>
+        <a:fontRef idx="minor">
+          <a:schemeClr val="lt1"/>
+        </a:fontRef>
+      </a:style>
+    </a:spDef>
+    <a:lnDef>
+      <a:spPr/>
+      <a:bodyPr/>
+      <a:lstStyle/>
+      <a:style>
+        <a:lnRef idx="2">
+          <a:schemeClr val="accent1"/>
+        </a:lnRef>
+        <a:fillRef idx="0">
+          <a:schemeClr val="accent1"/>
+        </a:fillRef>
+        <a:effectRef idx="1">
+          <a:schemeClr val="accent1"/>
+        </a:effectRef>
+        <a:fontRef idx="minor">
+          <a:schemeClr val="tx1"/>
+        </a:fontRef>
+      </a:style>
+    </a:lnDef>
+  </a:objectDefaults>
+  <a:extraClrSchemeLst/>
+</a:theme>
 </file>
--- a/Meetings/22.08.2016-LabRetreat.pptx
+++ b/Meetings/22.08.2016-LabRetreat.pptx
@@ -14,11 +14,11 @@
     <p:sldId id="261" r:id="rId5"/>
     <p:sldId id="262" r:id="rId6"/>
     <p:sldId id="263" r:id="rId7"/>
-    <p:sldId id="264" r:id="rId8"/>
-    <p:sldId id="258" r:id="rId9"/>
-    <p:sldId id="266" r:id="rId10"/>
-    <p:sldId id="257" r:id="rId11"/>
-    <p:sldId id="260" r:id="rId12"/>
+    <p:sldId id="258" r:id="rId8"/>
+    <p:sldId id="266" r:id="rId9"/>
+    <p:sldId id="268" r:id="rId10"/>
+    <p:sldId id="269" r:id="rId11"/>
+    <p:sldId id="267" r:id="rId12"/>
   </p:sldIdLst>
   <p:sldSz cx="9144000" cy="6858000" type="screen4x3"/>
   <p:notesSz cx="6858000" cy="9144000"/>
@@ -202,7 +202,7 @@
           <a:p>
             <a:fld id="{EB4E266A-4D22-8F44-80A9-CB89A014B13F}" type="datetimeFigureOut">
               <a:rPr lang="en-US" smtClean="0"/>
-              <a:t>16-08-17</a:t>
+              <a:t>16-08-18</a:t>
             </a:fld>
             <a:endParaRPr lang="en-CA"/>
           </a:p>
@@ -654,6 +654,259 @@
 </p:notes>
 </file>
 
+<file path=ppt/notesSlides/notesSlide3.xml><?xml version="1.0" encoding="utf-8"?>
+<p:notes xmlns:a="http://schemas.openxmlformats.org/drawingml/2006/main" xmlns:r="http://schemas.openxmlformats.org/officeDocument/2006/relationships" xmlns:p="http://schemas.openxmlformats.org/presentationml/2006/main">
+  <p:cSld>
+    <p:spTree>
+      <p:nvGrpSpPr>
+        <p:cNvPr id="1" name=""/>
+        <p:cNvGrpSpPr/>
+        <p:nvPr/>
+      </p:nvGrpSpPr>
+      <p:grpSpPr>
+        <a:xfrm>
+          <a:off x="0" y="0"/>
+          <a:ext cx="0" cy="0"/>
+          <a:chOff x="0" y="0"/>
+          <a:chExt cx="0" cy="0"/>
+        </a:xfrm>
+      </p:grpSpPr>
+      <p:sp>
+        <p:nvSpPr>
+          <p:cNvPr id="2" name="Slide Image Placeholder 1"/>
+          <p:cNvSpPr>
+            <a:spLocks noGrp="1" noRot="1" noChangeAspect="1"/>
+          </p:cNvSpPr>
+          <p:nvPr>
+            <p:ph type="sldImg"/>
+          </p:nvPr>
+        </p:nvSpPr>
+        <p:spPr/>
+      </p:sp>
+      <p:sp>
+        <p:nvSpPr>
+          <p:cNvPr id="3" name="Notes Placeholder 2"/>
+          <p:cNvSpPr>
+            <a:spLocks noGrp="1"/>
+          </p:cNvSpPr>
+          <p:nvPr>
+            <p:ph type="body" idx="1"/>
+          </p:nvPr>
+        </p:nvSpPr>
+        <p:spPr/>
+        <p:txBody>
+          <a:bodyPr/>
+          <a:lstStyle/>
+          <a:p>
+            <a:pPr marL="0" marR="0" indent="0" algn="l" defTabSz="457200" rtl="0" eaLnBrk="1" fontAlgn="auto" latinLnBrk="0" hangingPunct="1">
+              <a:lnSpc>
+                <a:spcPct val="100000"/>
+              </a:lnSpc>
+              <a:spcBef>
+                <a:spcPts val="0"/>
+              </a:spcBef>
+              <a:spcAft>
+                <a:spcPts val="0"/>
+              </a:spcAft>
+              <a:buClrTx/>
+              <a:buSzTx/>
+              <a:buFontTx/>
+              <a:buNone/>
+              <a:tabLst/>
+              <a:defRPr/>
+            </a:pPr>
+            <a:r>
+              <a:rPr lang="en-CA" dirty="0" smtClean="0"/>
+              <a:t>EXPLAIN TYPICAL ISE PARADIGM</a:t>
+            </a:r>
+          </a:p>
+          <a:p>
+            <a:pPr marL="0" marR="0" indent="0" algn="l" defTabSz="457200" rtl="0" eaLnBrk="1" fontAlgn="auto" latinLnBrk="0" hangingPunct="1">
+              <a:lnSpc>
+                <a:spcPct val="100000"/>
+              </a:lnSpc>
+              <a:spcBef>
+                <a:spcPts val="0"/>
+              </a:spcBef>
+              <a:spcAft>
+                <a:spcPts val="0"/>
+              </a:spcAft>
+              <a:buClrTx/>
+              <a:buSzTx/>
+              <a:buFontTx/>
+              <a:buNone/>
+              <a:tabLst/>
+              <a:defRPr/>
+            </a:pPr>
+            <a:r>
+              <a:rPr lang="en-CA" dirty="0" smtClean="0"/>
+              <a:t>Acoustical variation</a:t>
+            </a:r>
+            <a:r>
+              <a:rPr lang="en-CA" baseline="0" dirty="0" smtClean="0"/>
+              <a:t> – unclear what this means – I think it has to do with how much change there is in the acoustical properties of the song (timbre, pitch, etc.)</a:t>
+            </a:r>
+            <a:endParaRPr lang="en-CA" dirty="0" smtClean="0"/>
+          </a:p>
+          <a:p>
+            <a:pPr marL="0" marR="0" indent="0" algn="l" defTabSz="457200" rtl="0" eaLnBrk="1" fontAlgn="auto" latinLnBrk="0" hangingPunct="1">
+              <a:lnSpc>
+                <a:spcPct val="100000"/>
+              </a:lnSpc>
+              <a:spcBef>
+                <a:spcPts val="0"/>
+              </a:spcBef>
+              <a:spcAft>
+                <a:spcPts val="0"/>
+              </a:spcAft>
+              <a:buClrTx/>
+              <a:buSzTx/>
+              <a:buFontTx/>
+              <a:buNone/>
+              <a:tabLst/>
+              <a:defRPr/>
+            </a:pPr>
+            <a:endParaRPr lang="en-CA" dirty="0" smtClean="0"/>
+          </a:p>
+          <a:p>
+            <a:pPr marL="0" marR="0" indent="0" algn="l" defTabSz="457200" rtl="0" eaLnBrk="1" fontAlgn="auto" latinLnBrk="0" hangingPunct="1">
+              <a:lnSpc>
+                <a:spcPct val="100000"/>
+              </a:lnSpc>
+              <a:spcBef>
+                <a:spcPts val="0"/>
+              </a:spcBef>
+              <a:spcAft>
+                <a:spcPts val="0"/>
+              </a:spcAft>
+              <a:buClrTx/>
+              <a:buSzTx/>
+              <a:buFontTx/>
+              <a:buNone/>
+              <a:tabLst/>
+              <a:defRPr/>
+            </a:pPr>
+            <a:endParaRPr lang="en-CA" dirty="0" smtClean="0"/>
+          </a:p>
+          <a:p>
+            <a:pPr marL="0" marR="0" indent="0" algn="l" defTabSz="457200" rtl="0" eaLnBrk="1" fontAlgn="auto" latinLnBrk="0" hangingPunct="1">
+              <a:lnSpc>
+                <a:spcPct val="100000"/>
+              </a:lnSpc>
+              <a:spcBef>
+                <a:spcPts val="0"/>
+              </a:spcBef>
+              <a:spcAft>
+                <a:spcPts val="0"/>
+              </a:spcAft>
+              <a:buClrTx/>
+              <a:buSzTx/>
+              <a:buFontTx/>
+              <a:buNone/>
+              <a:tabLst/>
+              <a:defRPr/>
+            </a:pPr>
+            <a:r>
+              <a:rPr lang="en-CA" dirty="0" smtClean="0"/>
+              <a:t>Explanations of the ISE can be roughly divided into two types (Jones &amp; Tremblay, 2000). Firstly, there are those that propose that the impairment is because of the identity of the items in the task becoming confused with the identity of the items in the irrelevant sound (</a:t>
+            </a:r>
+            <a:r>
+              <a:rPr lang="en-CA" dirty="0" err="1" smtClean="0"/>
+              <a:t>Baddeley</a:t>
+            </a:r>
+            <a:r>
+              <a:rPr lang="en-CA" dirty="0" smtClean="0"/>
+              <a:t>, 1986; Neath, 2000) or that the sound attracts the participant’s attention, thus reducing available resources to perform the task (Cowan, 1995; Neath, 2000). However, these are refuted by evidence showing that non-speech sounds also impair performance (Jones &amp; </a:t>
+            </a:r>
+            <a:r>
+              <a:rPr lang="en-CA" dirty="0" err="1" smtClean="0"/>
+              <a:t>Macken</a:t>
+            </a:r>
+            <a:r>
+              <a:rPr lang="en-CA" dirty="0" smtClean="0"/>
+              <a:t>, 1993) and that the sound only impairs performance when the task involves </a:t>
+            </a:r>
+            <a:r>
+              <a:rPr lang="en-CA" dirty="0" err="1" smtClean="0"/>
+              <a:t>seriation</a:t>
+            </a:r>
+            <a:r>
+              <a:rPr lang="en-CA" dirty="0" smtClean="0"/>
+              <a:t> (tasks such as </a:t>
+            </a:r>
+          </a:p>
+          <a:p>
+            <a:pPr marL="0" marR="0" indent="0" algn="l" defTabSz="457200" rtl="0" eaLnBrk="1" fontAlgn="auto" latinLnBrk="0" hangingPunct="1">
+              <a:lnSpc>
+                <a:spcPct val="100000"/>
+              </a:lnSpc>
+              <a:spcBef>
+                <a:spcPts val="0"/>
+              </a:spcBef>
+              <a:spcAft>
+                <a:spcPts val="0"/>
+              </a:spcAft>
+              <a:buClrTx/>
+              <a:buSzTx/>
+              <a:buFontTx/>
+              <a:buNone/>
+              <a:tabLst/>
+              <a:defRPr/>
+            </a:pPr>
+            <a:r>
+              <a:rPr lang="en-CA" dirty="0" smtClean="0"/>
+              <a:t>missing item and category recall do not show impairment: </a:t>
+            </a:r>
+            <a:r>
+              <a:rPr lang="en-CA" dirty="0" err="1" smtClean="0"/>
+              <a:t>Beaman</a:t>
+            </a:r>
+            <a:r>
+              <a:rPr lang="en-CA" dirty="0" smtClean="0"/>
+              <a:t> &amp; Jones, 1997; Perham, Banbury, &amp; Jones, 2007)</a:t>
+            </a:r>
+          </a:p>
+          <a:p>
+            <a:endParaRPr lang="en-CA" dirty="0"/>
+          </a:p>
+        </p:txBody>
+      </p:sp>
+      <p:sp>
+        <p:nvSpPr>
+          <p:cNvPr id="4" name="Slide Number Placeholder 3"/>
+          <p:cNvSpPr>
+            <a:spLocks noGrp="1"/>
+          </p:cNvSpPr>
+          <p:nvPr>
+            <p:ph type="sldNum" sz="quarter" idx="10"/>
+          </p:nvPr>
+        </p:nvSpPr>
+        <p:spPr/>
+        <p:txBody>
+          <a:bodyPr/>
+          <a:lstStyle/>
+          <a:p>
+            <a:fld id="{537A71D4-B03A-4E4C-A0D3-5F8BF4C8A4C4}" type="slidenum">
+              <a:rPr lang="en-CA" smtClean="0"/>
+              <a:t>7</a:t>
+            </a:fld>
+            <a:endParaRPr lang="en-CA"/>
+          </a:p>
+        </p:txBody>
+      </p:sp>
+    </p:spTree>
+    <p:extLst>
+      <p:ext uri="{BB962C8B-B14F-4D97-AF65-F5344CB8AC3E}">
+        <p14:creationId xmlns:p14="http://schemas.microsoft.com/office/powerpoint/2010/main" val="1674549061"/>
+      </p:ext>
+    </p:extLst>
+  </p:cSld>
+  <p:clrMapOvr>
+    <a:masterClrMapping/>
+  </p:clrMapOvr>
+</p:notes>
+</file>
+
 <file path=ppt/slideLayouts/slideLayout1.xml><?xml version="1.0" encoding="utf-8"?>
 <p:sldLayout xmlns:a="http://schemas.openxmlformats.org/drawingml/2006/main" xmlns:r="http://schemas.openxmlformats.org/officeDocument/2006/relationships" xmlns:p="http://schemas.openxmlformats.org/presentationml/2006/main" type="title" preserve="1">
   <p:cSld name="Title Slide">
@@ -835,7 +1088,7 @@
           <a:p>
             <a:fld id="{EB181B1E-577E-6746-9E87-E40B031F55A3}" type="datetimeFigureOut">
               <a:rPr lang="en-US" smtClean="0"/>
-              <a:t>16-08-17</a:t>
+              <a:t>16-08-18</a:t>
             </a:fld>
             <a:endParaRPr lang="en-CA"/>
           </a:p>
@@ -1005,7 +1258,7 @@
           <a:p>
             <a:fld id="{EB181B1E-577E-6746-9E87-E40B031F55A3}" type="datetimeFigureOut">
               <a:rPr lang="en-US" smtClean="0"/>
-              <a:t>16-08-17</a:t>
+              <a:t>16-08-18</a:t>
             </a:fld>
             <a:endParaRPr lang="en-CA"/>
           </a:p>
@@ -1185,7 +1438,7 @@
           <a:p>
             <a:fld id="{EB181B1E-577E-6746-9E87-E40B031F55A3}" type="datetimeFigureOut">
               <a:rPr lang="en-US" smtClean="0"/>
-              <a:t>16-08-17</a:t>
+              <a:t>16-08-18</a:t>
             </a:fld>
             <a:endParaRPr lang="en-CA"/>
           </a:p>
@@ -1355,7 +1608,7 @@
           <a:p>
             <a:fld id="{EB181B1E-577E-6746-9E87-E40B031F55A3}" type="datetimeFigureOut">
               <a:rPr lang="en-US" smtClean="0"/>
-              <a:t>16-08-17</a:t>
+              <a:t>16-08-18</a:t>
             </a:fld>
             <a:endParaRPr lang="en-CA"/>
           </a:p>
@@ -1601,7 +1854,7 @@
           <a:p>
             <a:fld id="{EB181B1E-577E-6746-9E87-E40B031F55A3}" type="datetimeFigureOut">
               <a:rPr lang="en-US" smtClean="0"/>
-              <a:t>16-08-17</a:t>
+              <a:t>16-08-18</a:t>
             </a:fld>
             <a:endParaRPr lang="en-CA"/>
           </a:p>
@@ -1889,7 +2142,7 @@
           <a:p>
             <a:fld id="{EB181B1E-577E-6746-9E87-E40B031F55A3}" type="datetimeFigureOut">
               <a:rPr lang="en-US" smtClean="0"/>
-              <a:t>16-08-17</a:t>
+              <a:t>16-08-18</a:t>
             </a:fld>
             <a:endParaRPr lang="en-CA"/>
           </a:p>
@@ -2311,7 +2564,7 @@
           <a:p>
             <a:fld id="{EB181B1E-577E-6746-9E87-E40B031F55A3}" type="datetimeFigureOut">
               <a:rPr lang="en-US" smtClean="0"/>
-              <a:t>16-08-17</a:t>
+              <a:t>16-08-18</a:t>
             </a:fld>
             <a:endParaRPr lang="en-CA"/>
           </a:p>
@@ -2429,7 +2682,7 @@
           <a:p>
             <a:fld id="{EB181B1E-577E-6746-9E87-E40B031F55A3}" type="datetimeFigureOut">
               <a:rPr lang="en-US" smtClean="0"/>
-              <a:t>16-08-17</a:t>
+              <a:t>16-08-18</a:t>
             </a:fld>
             <a:endParaRPr lang="en-CA"/>
           </a:p>
@@ -2524,7 +2777,7 @@
           <a:p>
             <a:fld id="{EB181B1E-577E-6746-9E87-E40B031F55A3}" type="datetimeFigureOut">
               <a:rPr lang="en-US" smtClean="0"/>
-              <a:t>16-08-17</a:t>
+              <a:t>16-08-18</a:t>
             </a:fld>
             <a:endParaRPr lang="en-CA"/>
           </a:p>
@@ -2801,7 +3054,7 @@
           <a:p>
             <a:fld id="{EB181B1E-577E-6746-9E87-E40B031F55A3}" type="datetimeFigureOut">
               <a:rPr lang="en-US" smtClean="0"/>
-              <a:t>16-08-17</a:t>
+              <a:t>16-08-18</a:t>
             </a:fld>
             <a:endParaRPr lang="en-CA"/>
           </a:p>
@@ -3054,7 +3307,7 @@
           <a:p>
             <a:fld id="{EB181B1E-577E-6746-9E87-E40B031F55A3}" type="datetimeFigureOut">
               <a:rPr lang="en-US" smtClean="0"/>
-              <a:t>16-08-17</a:t>
+              <a:t>16-08-18</a:t>
             </a:fld>
             <a:endParaRPr lang="en-CA"/>
           </a:p>
@@ -3267,7 +3520,7 @@
           <a:p>
             <a:fld id="{EB181B1E-577E-6746-9E87-E40B031F55A3}" type="datetimeFigureOut">
               <a:rPr lang="en-US" smtClean="0"/>
-              <a:t>16-08-17</a:t>
+              <a:t>16-08-18</a:t>
             </a:fld>
             <a:endParaRPr lang="en-CA"/>
           </a:p>
@@ -3659,7 +3912,19 @@
           <a:p>
             <a:r>
               <a:rPr lang="en-CA" dirty="0" smtClean="0"/>
-              <a:t>Effect of background music on cognition</a:t>
+              <a:t>Effect of </a:t>
+            </a:r>
+            <a:r>
+              <a:rPr lang="en-CA" dirty="0" smtClean="0"/>
+              <a:t>music </a:t>
+            </a:r>
+            <a:r>
+              <a:rPr lang="en-CA" dirty="0" smtClean="0"/>
+              <a:t>on </a:t>
+            </a:r>
+            <a:r>
+              <a:rPr lang="en-CA" dirty="0" smtClean="0"/>
+              <a:t>cognitive functions</a:t>
             </a:r>
             <a:endParaRPr lang="en-CA" dirty="0"/>
           </a:p>
@@ -3736,7 +4001,11 @@
           <a:bodyPr/>
           <a:lstStyle/>
           <a:p>
-            <a:endParaRPr lang="en-CA"/>
+            <a:r>
+              <a:rPr lang="en-CA" dirty="0" smtClean="0"/>
+              <a:t>Things we can manipulate</a:t>
+            </a:r>
+            <a:endParaRPr lang="en-CA" dirty="0"/>
           </a:p>
         </p:txBody>
       </p:sp>
@@ -3753,100 +4022,273 @@
         <p:spPr/>
         <p:txBody>
           <a:bodyPr>
-            <a:normAutofit fontScale="70000" lnSpcReduction="20000"/>
+            <a:normAutofit/>
           </a:bodyPr>
           <a:lstStyle/>
           <a:p>
             <a:r>
-              <a:rPr lang="en-CA" dirty="0" smtClean="0"/>
-              <a:t>Music </a:t>
-            </a:r>
-            <a:r>
-              <a:rPr lang="en-CA" dirty="0" smtClean="0"/>
-              <a:t>as an arouser</a:t>
-            </a:r>
-          </a:p>
-          <a:p>
-            <a:r>
-              <a:rPr lang="en-CA" dirty="0" smtClean="0"/>
-              <a:t>Does playing music before task act as an arouser – benefit, without the distraction element of listening to music during task</a:t>
-            </a:r>
-          </a:p>
-          <a:p>
-            <a:r>
-              <a:rPr lang="en-CA" dirty="0" smtClean="0"/>
-              <a:t>what types of cognitive processes are affected by music?</a:t>
-            </a:r>
-          </a:p>
-          <a:p>
-            <a:r>
-              <a:rPr lang="en-CA" dirty="0" smtClean="0"/>
-              <a:t>Investigate effects based on:</a:t>
-            </a:r>
+              <a:rPr lang="en-CA" sz="2400" dirty="0" smtClean="0"/>
+              <a:t>Music before/during</a:t>
+            </a:r>
+          </a:p>
+          <a:p>
+            <a:r>
+              <a:rPr lang="en-CA" sz="2400" dirty="0"/>
+              <a:t># of </a:t>
+            </a:r>
+            <a:r>
+              <a:rPr lang="en-CA" sz="2400" dirty="0" smtClean="0"/>
+              <a:t>participants – large numbers using </a:t>
+            </a:r>
+            <a:r>
+              <a:rPr lang="en-CA" sz="2400" dirty="0" err="1" smtClean="0"/>
+              <a:t>MTurk</a:t>
+            </a:r>
+            <a:endParaRPr lang="en-CA" sz="2400" dirty="0" smtClean="0"/>
           </a:p>
           <a:p>
             <a:pPr lvl="1"/>
             <a:r>
-              <a:rPr lang="en-CA" dirty="0" smtClean="0"/>
-              <a:t>Steady-state </a:t>
-            </a:r>
-            <a:r>
-              <a:rPr lang="en-CA" dirty="0" err="1" smtClean="0"/>
-              <a:t>vs</a:t>
-            </a:r>
-            <a:r>
-              <a:rPr lang="en-CA" dirty="0" smtClean="0"/>
-              <a:t> changing-state sound </a:t>
+              <a:rPr lang="en-CA" sz="2400" dirty="0" smtClean="0"/>
+              <a:t>Past studies have an average of </a:t>
+            </a:r>
+            <a:r>
+              <a:rPr lang="en-CA" sz="2400" dirty="0"/>
+              <a:t>40 </a:t>
+            </a:r>
+            <a:r>
+              <a:rPr lang="en-CA" sz="2000" dirty="0"/>
+              <a:t>(96 in 1988; 208 in 1952</a:t>
+            </a:r>
+            <a:r>
+              <a:rPr lang="en-CA" sz="2000" dirty="0" smtClean="0"/>
+              <a:t>)</a:t>
             </a:r>
           </a:p>
           <a:p>
             <a:pPr lvl="1"/>
-            <a:r>
-              <a:rPr lang="en-CA" dirty="0" smtClean="0"/>
+            <a:endParaRPr lang="en-CA" dirty="0" smtClean="0"/>
+          </a:p>
+          <a:p>
+            <a:endParaRPr lang="en-CA" dirty="0"/>
+          </a:p>
+          <a:p>
+            <a:endParaRPr lang="en-CA" dirty="0" smtClean="0"/>
+          </a:p>
+          <a:p>
+            <a:pPr marL="0" indent="0">
+              <a:buNone/>
+            </a:pPr>
+            <a:endParaRPr lang="en-CA" dirty="0" smtClean="0"/>
+          </a:p>
+        </p:txBody>
+      </p:sp>
+      <p:sp>
+        <p:nvSpPr>
+          <p:cNvPr id="4" name="TextBox 3"/>
+          <p:cNvSpPr txBox="1"/>
+          <p:nvPr/>
+        </p:nvSpPr>
+        <p:spPr>
+          <a:xfrm>
+            <a:off x="5020235" y="3421529"/>
+            <a:ext cx="3124512" cy="3231654"/>
+          </a:xfrm>
+          <a:prstGeom prst="rect">
+            <a:avLst/>
+          </a:prstGeom>
+          <a:noFill/>
+        </p:spPr>
+        <p:txBody>
+          <a:bodyPr wrap="square" rtlCol="0">
+            <a:spAutoFit/>
+          </a:bodyPr>
+          <a:lstStyle/>
+          <a:p>
+            <a:r>
+              <a:rPr lang="en-CA" sz="2400" b="1" dirty="0" smtClean="0"/>
+              <a:t>Music</a:t>
+            </a:r>
+            <a:endParaRPr lang="en-CA" sz="2400" b="1" dirty="0"/>
+          </a:p>
+          <a:p>
+            <a:pPr marL="285750" indent="-285750">
+              <a:buFont typeface="Arial"/>
+              <a:buChar char="•"/>
+            </a:pPr>
+            <a:r>
+              <a:rPr lang="en-CA" sz="2000" dirty="0"/>
+              <a:t>Familiar/unfamiliar</a:t>
+            </a:r>
+          </a:p>
+          <a:p>
+            <a:pPr marL="285750" indent="-285750">
+              <a:buFont typeface="Arial"/>
+              <a:buChar char="•"/>
+            </a:pPr>
+            <a:r>
+              <a:rPr lang="en-CA" sz="2000" dirty="0"/>
+              <a:t>With/without lyrics</a:t>
+            </a:r>
+          </a:p>
+          <a:p>
+            <a:pPr marL="285750" indent="-285750">
+              <a:buFont typeface="Arial"/>
+              <a:buChar char="•"/>
+            </a:pPr>
+            <a:r>
+              <a:rPr lang="en-CA" sz="2000" dirty="0"/>
+              <a:t>Liked/disliked</a:t>
+            </a:r>
+          </a:p>
+          <a:p>
+            <a:pPr marL="285750" indent="-285750">
+              <a:buFont typeface="Arial"/>
+              <a:buChar char="•"/>
+            </a:pPr>
+            <a:r>
+              <a:rPr lang="en-CA" sz="2000" dirty="0"/>
+              <a:t>Quiet/loud</a:t>
+            </a:r>
+          </a:p>
+          <a:p>
+            <a:pPr marL="285750" indent="-285750">
+              <a:buFont typeface="Arial"/>
+              <a:buChar char="•"/>
+            </a:pPr>
+            <a:r>
+              <a:rPr lang="en-CA" sz="2000" dirty="0"/>
+              <a:t>Happy/sad</a:t>
+            </a:r>
+          </a:p>
+          <a:p>
+            <a:pPr marL="285750" indent="-285750">
+              <a:buFont typeface="Arial"/>
+              <a:buChar char="•"/>
+            </a:pPr>
+            <a:r>
+              <a:rPr lang="en-CA" sz="2000" dirty="0"/>
+              <a:t>Acoustical variation</a:t>
+            </a:r>
+          </a:p>
+          <a:p>
+            <a:pPr marL="285750" indent="-285750">
+              <a:buFont typeface="Arial"/>
+              <a:buChar char="•"/>
+            </a:pPr>
+            <a:r>
+              <a:rPr lang="en-CA" sz="2000" dirty="0" smtClean="0"/>
               <a:t>Genre</a:t>
             </a:r>
           </a:p>
           <a:p>
-            <a:pPr lvl="1"/>
-            <a:r>
-              <a:rPr lang="en-CA" dirty="0" smtClean="0"/>
-              <a:t>Like/dislike (been done (serial and reading), and doesn’t seem to have an effect when played during a task)</a:t>
-            </a:r>
-          </a:p>
-          <a:p>
-            <a:pPr lvl="1"/>
-            <a:r>
-              <a:rPr lang="en-CA" dirty="0" smtClean="0"/>
-              <a:t>Affect (happy/sad)</a:t>
-            </a:r>
-          </a:p>
-          <a:p>
-            <a:r>
-              <a:rPr lang="en-CA" dirty="0" smtClean="0"/>
-              <a:t>ISE</a:t>
-            </a:r>
-          </a:p>
-          <a:p>
-            <a:r>
-              <a:rPr lang="en-CA" dirty="0" smtClean="0"/>
-              <a:t>Some research on non-verbal problems (serial tasks, 1 study with shapes)</a:t>
-            </a:r>
-          </a:p>
-          <a:p>
-            <a:r>
-              <a:rPr lang="en-CA" dirty="0" smtClean="0"/>
-              <a:t>Differences in findings across studies – task choice, age</a:t>
-            </a:r>
-          </a:p>
-          <a:p>
-            <a:endParaRPr lang="en-CA" dirty="0" smtClean="0"/>
+            <a:pPr marL="285750" indent="-285750">
+              <a:buFont typeface="Arial"/>
+              <a:buChar char="•"/>
+            </a:pPr>
+            <a:r>
+              <a:rPr lang="en-CA" sz="2000" dirty="0" smtClean="0"/>
+              <a:t>Etc.</a:t>
+            </a:r>
+            <a:endParaRPr lang="en-CA" sz="2000" dirty="0"/>
+          </a:p>
+          <a:p>
+            <a:endParaRPr lang="en-CA" sz="2000" dirty="0"/>
+          </a:p>
+        </p:txBody>
+      </p:sp>
+      <p:sp>
+        <p:nvSpPr>
+          <p:cNvPr id="5" name="TextBox 4"/>
+          <p:cNvSpPr txBox="1"/>
+          <p:nvPr/>
+        </p:nvSpPr>
+        <p:spPr>
+          <a:xfrm>
+            <a:off x="690282" y="3424517"/>
+            <a:ext cx="3124512" cy="2308324"/>
+          </a:xfrm>
+          <a:prstGeom prst="rect">
+            <a:avLst/>
+          </a:prstGeom>
+          <a:noFill/>
+        </p:spPr>
+        <p:txBody>
+          <a:bodyPr wrap="square" rtlCol="0">
+            <a:spAutoFit/>
+          </a:bodyPr>
+          <a:lstStyle/>
+          <a:p>
+            <a:r>
+              <a:rPr lang="en-CA" sz="2400" b="1" dirty="0" smtClean="0"/>
+              <a:t>Tasks</a:t>
+            </a:r>
+            <a:endParaRPr lang="en-CA" sz="2400" b="1" dirty="0"/>
+          </a:p>
+          <a:p>
+            <a:pPr marL="285750" indent="-285750">
+              <a:buFont typeface="Arial"/>
+              <a:buChar char="•"/>
+            </a:pPr>
+            <a:r>
+              <a:rPr lang="en-CA" sz="2000" dirty="0"/>
+              <a:t>Language comprehension</a:t>
+            </a:r>
+          </a:p>
+          <a:p>
+            <a:pPr marL="285750" indent="-285750">
+              <a:buFont typeface="Arial"/>
+              <a:buChar char="•"/>
+            </a:pPr>
+            <a:r>
+              <a:rPr lang="en-CA" sz="2000" dirty="0"/>
+              <a:t>Serial recall</a:t>
+            </a:r>
+          </a:p>
+          <a:p>
+            <a:pPr marL="285750" indent="-285750">
+              <a:buFont typeface="Arial"/>
+              <a:buChar char="•"/>
+            </a:pPr>
+            <a:r>
+              <a:rPr lang="en-CA" sz="2000" dirty="0"/>
+              <a:t>Mental arithmetic</a:t>
+            </a:r>
+          </a:p>
+          <a:p>
+            <a:pPr marL="285750" indent="-285750">
+              <a:buFont typeface="Arial"/>
+              <a:buChar char="•"/>
+            </a:pPr>
+            <a:r>
+              <a:rPr lang="en-CA" sz="2000" dirty="0" smtClean="0"/>
+              <a:t>Logic</a:t>
+            </a:r>
+          </a:p>
+          <a:p>
+            <a:pPr marL="285750" indent="-285750">
+              <a:buFont typeface="Arial"/>
+              <a:buChar char="•"/>
+            </a:pPr>
+            <a:r>
+              <a:rPr lang="en-CA" sz="2000" dirty="0" smtClean="0"/>
+              <a:t>Etc.</a:t>
+            </a:r>
+            <a:endParaRPr lang="en-CA" sz="2000" dirty="0"/>
+          </a:p>
+          <a:p>
+            <a:pPr marL="285750" indent="-285750">
+              <a:buFont typeface="Arial"/>
+              <a:buChar char="•"/>
+            </a:pPr>
+            <a:endParaRPr lang="en-CA" sz="2000" dirty="0"/>
           </a:p>
         </p:txBody>
       </p:sp>
     </p:spTree>
     <p:extLst>
       <p:ext uri="{BB962C8B-B14F-4D97-AF65-F5344CB8AC3E}">
-        <p14:creationId xmlns:p14="http://schemas.microsoft.com/office/powerpoint/2010/main" val="1560329628"/>
+        <p14:creationId xmlns:p14="http://schemas.microsoft.com/office/powerpoint/2010/main" val="1077233887"/>
       </p:ext>
     </p:extLst>
   </p:cSld>
@@ -3892,16 +4334,10 @@
         </p:nvSpPr>
         <p:spPr/>
         <p:txBody>
-          <a:bodyPr>
-            <a:normAutofit/>
-          </a:bodyPr>
-          <a:lstStyle/>
-          <a:p>
-            <a:r>
-              <a:rPr lang="en-CA" sz="2800" dirty="0" smtClean="0"/>
-              <a:t>Effect of background music on cognitive performance</a:t>
-            </a:r>
-            <a:endParaRPr lang="en-CA" sz="2800" dirty="0"/>
+          <a:bodyPr/>
+          <a:lstStyle/>
+          <a:p>
+            <a:endParaRPr lang="en-CA" dirty="0"/>
           </a:p>
         </p:txBody>
       </p:sp>
@@ -3917,19 +4353,32 @@
         </p:nvSpPr>
         <p:spPr/>
         <p:txBody>
-          <a:bodyPr>
-            <a:normAutofit/>
-          </a:bodyPr>
-          <a:lstStyle/>
-          <a:p>
-            <a:endParaRPr lang="en-CA" sz="2000" dirty="0"/>
+          <a:bodyPr/>
+          <a:lstStyle/>
+          <a:p>
+            <a:pPr marL="0" indent="0" algn="ctr">
+              <a:buNone/>
+            </a:pPr>
+            <a:r>
+              <a:rPr lang="en-CA" dirty="0" smtClean="0"/>
+              <a:t>Questions?</a:t>
+            </a:r>
+          </a:p>
+          <a:p>
+            <a:pPr marL="0" indent="0" algn="ctr">
+              <a:buNone/>
+            </a:pPr>
+            <a:r>
+              <a:rPr lang="en-CA" dirty="0" smtClean="0"/>
+              <a:t>Thoughts?</a:t>
+            </a:r>
           </a:p>
         </p:txBody>
       </p:sp>
     </p:spTree>
     <p:extLst>
       <p:ext uri="{BB962C8B-B14F-4D97-AF65-F5344CB8AC3E}">
-        <p14:creationId xmlns:p14="http://schemas.microsoft.com/office/powerpoint/2010/main" val="4042762009"/>
+        <p14:creationId xmlns:p14="http://schemas.microsoft.com/office/powerpoint/2010/main" val="890574633"/>
       </p:ext>
     </p:extLst>
   </p:cSld>
@@ -4028,6 +4477,13 @@
   <p:clrMapOvr>
     <a:masterClrMapping/>
   </p:clrMapOvr>
+  <p:timing>
+    <p:tnLst>
+      <p:par>
+        <p:cTn xmlns:p14="http://schemas.microsoft.com/office/powerpoint/2010/main" id="1" dur="indefinite" restart="never" nodeType="tmRoot"/>
+      </p:par>
+    </p:tnLst>
+  </p:timing>
 </p:sld>
 </file>
 
@@ -4892,16 +5348,16 @@
             </a:r>
           </a:p>
           <a:p>
-            <a:pPr lvl="1"/>
+            <a:endParaRPr lang="en-CA" dirty="0" smtClean="0"/>
+          </a:p>
+          <a:p>
             <a:r>
               <a:rPr lang="en-CA" dirty="0" smtClean="0"/>
-              <a:t>Note that music preceded task – we’ll come back to this</a:t>
-            </a:r>
-          </a:p>
-          <a:p>
+              <a:t>Performance </a:t>
+            </a:r>
             <a:r>
               <a:rPr lang="en-CA" dirty="0" smtClean="0"/>
-              <a:t>Performance after Mozart music was higher than after listening to a relaxation tape or silence</a:t>
+              <a:t>after Mozart music was higher than after listening to a relaxation tape or silence</a:t>
             </a:r>
           </a:p>
           <a:p>
@@ -4935,7 +5391,128 @@
   <p:timing>
     <p:tnLst>
       <p:par>
-        <p:cTn xmlns:p14="http://schemas.microsoft.com/office/powerpoint/2010/main" id="1" dur="indefinite" restart="never" nodeType="tmRoot"/>
+        <p:cTn xmlns:p14="http://schemas.microsoft.com/office/powerpoint/2010/main" id="1" dur="indefinite" restart="never" nodeType="tmRoot">
+          <p:childTnLst>
+            <p:seq concurrent="1" nextAc="seek">
+              <p:cTn id="2" dur="indefinite" nodeType="mainSeq">
+                <p:childTnLst>
+                  <p:par>
+                    <p:cTn id="3" fill="hold">
+                      <p:stCondLst>
+                        <p:cond delay="indefinite"/>
+                      </p:stCondLst>
+                      <p:childTnLst>
+                        <p:par>
+                          <p:cTn id="4" fill="hold">
+                            <p:stCondLst>
+                              <p:cond delay="0"/>
+                            </p:stCondLst>
+                            <p:childTnLst>
+                              <p:par>
+                                <p:cTn id="5" presetID="1" presetClass="entr" presetSubtype="0" fill="hold" nodeType="clickEffect">
+                                  <p:stCondLst>
+                                    <p:cond delay="0"/>
+                                  </p:stCondLst>
+                                  <p:childTnLst>
+                                    <p:set>
+                                      <p:cBhvr>
+                                        <p:cTn id="6" dur="1" fill="hold">
+                                          <p:stCondLst>
+                                            <p:cond delay="0"/>
+                                          </p:stCondLst>
+                                        </p:cTn>
+                                        <p:tgtEl>
+                                          <p:spTgt spid="3">
+                                            <p:txEl>
+                                              <p:pRg st="2" end="2"/>
+                                            </p:txEl>
+                                          </p:spTgt>
+                                        </p:tgtEl>
+                                        <p:attrNameLst>
+                                          <p:attrName>style.visibility</p:attrName>
+                                        </p:attrNameLst>
+                                      </p:cBhvr>
+                                      <p:to>
+                                        <p:strVal val="visible"/>
+                                      </p:to>
+                                    </p:set>
+                                  </p:childTnLst>
+                                </p:cTn>
+                              </p:par>
+                            </p:childTnLst>
+                          </p:cTn>
+                        </p:par>
+                      </p:childTnLst>
+                    </p:cTn>
+                  </p:par>
+                  <p:par>
+                    <p:cTn id="7" fill="hold">
+                      <p:stCondLst>
+                        <p:cond delay="indefinite"/>
+                      </p:stCondLst>
+                      <p:childTnLst>
+                        <p:par>
+                          <p:cTn id="8" fill="hold">
+                            <p:stCondLst>
+                              <p:cond delay="0"/>
+                            </p:stCondLst>
+                            <p:childTnLst>
+                              <p:par>
+                                <p:cTn id="9" presetID="1" presetClass="entr" presetSubtype="0" fill="hold" nodeType="clickEffect">
+                                  <p:stCondLst>
+                                    <p:cond delay="0"/>
+                                  </p:stCondLst>
+                                  <p:childTnLst>
+                                    <p:set>
+                                      <p:cBhvr>
+                                        <p:cTn id="10" dur="1" fill="hold">
+                                          <p:stCondLst>
+                                            <p:cond delay="0"/>
+                                          </p:stCondLst>
+                                        </p:cTn>
+                                        <p:tgtEl>
+                                          <p:spTgt spid="3">
+                                            <p:txEl>
+                                              <p:pRg st="4" end="4"/>
+                                            </p:txEl>
+                                          </p:spTgt>
+                                        </p:tgtEl>
+                                        <p:attrNameLst>
+                                          <p:attrName>style.visibility</p:attrName>
+                                        </p:attrNameLst>
+                                      </p:cBhvr>
+                                      <p:to>
+                                        <p:strVal val="visible"/>
+                                      </p:to>
+                                    </p:set>
+                                  </p:childTnLst>
+                                </p:cTn>
+                              </p:par>
+                            </p:childTnLst>
+                          </p:cTn>
+                        </p:par>
+                      </p:childTnLst>
+                    </p:cTn>
+                  </p:par>
+                </p:childTnLst>
+              </p:cTn>
+              <p:prevCondLst>
+                <p:cond evt="onPrev" delay="0">
+                  <p:tgtEl>
+                    <p:sldTgt/>
+                  </p:tgtEl>
+                </p:cond>
+              </p:prevCondLst>
+              <p:nextCondLst>
+                <p:cond evt="onNext" delay="0">
+                  <p:tgtEl>
+                    <p:sldTgt/>
+                  </p:tgtEl>
+                </p:cond>
+              </p:nextCondLst>
+            </p:seq>
+          </p:childTnLst>
+        </p:cTn>
       </p:par>
     </p:tnLst>
   </p:timing>
@@ -4978,7 +5555,26 @@
           <a:p>
             <a:r>
               <a:rPr lang="en-CA" sz="3400" dirty="0" smtClean="0"/>
-              <a:t>Conflicting results but some things come out</a:t>
+              <a:t>Effects of music </a:t>
+            </a:r>
+            <a:r>
+              <a:rPr lang="en-CA" sz="3400" b="1" dirty="0" smtClean="0"/>
+              <a:t>during</a:t>
+            </a:r>
+            <a:r>
+              <a:rPr lang="en-CA" sz="3400" dirty="0" smtClean="0"/>
+              <a:t> a task</a:t>
+            </a:r>
+            <a:br>
+              <a:rPr lang="en-CA" sz="3400" dirty="0" smtClean="0"/>
+            </a:br>
+            <a:r>
+              <a:rPr lang="en-CA" sz="3400" dirty="0" smtClean="0"/>
+              <a:t>Conflicting </a:t>
+            </a:r>
+            <a:r>
+              <a:rPr lang="en-CA" sz="3400" dirty="0" smtClean="0"/>
+              <a:t>results but some things come out</a:t>
             </a:r>
             <a:endParaRPr lang="en-CA" sz="3400" dirty="0"/>
           </a:p>
@@ -4997,7 +5593,7 @@
         <p:spPr/>
         <p:txBody>
           <a:bodyPr>
-            <a:normAutofit fontScale="92500" lnSpcReduction="10000"/>
+            <a:normAutofit fontScale="92500" lnSpcReduction="20000"/>
           </a:bodyPr>
           <a:lstStyle/>
           <a:p>
@@ -5096,8 +5692,51 @@
             </a:r>
             <a:r>
               <a:rPr lang="en-CA" sz="2100" dirty="0" smtClean="0"/>
-              <a:t>, 2002; Perham &amp; Currie, 2014</a:t>
-            </a:r>
+              <a:t>, 2002; </a:t>
+            </a:r>
+            <a:endParaRPr lang="en-CA" sz="2100" dirty="0" smtClean="0"/>
+          </a:p>
+          <a:p>
+            <a:pPr marL="457200" lvl="1" indent="0">
+              <a:buNone/>
+            </a:pPr>
+            <a:r>
+              <a:rPr lang="en-CA" sz="2100" dirty="0"/>
+              <a:t>	</a:t>
+            </a:r>
+            <a:r>
+              <a:rPr lang="en-CA" sz="2100" dirty="0" smtClean="0"/>
+              <a:t>Perham </a:t>
+            </a:r>
+            <a:r>
+              <a:rPr lang="en-CA" sz="2100" dirty="0" smtClean="0"/>
+              <a:t>&amp; Currie, </a:t>
+            </a:r>
+            <a:r>
+              <a:rPr lang="en-CA" sz="2100" dirty="0"/>
+              <a:t>2014; </a:t>
+            </a:r>
+            <a:r>
+              <a:rPr lang="en-CA" sz="2100" dirty="0" err="1" smtClean="0"/>
+              <a:t>Furnham</a:t>
+            </a:r>
+            <a:r>
+              <a:rPr lang="en-CA" sz="2100" dirty="0" smtClean="0"/>
+              <a:t> </a:t>
+            </a:r>
+            <a:r>
+              <a:rPr lang="en-CA" sz="2100" dirty="0"/>
+              <a:t>&amp; </a:t>
+            </a:r>
+            <a:r>
+              <a:rPr lang="en-CA" sz="2100" dirty="0" err="1"/>
+              <a:t>Allass</a:t>
+            </a:r>
+            <a:r>
+              <a:rPr lang="en-CA" sz="2100" dirty="0"/>
+              <a:t>, 1999</a:t>
+            </a:r>
+            <a:endParaRPr lang="en-CA" sz="2100" dirty="0" smtClean="0"/>
           </a:p>
           <a:p>
             <a:pPr lvl="1"/>
@@ -5111,46 +5750,22 @@
             </a:r>
             <a:r>
               <a:rPr lang="en-CA" sz="2100" dirty="0" smtClean="0"/>
-              <a:t> &amp; Bradley, 1997; </a:t>
-            </a:r>
-            <a:r>
-              <a:rPr lang="en-CA" sz="2100" dirty="0" err="1" smtClean="0"/>
-              <a:t>Furnham</a:t>
+              <a:t> &amp; Bradley, </a:t>
             </a:r>
             <a:r>
               <a:rPr lang="en-CA" sz="2100" dirty="0" smtClean="0"/>
-              <a:t> &amp; </a:t>
-            </a:r>
-            <a:r>
-              <a:rPr lang="en-CA" sz="2100" dirty="0" err="1" smtClean="0"/>
-              <a:t>Allass</a:t>
-            </a:r>
+              <a:t>1997</a:t>
+            </a:r>
+          </a:p>
+          <a:p>
+            <a:pPr lvl="1"/>
             <a:r>
               <a:rPr lang="en-CA" sz="2100" dirty="0" smtClean="0"/>
-              <a:t>, 1999; </a:t>
-            </a:r>
-            <a:r>
-              <a:rPr lang="en-CA" sz="2100" dirty="0" err="1" smtClean="0"/>
-              <a:t>Patson</a:t>
+              <a:t>Comprehension </a:t>
             </a:r>
             <a:r>
               <a:rPr lang="en-CA" sz="2100" dirty="0" smtClean="0"/>
-              <a:t> &amp; </a:t>
-            </a:r>
-            <a:r>
-              <a:rPr lang="en-CA" sz="2100" dirty="0" err="1" smtClean="0"/>
-              <a:t>Tippett</a:t>
-            </a:r>
-            <a:r>
-              <a:rPr lang="en-CA" sz="2100" dirty="0" smtClean="0"/>
-              <a:t>, 2011</a:t>
-            </a:r>
-          </a:p>
-          <a:p>
-            <a:pPr lvl="1"/>
-            <a:r>
-              <a:rPr lang="en-CA" sz="2100" dirty="0" smtClean="0"/>
-              <a:t>Comprehension increased during calm music with lyrics: </a:t>
+              <a:t>increased during calm music with lyrics: </a:t>
             </a:r>
             <a:r>
               <a:rPr lang="en-CA" sz="2100" dirty="0" err="1" smtClean="0"/>
@@ -5158,8 +5773,40 @@
             </a:r>
             <a:r>
               <a:rPr lang="en-CA" sz="2100" dirty="0" smtClean="0"/>
-              <a:t> et al., 2002</a:t>
-            </a:r>
+              <a:t> et al., </a:t>
+            </a:r>
+            <a:r>
+              <a:rPr lang="en-CA" sz="2100" dirty="0" smtClean="0"/>
+              <a:t>2002</a:t>
+            </a:r>
+          </a:p>
+          <a:p>
+            <a:pPr lvl="1"/>
+            <a:r>
+              <a:rPr lang="en-CA" sz="2100" dirty="0" smtClean="0"/>
+              <a:t>Comprehension increased during music without lyrics: </a:t>
+            </a:r>
+            <a:r>
+              <a:rPr lang="en-CA" sz="2100" dirty="0" err="1"/>
+              <a:t>Patson</a:t>
+            </a:r>
+            <a:r>
+              <a:rPr lang="en-CA" sz="2100" dirty="0"/>
+              <a:t> &amp; </a:t>
+            </a:r>
+            <a:r>
+              <a:rPr lang="en-CA" sz="2100" dirty="0" err="1"/>
+              <a:t>Tippett</a:t>
+            </a:r>
+            <a:r>
+              <a:rPr lang="en-CA" sz="2100" dirty="0"/>
+              <a:t>, </a:t>
+            </a:r>
+            <a:r>
+              <a:rPr lang="en-CA" sz="2100" dirty="0" smtClean="0"/>
+              <a:t>2011</a:t>
+            </a:r>
+            <a:endParaRPr lang="en-CA" sz="2100" dirty="0" smtClean="0"/>
           </a:p>
           <a:p>
             <a:r>
@@ -5224,7 +5871,7 @@
         </p:nvSpPr>
         <p:spPr>
           <a:xfrm>
-            <a:off x="2687461" y="2953648"/>
+            <a:off x="2687461" y="2780473"/>
             <a:ext cx="2908948" cy="324902"/>
           </a:xfrm>
           <a:prstGeom prst="rect">
@@ -5235,6 +5882,92 @@
           </a:solidFill>
           <a:ln>
             <a:noFill/>
+          </a:ln>
+          <a:effectLst/>
+        </p:spPr>
+        <p:style>
+          <a:lnRef idx="1">
+            <a:schemeClr val="accent1"/>
+          </a:lnRef>
+          <a:fillRef idx="3">
+            <a:schemeClr val="accent1"/>
+          </a:fillRef>
+          <a:effectRef idx="2">
+            <a:schemeClr val="accent1"/>
+          </a:effectRef>
+          <a:fontRef idx="minor">
+            <a:schemeClr val="lt1"/>
+          </a:fontRef>
+        </p:style>
+        <p:txBody>
+          <a:bodyPr rtlCol="0" anchor="ctr"/>
+          <a:lstStyle/>
+          <a:p>
+            <a:pPr algn="ctr"/>
+            <a:endParaRPr lang="en-CA"/>
+          </a:p>
+        </p:txBody>
+      </p:sp>
+      <p:sp>
+        <p:nvSpPr>
+          <p:cNvPr id="5" name="Oval 4"/>
+          <p:cNvSpPr/>
+          <p:nvPr/>
+        </p:nvSpPr>
+        <p:spPr>
+          <a:xfrm>
+            <a:off x="457200" y="1417638"/>
+            <a:ext cx="5952565" cy="898244"/>
+          </a:xfrm>
+          <a:prstGeom prst="ellipse">
+            <a:avLst/>
+          </a:prstGeom>
+          <a:noFill/>
+          <a:ln w="44450"/>
+          <a:effectLst/>
+        </p:spPr>
+        <p:style>
+          <a:lnRef idx="1">
+            <a:schemeClr val="accent1"/>
+          </a:lnRef>
+          <a:fillRef idx="3">
+            <a:schemeClr val="accent1"/>
+          </a:fillRef>
+          <a:effectRef idx="2">
+            <a:schemeClr val="accent1"/>
+          </a:effectRef>
+          <a:fontRef idx="minor">
+            <a:schemeClr val="lt1"/>
+          </a:fontRef>
+        </p:style>
+        <p:txBody>
+          <a:bodyPr rtlCol="0" anchor="ctr"/>
+          <a:lstStyle/>
+          <a:p>
+            <a:pPr algn="ctr"/>
+            <a:endParaRPr lang="en-CA"/>
+          </a:p>
+        </p:txBody>
+      </p:sp>
+      <p:sp>
+        <p:nvSpPr>
+          <p:cNvPr id="6" name="Rectangle 5"/>
+          <p:cNvSpPr/>
+          <p:nvPr/>
+        </p:nvSpPr>
+        <p:spPr>
+          <a:xfrm>
+            <a:off x="239057" y="274637"/>
+            <a:ext cx="8636001" cy="6239715"/>
+          </a:xfrm>
+          <a:prstGeom prst="rect">
+            <a:avLst/>
+          </a:prstGeom>
+          <a:noFill/>
+          <a:ln w="50800">
+            <a:solidFill>
+              <a:schemeClr val="accent1"/>
+            </a:solidFill>
           </a:ln>
           <a:effectLst/>
         </p:spPr>
@@ -5322,6 +6055,37 @@
                                   </p:childTnLst>
                                 </p:cTn>
                               </p:par>
+                              <p:par>
+                                <p:cTn id="7" presetID="1" presetClass="entr" presetSubtype="0" fill="hold" nodeType="withEffect">
+                                  <p:stCondLst>
+                                    <p:cond delay="0"/>
+                                  </p:stCondLst>
+                                  <p:childTnLst>
+                                    <p:set>
+                                      <p:cBhvr>
+                                        <p:cTn id="8" dur="1" fill="hold">
+                                          <p:stCondLst>
+                                            <p:cond delay="0"/>
+                                          </p:stCondLst>
+                                        </p:cTn>
+                                        <p:tgtEl>
+                                          <p:spTgt spid="3">
+                                            <p:txEl>
+                                              <p:pRg st="1" end="1"/>
+                                            </p:txEl>
+                                          </p:spTgt>
+                                        </p:tgtEl>
+                                        <p:attrNameLst>
+                                          <p:attrName>style.visibility</p:attrName>
+                                        </p:attrNameLst>
+                                      </p:cBhvr>
+                                      <p:to>
+                                        <p:strVal val="visible"/>
+                                      </p:to>
+                                    </p:set>
+                                  </p:childTnLst>
+                                </p:cTn>
+                              </p:par>
                             </p:childTnLst>
                           </p:cTn>
                         </p:par>
@@ -5329,19 +6093,769 @@
                     </p:cTn>
                   </p:par>
                   <p:par>
-                    <p:cTn id="7" fill="hold">
+                    <p:cTn id="9" fill="hold">
                       <p:stCondLst>
                         <p:cond delay="indefinite"/>
                       </p:stCondLst>
                       <p:childTnLst>
                         <p:par>
-                          <p:cTn id="8" fill="hold">
+                          <p:cTn id="10" fill="hold">
                             <p:stCondLst>
                               <p:cond delay="0"/>
                             </p:stCondLst>
                             <p:childTnLst>
                               <p:par>
-                                <p:cTn id="9" presetID="1" presetClass="entr" presetSubtype="0" fill="hold" nodeType="clickEffect">
+                                <p:cTn id="11" presetID="1" presetClass="entr" presetSubtype="0" fill="hold" nodeType="clickEffect">
+                                  <p:stCondLst>
+                                    <p:cond delay="0"/>
+                                  </p:stCondLst>
+                                  <p:childTnLst>
+                                    <p:set>
+                                      <p:cBhvr>
+                                        <p:cTn id="12" dur="1" fill="hold">
+                                          <p:stCondLst>
+                                            <p:cond delay="0"/>
+                                          </p:stCondLst>
+                                        </p:cTn>
+                                        <p:tgtEl>
+                                          <p:spTgt spid="3">
+                                            <p:txEl>
+                                              <p:pRg st="2" end="2"/>
+                                            </p:txEl>
+                                          </p:spTgt>
+                                        </p:tgtEl>
+                                        <p:attrNameLst>
+                                          <p:attrName>style.visibility</p:attrName>
+                                        </p:attrNameLst>
+                                      </p:cBhvr>
+                                      <p:to>
+                                        <p:strVal val="visible"/>
+                                      </p:to>
+                                    </p:set>
+                                  </p:childTnLst>
+                                </p:cTn>
+                              </p:par>
+                            </p:childTnLst>
+                          </p:cTn>
+                        </p:par>
+                      </p:childTnLst>
+                    </p:cTn>
+                  </p:par>
+                  <p:par>
+                    <p:cTn id="13" fill="hold">
+                      <p:stCondLst>
+                        <p:cond delay="indefinite"/>
+                      </p:stCondLst>
+                      <p:childTnLst>
+                        <p:par>
+                          <p:cTn id="14" fill="hold">
+                            <p:stCondLst>
+                              <p:cond delay="0"/>
+                            </p:stCondLst>
+                            <p:childTnLst>
+                              <p:par>
+                                <p:cTn id="15" presetID="1" presetClass="exit" presetSubtype="0" fill="hold" grpId="0" nodeType="clickEffect">
+                                  <p:stCondLst>
+                                    <p:cond delay="0"/>
+                                  </p:stCondLst>
+                                  <p:childTnLst>
+                                    <p:set>
+                                      <p:cBhvr>
+                                        <p:cTn id="16" dur="1" fill="hold">
+                                          <p:stCondLst>
+                                            <p:cond delay="0"/>
+                                          </p:stCondLst>
+                                        </p:cTn>
+                                        <p:tgtEl>
+                                          <p:spTgt spid="4"/>
+                                        </p:tgtEl>
+                                        <p:attrNameLst>
+                                          <p:attrName>style.visibility</p:attrName>
+                                        </p:attrNameLst>
+                                      </p:cBhvr>
+                                      <p:to>
+                                        <p:strVal val="hidden"/>
+                                      </p:to>
+                                    </p:set>
+                                  </p:childTnLst>
+                                </p:cTn>
+                              </p:par>
+                            </p:childTnLst>
+                          </p:cTn>
+                        </p:par>
+                      </p:childTnLst>
+                    </p:cTn>
+                  </p:par>
+                  <p:par>
+                    <p:cTn id="17" fill="hold">
+                      <p:stCondLst>
+                        <p:cond delay="indefinite"/>
+                      </p:stCondLst>
+                      <p:childTnLst>
+                        <p:par>
+                          <p:cTn id="18" fill="hold">
+                            <p:stCondLst>
+                              <p:cond delay="0"/>
+                            </p:stCondLst>
+                            <p:childTnLst>
+                              <p:par>
+                                <p:cTn id="19" presetID="1" presetClass="entr" presetSubtype="0" fill="hold" nodeType="clickEffect">
+                                  <p:stCondLst>
+                                    <p:cond delay="0"/>
+                                  </p:stCondLst>
+                                  <p:childTnLst>
+                                    <p:set>
+                                      <p:cBhvr>
+                                        <p:cTn id="20" dur="1" fill="hold">
+                                          <p:stCondLst>
+                                            <p:cond delay="0"/>
+                                          </p:stCondLst>
+                                        </p:cTn>
+                                        <p:tgtEl>
+                                          <p:spTgt spid="3">
+                                            <p:txEl>
+                                              <p:pRg st="3" end="3"/>
+                                            </p:txEl>
+                                          </p:spTgt>
+                                        </p:tgtEl>
+                                        <p:attrNameLst>
+                                          <p:attrName>style.visibility</p:attrName>
+                                        </p:attrNameLst>
+                                      </p:cBhvr>
+                                      <p:to>
+                                        <p:strVal val="visible"/>
+                                      </p:to>
+                                    </p:set>
+                                  </p:childTnLst>
+                                </p:cTn>
+                              </p:par>
+                              <p:par>
+                                <p:cTn id="21" presetID="1" presetClass="entr" presetSubtype="0" fill="hold" nodeType="withEffect">
+                                  <p:stCondLst>
+                                    <p:cond delay="0"/>
+                                  </p:stCondLst>
+                                  <p:childTnLst>
+                                    <p:set>
+                                      <p:cBhvr>
+                                        <p:cTn id="22" dur="1" fill="hold">
+                                          <p:stCondLst>
+                                            <p:cond delay="0"/>
+                                          </p:stCondLst>
+                                        </p:cTn>
+                                        <p:tgtEl>
+                                          <p:spTgt spid="3">
+                                            <p:txEl>
+                                              <p:pRg st="4" end="4"/>
+                                            </p:txEl>
+                                          </p:spTgt>
+                                        </p:tgtEl>
+                                        <p:attrNameLst>
+                                          <p:attrName>style.visibility</p:attrName>
+                                        </p:attrNameLst>
+                                      </p:cBhvr>
+                                      <p:to>
+                                        <p:strVal val="visible"/>
+                                      </p:to>
+                                    </p:set>
+                                  </p:childTnLst>
+                                </p:cTn>
+                              </p:par>
+                            </p:childTnLst>
+                          </p:cTn>
+                        </p:par>
+                      </p:childTnLst>
+                    </p:cTn>
+                  </p:par>
+                  <p:par>
+                    <p:cTn id="23" fill="hold">
+                      <p:stCondLst>
+                        <p:cond delay="indefinite"/>
+                      </p:stCondLst>
+                      <p:childTnLst>
+                        <p:par>
+                          <p:cTn id="24" fill="hold">
+                            <p:stCondLst>
+                              <p:cond delay="0"/>
+                            </p:stCondLst>
+                            <p:childTnLst>
+                              <p:par>
+                                <p:cTn id="25" presetID="1" presetClass="entr" presetSubtype="0" fill="hold" nodeType="clickEffect">
+                                  <p:stCondLst>
+                                    <p:cond delay="0"/>
+                                  </p:stCondLst>
+                                  <p:childTnLst>
+                                    <p:set>
+                                      <p:cBhvr>
+                                        <p:cTn id="26" dur="1" fill="hold">
+                                          <p:stCondLst>
+                                            <p:cond delay="0"/>
+                                          </p:stCondLst>
+                                        </p:cTn>
+                                        <p:tgtEl>
+                                          <p:spTgt spid="3">
+                                            <p:txEl>
+                                              <p:pRg st="5" end="5"/>
+                                            </p:txEl>
+                                          </p:spTgt>
+                                        </p:tgtEl>
+                                        <p:attrNameLst>
+                                          <p:attrName>style.visibility</p:attrName>
+                                        </p:attrNameLst>
+                                      </p:cBhvr>
+                                      <p:to>
+                                        <p:strVal val="visible"/>
+                                      </p:to>
+                                    </p:set>
+                                  </p:childTnLst>
+                                </p:cTn>
+                              </p:par>
+                            </p:childTnLst>
+                          </p:cTn>
+                        </p:par>
+                      </p:childTnLst>
+                    </p:cTn>
+                  </p:par>
+                  <p:par>
+                    <p:cTn id="27" fill="hold">
+                      <p:stCondLst>
+                        <p:cond delay="indefinite"/>
+                      </p:stCondLst>
+                      <p:childTnLst>
+                        <p:par>
+                          <p:cTn id="28" fill="hold">
+                            <p:stCondLst>
+                              <p:cond delay="0"/>
+                            </p:stCondLst>
+                            <p:childTnLst>
+                              <p:par>
+                                <p:cTn id="29" presetID="1" presetClass="entr" presetSubtype="0" fill="hold" nodeType="clickEffect">
+                                  <p:stCondLst>
+                                    <p:cond delay="0"/>
+                                  </p:stCondLst>
+                                  <p:childTnLst>
+                                    <p:set>
+                                      <p:cBhvr>
+                                        <p:cTn id="30" dur="1" fill="hold">
+                                          <p:stCondLst>
+                                            <p:cond delay="0"/>
+                                          </p:stCondLst>
+                                        </p:cTn>
+                                        <p:tgtEl>
+                                          <p:spTgt spid="3">
+                                            <p:txEl>
+                                              <p:pRg st="6" end="6"/>
+                                            </p:txEl>
+                                          </p:spTgt>
+                                        </p:tgtEl>
+                                        <p:attrNameLst>
+                                          <p:attrName>style.visibility</p:attrName>
+                                        </p:attrNameLst>
+                                      </p:cBhvr>
+                                      <p:to>
+                                        <p:strVal val="visible"/>
+                                      </p:to>
+                                    </p:set>
+                                  </p:childTnLst>
+                                </p:cTn>
+                              </p:par>
+                            </p:childTnLst>
+                          </p:cTn>
+                        </p:par>
+                      </p:childTnLst>
+                    </p:cTn>
+                  </p:par>
+                  <p:par>
+                    <p:cTn id="31" fill="hold">
+                      <p:stCondLst>
+                        <p:cond delay="indefinite"/>
+                      </p:stCondLst>
+                      <p:childTnLst>
+                        <p:par>
+                          <p:cTn id="32" fill="hold">
+                            <p:stCondLst>
+                              <p:cond delay="0"/>
+                            </p:stCondLst>
+                            <p:childTnLst>
+                              <p:par>
+                                <p:cTn id="33" presetID="1" presetClass="entr" presetSubtype="0" fill="hold" nodeType="clickEffect">
+                                  <p:stCondLst>
+                                    <p:cond delay="0"/>
+                                  </p:stCondLst>
+                                  <p:childTnLst>
+                                    <p:set>
+                                      <p:cBhvr>
+                                        <p:cTn id="34" dur="1" fill="hold">
+                                          <p:stCondLst>
+                                            <p:cond delay="0"/>
+                                          </p:stCondLst>
+                                        </p:cTn>
+                                        <p:tgtEl>
+                                          <p:spTgt spid="3">
+                                            <p:txEl>
+                                              <p:pRg st="7" end="7"/>
+                                            </p:txEl>
+                                          </p:spTgt>
+                                        </p:tgtEl>
+                                        <p:attrNameLst>
+                                          <p:attrName>style.visibility</p:attrName>
+                                        </p:attrNameLst>
+                                      </p:cBhvr>
+                                      <p:to>
+                                        <p:strVal val="visible"/>
+                                      </p:to>
+                                    </p:set>
+                                  </p:childTnLst>
+                                </p:cTn>
+                              </p:par>
+                            </p:childTnLst>
+                          </p:cTn>
+                        </p:par>
+                      </p:childTnLst>
+                    </p:cTn>
+                  </p:par>
+                  <p:par>
+                    <p:cTn id="35" fill="hold">
+                      <p:stCondLst>
+                        <p:cond delay="indefinite"/>
+                      </p:stCondLst>
+                      <p:childTnLst>
+                        <p:par>
+                          <p:cTn id="36" fill="hold">
+                            <p:stCondLst>
+                              <p:cond delay="0"/>
+                            </p:stCondLst>
+                            <p:childTnLst>
+                              <p:par>
+                                <p:cTn id="37" presetID="1" presetClass="entr" presetSubtype="0" fill="hold" nodeType="clickEffect">
+                                  <p:stCondLst>
+                                    <p:cond delay="0"/>
+                                  </p:stCondLst>
+                                  <p:childTnLst>
+                                    <p:set>
+                                      <p:cBhvr>
+                                        <p:cTn id="38" dur="1" fill="hold">
+                                          <p:stCondLst>
+                                            <p:cond delay="0"/>
+                                          </p:stCondLst>
+                                        </p:cTn>
+                                        <p:tgtEl>
+                                          <p:spTgt spid="3">
+                                            <p:txEl>
+                                              <p:pRg st="8" end="8"/>
+                                            </p:txEl>
+                                          </p:spTgt>
+                                        </p:tgtEl>
+                                        <p:attrNameLst>
+                                          <p:attrName>style.visibility</p:attrName>
+                                        </p:attrNameLst>
+                                      </p:cBhvr>
+                                      <p:to>
+                                        <p:strVal val="visible"/>
+                                      </p:to>
+                                    </p:set>
+                                  </p:childTnLst>
+                                </p:cTn>
+                              </p:par>
+                              <p:par>
+                                <p:cTn id="39" presetID="1" presetClass="entr" presetSubtype="0" fill="hold" nodeType="withEffect">
+                                  <p:stCondLst>
+                                    <p:cond delay="0"/>
+                                  </p:stCondLst>
+                                  <p:childTnLst>
+                                    <p:set>
+                                      <p:cBhvr>
+                                        <p:cTn id="40" dur="1" fill="hold">
+                                          <p:stCondLst>
+                                            <p:cond delay="0"/>
+                                          </p:stCondLst>
+                                        </p:cTn>
+                                        <p:tgtEl>
+                                          <p:spTgt spid="3">
+                                            <p:txEl>
+                                              <p:pRg st="9" end="9"/>
+                                            </p:txEl>
+                                          </p:spTgt>
+                                        </p:tgtEl>
+                                        <p:attrNameLst>
+                                          <p:attrName>style.visibility</p:attrName>
+                                        </p:attrNameLst>
+                                      </p:cBhvr>
+                                      <p:to>
+                                        <p:strVal val="visible"/>
+                                      </p:to>
+                                    </p:set>
+                                  </p:childTnLst>
+                                </p:cTn>
+                              </p:par>
+                            </p:childTnLst>
+                          </p:cTn>
+                        </p:par>
+                      </p:childTnLst>
+                    </p:cTn>
+                  </p:par>
+                  <p:par>
+                    <p:cTn id="41" fill="hold">
+                      <p:stCondLst>
+                        <p:cond delay="indefinite"/>
+                      </p:stCondLst>
+                      <p:childTnLst>
+                        <p:par>
+                          <p:cTn id="42" fill="hold">
+                            <p:stCondLst>
+                              <p:cond delay="0"/>
+                            </p:stCondLst>
+                            <p:childTnLst>
+                              <p:par>
+                                <p:cTn id="43" presetID="1" presetClass="entr" presetSubtype="0" fill="hold" grpId="0" nodeType="clickEffect">
+                                  <p:stCondLst>
+                                    <p:cond delay="0"/>
+                                  </p:stCondLst>
+                                  <p:childTnLst>
+                                    <p:set>
+                                      <p:cBhvr>
+                                        <p:cTn id="44" dur="1" fill="hold">
+                                          <p:stCondLst>
+                                            <p:cond delay="0"/>
+                                          </p:stCondLst>
+                                        </p:cTn>
+                                        <p:tgtEl>
+                                          <p:spTgt spid="5"/>
+                                        </p:tgtEl>
+                                        <p:attrNameLst>
+                                          <p:attrName>style.visibility</p:attrName>
+                                        </p:attrNameLst>
+                                      </p:cBhvr>
+                                      <p:to>
+                                        <p:strVal val="visible"/>
+                                      </p:to>
+                                    </p:set>
+                                  </p:childTnLst>
+                                </p:cTn>
+                              </p:par>
+                            </p:childTnLst>
+                          </p:cTn>
+                        </p:par>
+                      </p:childTnLst>
+                    </p:cTn>
+                  </p:par>
+                </p:childTnLst>
+              </p:cTn>
+              <p:prevCondLst>
+                <p:cond evt="onPrev" delay="0">
+                  <p:tgtEl>
+                    <p:sldTgt/>
+                  </p:tgtEl>
+                </p:cond>
+              </p:prevCondLst>
+              <p:nextCondLst>
+                <p:cond evt="onNext" delay="0">
+                  <p:tgtEl>
+                    <p:sldTgt/>
+                  </p:tgtEl>
+                </p:cond>
+              </p:nextCondLst>
+            </p:seq>
+          </p:childTnLst>
+        </p:cTn>
+      </p:par>
+    </p:tnLst>
+    <p:bldLst>
+      <p:bldP spid="4" grpId="0" animBg="1"/>
+      <p:bldP spid="5" grpId="0" animBg="1"/>
+    </p:bldLst>
+  </p:timing>
+</p:sld>
+</file>
+
+<file path=ppt/slides/slide7.xml><?xml version="1.0" encoding="utf-8"?>
+<p:sld xmlns:a="http://schemas.openxmlformats.org/drawingml/2006/main" xmlns:r="http://schemas.openxmlformats.org/officeDocument/2006/relationships" xmlns:p="http://schemas.openxmlformats.org/presentationml/2006/main">
+  <p:cSld>
+    <p:spTree>
+      <p:nvGrpSpPr>
+        <p:cNvPr id="1" name=""/>
+        <p:cNvGrpSpPr/>
+        <p:nvPr/>
+      </p:nvGrpSpPr>
+      <p:grpSpPr>
+        <a:xfrm>
+          <a:off x="0" y="0"/>
+          <a:ext cx="0" cy="0"/>
+          <a:chOff x="0" y="0"/>
+          <a:chExt cx="0" cy="0"/>
+        </a:xfrm>
+      </p:grpSpPr>
+      <p:sp>
+        <p:nvSpPr>
+          <p:cNvPr id="2" name="Title 1"/>
+          <p:cNvSpPr>
+            <a:spLocks noGrp="1"/>
+          </p:cNvSpPr>
+          <p:nvPr>
+            <p:ph type="title"/>
+          </p:nvPr>
+        </p:nvSpPr>
+        <p:spPr/>
+        <p:txBody>
+          <a:bodyPr/>
+          <a:lstStyle/>
+          <a:p>
+            <a:r>
+              <a:rPr lang="en-CA" dirty="0" smtClean="0"/>
+              <a:t>Irrelevant Sound Effect (ISE)</a:t>
+            </a:r>
+            <a:endParaRPr lang="en-CA" dirty="0"/>
+          </a:p>
+        </p:txBody>
+      </p:sp>
+      <p:sp>
+        <p:nvSpPr>
+          <p:cNvPr id="3" name="Content Placeholder 2"/>
+          <p:cNvSpPr>
+            <a:spLocks noGrp="1"/>
+          </p:cNvSpPr>
+          <p:nvPr>
+            <p:ph idx="1"/>
+          </p:nvPr>
+        </p:nvSpPr>
+        <p:spPr/>
+        <p:txBody>
+          <a:bodyPr>
+            <a:normAutofit fontScale="92500" lnSpcReduction="20000"/>
+          </a:bodyPr>
+          <a:lstStyle/>
+          <a:p>
+            <a:r>
+              <a:rPr lang="en-CA" dirty="0" smtClean="0"/>
+              <a:t>Degradation of serial recall when speech sounds are presented, even if the items are presented visually.</a:t>
+            </a:r>
+          </a:p>
+          <a:p>
+            <a:pPr lvl="1"/>
+            <a:r>
+              <a:rPr lang="en-CA" dirty="0" smtClean="0"/>
+              <a:t>Does not need to be subject’s primary language</a:t>
+            </a:r>
+          </a:p>
+          <a:p>
+            <a:pPr lvl="1"/>
+            <a:r>
+              <a:rPr lang="en-CA" dirty="0" smtClean="0"/>
+              <a:t>Does not need to be a real language</a:t>
+            </a:r>
+          </a:p>
+          <a:p>
+            <a:pPr lvl="1"/>
+            <a:r>
+              <a:rPr lang="en-CA" dirty="0" smtClean="0"/>
+              <a:t>Seems to have to do with ‘acoustical variation’</a:t>
+            </a:r>
+          </a:p>
+          <a:p>
+            <a:pPr lvl="1"/>
+            <a:endParaRPr lang="en-CA" dirty="0"/>
+          </a:p>
+          <a:p>
+            <a:r>
+              <a:rPr lang="en-CA" dirty="0" smtClean="0"/>
+              <a:t>Sound only impairs performance when the task involves </a:t>
+            </a:r>
+            <a:r>
+              <a:rPr lang="en-CA" dirty="0" err="1" smtClean="0"/>
+              <a:t>seriation</a:t>
+            </a:r>
+            <a:r>
+              <a:rPr lang="en-CA" dirty="0" smtClean="0"/>
+              <a:t> – other tasks do not show impairment </a:t>
+            </a:r>
+            <a:r>
+              <a:rPr lang="en-CA" sz="2200" dirty="0" smtClean="0"/>
+              <a:t>(</a:t>
+            </a:r>
+            <a:r>
+              <a:rPr lang="en-CA" sz="2200" dirty="0" err="1" smtClean="0"/>
+              <a:t>Beaman</a:t>
+            </a:r>
+            <a:r>
+              <a:rPr lang="en-CA" sz="2200" dirty="0"/>
+              <a:t> </a:t>
+            </a:r>
+            <a:r>
+              <a:rPr lang="en-CA" sz="2200" dirty="0" smtClean="0"/>
+              <a:t>&amp; Jones, 1997; Perham, Banbury, &amp; Jones, 2007)</a:t>
+            </a:r>
+            <a:endParaRPr lang="en-CA" sz="2200" dirty="0"/>
+          </a:p>
+        </p:txBody>
+      </p:sp>
+      <p:sp>
+        <p:nvSpPr>
+          <p:cNvPr id="4" name="Rectangle 3"/>
+          <p:cNvSpPr/>
+          <p:nvPr/>
+        </p:nvSpPr>
+        <p:spPr>
+          <a:xfrm>
+            <a:off x="239057" y="274637"/>
+            <a:ext cx="8636001" cy="6239715"/>
+          </a:xfrm>
+          <a:prstGeom prst="rect">
+            <a:avLst/>
+          </a:prstGeom>
+          <a:noFill/>
+          <a:ln w="50800">
+            <a:solidFill>
+              <a:schemeClr val="accent1"/>
+            </a:solidFill>
+          </a:ln>
+          <a:effectLst/>
+        </p:spPr>
+        <p:style>
+          <a:lnRef idx="1">
+            <a:schemeClr val="accent1"/>
+          </a:lnRef>
+          <a:fillRef idx="3">
+            <a:schemeClr val="accent1"/>
+          </a:fillRef>
+          <a:effectRef idx="2">
+            <a:schemeClr val="accent1"/>
+          </a:effectRef>
+          <a:fontRef idx="minor">
+            <a:schemeClr val="lt1"/>
+          </a:fontRef>
+        </p:style>
+        <p:txBody>
+          <a:bodyPr rtlCol="0" anchor="ctr"/>
+          <a:lstStyle/>
+          <a:p>
+            <a:pPr algn="ctr"/>
+            <a:endParaRPr lang="en-CA"/>
+          </a:p>
+        </p:txBody>
+      </p:sp>
+      <p:sp>
+        <p:nvSpPr>
+          <p:cNvPr id="5" name="TextBox 4"/>
+          <p:cNvSpPr txBox="1"/>
+          <p:nvPr/>
+        </p:nvSpPr>
+        <p:spPr>
+          <a:xfrm>
+            <a:off x="1075765" y="5991413"/>
+            <a:ext cx="6991292" cy="400110"/>
+          </a:xfrm>
+          <a:prstGeom prst="rect">
+            <a:avLst/>
+          </a:prstGeom>
+          <a:noFill/>
+        </p:spPr>
+        <p:txBody>
+          <a:bodyPr wrap="none" rtlCol="0">
+            <a:spAutoFit/>
+          </a:bodyPr>
+          <a:lstStyle/>
+          <a:p>
+            <a:r>
+              <a:rPr lang="en-CA" sz="2000" dirty="0" smtClean="0"/>
+              <a:t>Stems from research into noise and productivity in the workplace</a:t>
+            </a:r>
+            <a:endParaRPr lang="en-CA" sz="2000" dirty="0"/>
+          </a:p>
+        </p:txBody>
+      </p:sp>
+    </p:spTree>
+    <p:extLst>
+      <p:ext uri="{BB962C8B-B14F-4D97-AF65-F5344CB8AC3E}">
+        <p14:creationId xmlns:p14="http://schemas.microsoft.com/office/powerpoint/2010/main" val="922382312"/>
+      </p:ext>
+    </p:extLst>
+  </p:cSld>
+  <p:clrMapOvr>
+    <a:masterClrMapping/>
+  </p:clrMapOvr>
+  <p:timing>
+    <p:tnLst>
+      <p:par>
+        <p:cTn xmlns:p14="http://schemas.microsoft.com/office/powerpoint/2010/main" id="1" dur="indefinite" restart="never" nodeType="tmRoot">
+          <p:childTnLst>
+            <p:seq concurrent="1" nextAc="seek">
+              <p:cTn id="2" dur="indefinite" nodeType="mainSeq">
+                <p:childTnLst>
+                  <p:par>
+                    <p:cTn id="3" fill="hold">
+                      <p:stCondLst>
+                        <p:cond delay="indefinite"/>
+                      </p:stCondLst>
+                      <p:childTnLst>
+                        <p:par>
+                          <p:cTn id="4" fill="hold">
+                            <p:stCondLst>
+                              <p:cond delay="0"/>
+                            </p:stCondLst>
+                            <p:childTnLst>
+                              <p:par>
+                                <p:cTn id="5" presetID="1" presetClass="entr" presetSubtype="0" fill="hold" nodeType="clickEffect">
+                                  <p:stCondLst>
+                                    <p:cond delay="0"/>
+                                  </p:stCondLst>
+                                  <p:childTnLst>
+                                    <p:set>
+                                      <p:cBhvr>
+                                        <p:cTn id="6" dur="1" fill="hold">
+                                          <p:stCondLst>
+                                            <p:cond delay="0"/>
+                                          </p:stCondLst>
+                                        </p:cTn>
+                                        <p:tgtEl>
+                                          <p:spTgt spid="3">
+                                            <p:txEl>
+                                              <p:pRg st="1" end="1"/>
+                                            </p:txEl>
+                                          </p:spTgt>
+                                        </p:tgtEl>
+                                        <p:attrNameLst>
+                                          <p:attrName>style.visibility</p:attrName>
+                                        </p:attrNameLst>
+                                      </p:cBhvr>
+                                      <p:to>
+                                        <p:strVal val="visible"/>
+                                      </p:to>
+                                    </p:set>
+                                  </p:childTnLst>
+                                </p:cTn>
+                              </p:par>
+                              <p:par>
+                                <p:cTn id="7" presetID="1" presetClass="entr" presetSubtype="0" fill="hold" nodeType="withEffect">
+                                  <p:stCondLst>
+                                    <p:cond delay="0"/>
+                                  </p:stCondLst>
+                                  <p:childTnLst>
+                                    <p:set>
+                                      <p:cBhvr>
+                                        <p:cTn id="8" dur="1" fill="hold">
+                                          <p:stCondLst>
+                                            <p:cond delay="0"/>
+                                          </p:stCondLst>
+                                        </p:cTn>
+                                        <p:tgtEl>
+                                          <p:spTgt spid="3">
+                                            <p:txEl>
+                                              <p:pRg st="2" end="2"/>
+                                            </p:txEl>
+                                          </p:spTgt>
+                                        </p:tgtEl>
+                                        <p:attrNameLst>
+                                          <p:attrName>style.visibility</p:attrName>
+                                        </p:attrNameLst>
+                                      </p:cBhvr>
+                                      <p:to>
+                                        <p:strVal val="visible"/>
+                                      </p:to>
+                                    </p:set>
+                                  </p:childTnLst>
+                                </p:cTn>
+                              </p:par>
+                              <p:par>
+                                <p:cTn id="9" presetID="1" presetClass="entr" presetSubtype="0" fill="hold" nodeType="withEffect">
                                   <p:stCondLst>
                                     <p:cond delay="0"/>
                                   </p:stCondLst>
@@ -5356,7 +6870,7 @@
                                         <p:tgtEl>
                                           <p:spTgt spid="3">
                                             <p:txEl>
-                                              <p:pRg st="1" end="1"/>
+                                              <p:pRg st="3" end="3"/>
                                             </p:txEl>
                                           </p:spTgt>
                                         </p:tgtEl>
@@ -5405,7 +6919,7 @@
                                         <p:tgtEl>
                                           <p:spTgt spid="3">
                                             <p:txEl>
-                                              <p:pRg st="2" end="2"/>
+                                              <p:pRg st="5" end="5"/>
                                             </p:txEl>
                                           </p:spTgt>
                                         </p:tgtEl>
@@ -5439,7 +6953,7 @@
                             </p:stCondLst>
                             <p:childTnLst>
                               <p:par>
-                                <p:cTn id="17" presetID="1" presetClass="exit" presetSubtype="0" fill="hold" grpId="0" nodeType="clickEffect">
+                                <p:cTn id="17" presetID="1" presetClass="entr" presetSubtype="0" fill="hold" grpId="0" nodeType="clickEffect">
                                   <p:stCondLst>
                                     <p:cond delay="0"/>
                                   </p:stCondLst>
@@ -5452,14 +6966,427 @@
                                           </p:stCondLst>
                                         </p:cTn>
                                         <p:tgtEl>
-                                          <p:spTgt spid="4"/>
+                                          <p:spTgt spid="5"/>
                                         </p:tgtEl>
                                         <p:attrNameLst>
                                           <p:attrName>style.visibility</p:attrName>
                                         </p:attrNameLst>
                                       </p:cBhvr>
                                       <p:to>
-                                        <p:strVal val="hidden"/>
+                                        <p:strVal val="visible"/>
+                                      </p:to>
+                                    </p:set>
+                                  </p:childTnLst>
+                                </p:cTn>
+                              </p:par>
+                            </p:childTnLst>
+                          </p:cTn>
+                        </p:par>
+                      </p:childTnLst>
+                    </p:cTn>
+                  </p:par>
+                </p:childTnLst>
+              </p:cTn>
+              <p:prevCondLst>
+                <p:cond evt="onPrev" delay="0">
+                  <p:tgtEl>
+                    <p:sldTgt/>
+                  </p:tgtEl>
+                </p:cond>
+              </p:prevCondLst>
+              <p:nextCondLst>
+                <p:cond evt="onNext" delay="0">
+                  <p:tgtEl>
+                    <p:sldTgt/>
+                  </p:tgtEl>
+                </p:cond>
+              </p:nextCondLst>
+            </p:seq>
+          </p:childTnLst>
+        </p:cTn>
+      </p:par>
+    </p:tnLst>
+    <p:bldLst>
+      <p:bldP spid="5" grpId="0"/>
+    </p:bldLst>
+  </p:timing>
+</p:sld>
+</file>
+
+<file path=ppt/slides/slide8.xml><?xml version="1.0" encoding="utf-8"?>
+<p:sld xmlns:a="http://schemas.openxmlformats.org/drawingml/2006/main" xmlns:r="http://schemas.openxmlformats.org/officeDocument/2006/relationships" xmlns:p="http://schemas.openxmlformats.org/presentationml/2006/main">
+  <p:cSld>
+    <p:spTree>
+      <p:nvGrpSpPr>
+        <p:cNvPr id="1" name=""/>
+        <p:cNvGrpSpPr/>
+        <p:nvPr/>
+      </p:nvGrpSpPr>
+      <p:grpSpPr>
+        <a:xfrm>
+          <a:off x="0" y="0"/>
+          <a:ext cx="0" cy="0"/>
+          <a:chOff x="0" y="0"/>
+          <a:chExt cx="0" cy="0"/>
+        </a:xfrm>
+      </p:grpSpPr>
+      <p:sp>
+        <p:nvSpPr>
+          <p:cNvPr id="2" name="Title 1"/>
+          <p:cNvSpPr>
+            <a:spLocks noGrp="1"/>
+          </p:cNvSpPr>
+          <p:nvPr>
+            <p:ph type="title"/>
+          </p:nvPr>
+        </p:nvSpPr>
+        <p:spPr/>
+        <p:txBody>
+          <a:bodyPr>
+            <a:normAutofit/>
+          </a:bodyPr>
+          <a:lstStyle/>
+          <a:p>
+            <a:r>
+              <a:rPr lang="en-CA" dirty="0"/>
+              <a:t>Effects of music </a:t>
+            </a:r>
+            <a:r>
+              <a:rPr lang="en-CA" b="1" dirty="0" smtClean="0"/>
+              <a:t>before </a:t>
+            </a:r>
+            <a:r>
+              <a:rPr lang="en-CA" dirty="0" smtClean="0"/>
+              <a:t>a task</a:t>
+            </a:r>
+            <a:endParaRPr lang="en-CA" dirty="0"/>
+          </a:p>
+        </p:txBody>
+      </p:sp>
+      <p:sp>
+        <p:nvSpPr>
+          <p:cNvPr id="3" name="Content Placeholder 2"/>
+          <p:cNvSpPr>
+            <a:spLocks noGrp="1"/>
+          </p:cNvSpPr>
+          <p:nvPr>
+            <p:ph idx="1"/>
+          </p:nvPr>
+        </p:nvSpPr>
+        <p:spPr/>
+        <p:txBody>
+          <a:bodyPr>
+            <a:normAutofit fontScale="92500" lnSpcReduction="10000"/>
+          </a:bodyPr>
+          <a:lstStyle/>
+          <a:p>
+            <a:r>
+              <a:rPr lang="en-CA" sz="2800" dirty="0" smtClean="0"/>
+              <a:t>Performance on spatial task improves after listening to </a:t>
+            </a:r>
+            <a:r>
+              <a:rPr lang="is-IS" sz="2800" dirty="0" smtClean="0"/>
+              <a:t>…</a:t>
+            </a:r>
+          </a:p>
+          <a:p>
+            <a:pPr lvl="1"/>
+            <a:r>
+              <a:rPr lang="en-CA" sz="2600" dirty="0" smtClean="0"/>
+              <a:t>Mozart</a:t>
+            </a:r>
+            <a:r>
+              <a:rPr lang="en-CA" dirty="0" smtClean="0"/>
+              <a:t> </a:t>
+            </a:r>
+            <a:r>
+              <a:rPr lang="en-CA" sz="1900" dirty="0" smtClean="0"/>
+              <a:t>(Rauscher et al., 1993, </a:t>
+            </a:r>
+            <a:r>
+              <a:rPr lang="en-CA" sz="1900" i="1" dirty="0" smtClean="0"/>
+              <a:t>Nature</a:t>
+            </a:r>
+            <a:r>
+              <a:rPr lang="en-CA" sz="1900" dirty="0" smtClean="0"/>
+              <a:t>)</a:t>
+            </a:r>
+            <a:endParaRPr lang="en-CA" sz="1900" dirty="0"/>
+          </a:p>
+          <a:p>
+            <a:pPr lvl="1"/>
+            <a:r>
+              <a:rPr lang="en-CA" sz="2600" dirty="0" smtClean="0"/>
+              <a:t>Mozart or Schubert </a:t>
+            </a:r>
+            <a:r>
+              <a:rPr lang="en-CA" sz="1900" dirty="0" smtClean="0"/>
+              <a:t>(</a:t>
+            </a:r>
+            <a:r>
+              <a:rPr lang="en-CA" sz="1900" dirty="0" err="1" smtClean="0"/>
+              <a:t>Nantais</a:t>
+            </a:r>
+            <a:r>
+              <a:rPr lang="en-CA" sz="1900" dirty="0" smtClean="0"/>
+              <a:t> &amp; </a:t>
+            </a:r>
+            <a:r>
+              <a:rPr lang="en-CA" sz="1900" dirty="0" err="1" smtClean="0"/>
+              <a:t>Schellenberg</a:t>
+            </a:r>
+            <a:r>
+              <a:rPr lang="en-CA" sz="1900" dirty="0" smtClean="0"/>
+              <a:t>, 1999)</a:t>
+            </a:r>
+          </a:p>
+          <a:p>
+            <a:r>
+              <a:rPr lang="en-CA" sz="2800" dirty="0" smtClean="0"/>
+              <a:t>Mozart effect disappears when control condition is not silence – Stephen King story</a:t>
+            </a:r>
+          </a:p>
+          <a:p>
+            <a:pPr lvl="1"/>
+            <a:r>
+              <a:rPr lang="en-CA" sz="2600" dirty="0" smtClean="0"/>
+              <a:t>Scores were higher after </a:t>
+            </a:r>
+            <a:r>
+              <a:rPr lang="en-CA" sz="2600" b="1" dirty="0" smtClean="0"/>
+              <a:t>preferred </a:t>
+            </a:r>
+            <a:r>
+              <a:rPr lang="en-CA" sz="2600" dirty="0" smtClean="0"/>
+              <a:t>stimulus</a:t>
+            </a:r>
+            <a:r>
+              <a:rPr lang="en-CA" dirty="0" smtClean="0"/>
+              <a:t> </a:t>
+            </a:r>
+            <a:r>
+              <a:rPr lang="en-CA" sz="1900" dirty="0" smtClean="0"/>
+              <a:t>(</a:t>
+            </a:r>
+            <a:r>
+              <a:rPr lang="en-CA" sz="1900" dirty="0" err="1"/>
+              <a:t>Nantais</a:t>
+            </a:r>
+            <a:r>
+              <a:rPr lang="en-CA" sz="1900" dirty="0"/>
+              <a:t> &amp; </a:t>
+            </a:r>
+            <a:r>
+              <a:rPr lang="en-CA" sz="1900" dirty="0" err="1"/>
+              <a:t>Schellenberg</a:t>
+            </a:r>
+            <a:r>
+              <a:rPr lang="en-CA" sz="1900" dirty="0"/>
+              <a:t>, 1999</a:t>
+            </a:r>
+            <a:r>
+              <a:rPr lang="en-CA" sz="1900" dirty="0" smtClean="0"/>
+              <a:t>)</a:t>
+            </a:r>
+          </a:p>
+          <a:p>
+            <a:r>
+              <a:rPr lang="en-CA" sz="2800" dirty="0" smtClean="0"/>
+              <a:t>Performance does not change when listening to </a:t>
+            </a:r>
+            <a:r>
+              <a:rPr lang="en-CA" sz="2800" dirty="0" err="1" smtClean="0"/>
+              <a:t>Albinoni</a:t>
+            </a:r>
+            <a:r>
+              <a:rPr lang="en-CA" sz="2800" dirty="0" smtClean="0"/>
+              <a:t> (sad mood) piano music</a:t>
+            </a:r>
+          </a:p>
+          <a:p>
+            <a:pPr lvl="1"/>
+            <a:r>
+              <a:rPr lang="en-CA" sz="2600" dirty="0" smtClean="0"/>
+              <a:t>Performance is related to </a:t>
+            </a:r>
+            <a:r>
+              <a:rPr lang="en-CA" sz="2600" b="1" dirty="0" smtClean="0"/>
+              <a:t>arousal</a:t>
+            </a:r>
+            <a:r>
+              <a:rPr lang="en-CA" sz="2600" dirty="0" smtClean="0"/>
+              <a:t> and </a:t>
+            </a:r>
+            <a:r>
+              <a:rPr lang="en-CA" sz="2600" b="1" dirty="0" smtClean="0"/>
+              <a:t>mood</a:t>
+            </a:r>
+            <a:r>
+              <a:rPr lang="en-CA" sz="2600" dirty="0" smtClean="0"/>
+              <a:t> </a:t>
+            </a:r>
+            <a:r>
+              <a:rPr lang="en-CA" sz="1900" dirty="0" smtClean="0"/>
+              <a:t>(Thompson, </a:t>
+            </a:r>
+            <a:r>
+              <a:rPr lang="en-CA" sz="1900" dirty="0" err="1" smtClean="0"/>
+              <a:t>Schellenberg</a:t>
+            </a:r>
+            <a:r>
+              <a:rPr lang="en-CA" sz="1900" dirty="0"/>
+              <a:t> </a:t>
+            </a:r>
+            <a:r>
+              <a:rPr lang="en-CA" sz="1900" dirty="0" smtClean="0"/>
+              <a:t>&amp; </a:t>
+            </a:r>
+            <a:r>
+              <a:rPr lang="en-CA" sz="1900" dirty="0"/>
+              <a:t>H</a:t>
+            </a:r>
+            <a:r>
+              <a:rPr lang="en-CA" sz="1900" dirty="0" smtClean="0"/>
+              <a:t>usain, 2001)</a:t>
+            </a:r>
+            <a:endParaRPr lang="en-CA" sz="1900" dirty="0" smtClean="0"/>
+          </a:p>
+        </p:txBody>
+      </p:sp>
+      <p:sp>
+        <p:nvSpPr>
+          <p:cNvPr id="4" name="Rectangle 3"/>
+          <p:cNvSpPr/>
+          <p:nvPr/>
+        </p:nvSpPr>
+        <p:spPr>
+          <a:xfrm>
+            <a:off x="239057" y="274637"/>
+            <a:ext cx="8636001" cy="6239715"/>
+          </a:xfrm>
+          <a:prstGeom prst="rect">
+            <a:avLst/>
+          </a:prstGeom>
+          <a:noFill/>
+          <a:ln w="50800">
+            <a:solidFill>
+              <a:schemeClr val="accent6">
+                <a:lumMod val="75000"/>
+              </a:schemeClr>
+            </a:solidFill>
+          </a:ln>
+          <a:effectLst/>
+        </p:spPr>
+        <p:style>
+          <a:lnRef idx="1">
+            <a:schemeClr val="accent1"/>
+          </a:lnRef>
+          <a:fillRef idx="3">
+            <a:schemeClr val="accent1"/>
+          </a:fillRef>
+          <a:effectRef idx="2">
+            <a:schemeClr val="accent1"/>
+          </a:effectRef>
+          <a:fontRef idx="minor">
+            <a:schemeClr val="lt1"/>
+          </a:fontRef>
+        </p:style>
+        <p:txBody>
+          <a:bodyPr rtlCol="0" anchor="ctr"/>
+          <a:lstStyle/>
+          <a:p>
+            <a:pPr algn="ctr"/>
+            <a:endParaRPr lang="en-CA"/>
+          </a:p>
+        </p:txBody>
+      </p:sp>
+    </p:spTree>
+    <p:extLst>
+      <p:ext uri="{BB962C8B-B14F-4D97-AF65-F5344CB8AC3E}">
+        <p14:creationId xmlns:p14="http://schemas.microsoft.com/office/powerpoint/2010/main" val="999537132"/>
+      </p:ext>
+    </p:extLst>
+  </p:cSld>
+  <p:clrMapOvr>
+    <a:masterClrMapping/>
+  </p:clrMapOvr>
+  <p:timing>
+    <p:tnLst>
+      <p:par>
+        <p:cTn xmlns:p14="http://schemas.microsoft.com/office/powerpoint/2010/main" id="1" dur="indefinite" restart="never" nodeType="tmRoot">
+          <p:childTnLst>
+            <p:seq concurrent="1" nextAc="seek">
+              <p:cTn id="2" dur="indefinite" nodeType="mainSeq">
+                <p:childTnLst>
+                  <p:par>
+                    <p:cTn id="3" fill="hold">
+                      <p:stCondLst>
+                        <p:cond delay="indefinite"/>
+                      </p:stCondLst>
+                      <p:childTnLst>
+                        <p:par>
+                          <p:cTn id="4" fill="hold">
+                            <p:stCondLst>
+                              <p:cond delay="0"/>
+                            </p:stCondLst>
+                            <p:childTnLst>
+                              <p:par>
+                                <p:cTn id="5" presetID="1" presetClass="entr" presetSubtype="0" fill="hold" nodeType="clickEffect">
+                                  <p:stCondLst>
+                                    <p:cond delay="0"/>
+                                  </p:stCondLst>
+                                  <p:childTnLst>
+                                    <p:set>
+                                      <p:cBhvr>
+                                        <p:cTn id="6" dur="1" fill="hold">
+                                          <p:stCondLst>
+                                            <p:cond delay="0"/>
+                                          </p:stCondLst>
+                                        </p:cTn>
+                                        <p:tgtEl>
+                                          <p:spTgt spid="3">
+                                            <p:txEl>
+                                              <p:pRg st="0" end="0"/>
+                                            </p:txEl>
+                                          </p:spTgt>
+                                        </p:tgtEl>
+                                        <p:attrNameLst>
+                                          <p:attrName>style.visibility</p:attrName>
+                                        </p:attrNameLst>
+                                      </p:cBhvr>
+                                      <p:to>
+                                        <p:strVal val="visible"/>
+                                      </p:to>
+                                    </p:set>
+                                  </p:childTnLst>
+                                </p:cTn>
+                              </p:par>
+                              <p:par>
+                                <p:cTn id="7" presetID="1" presetClass="entr" presetSubtype="0" fill="hold" nodeType="withEffect">
+                                  <p:stCondLst>
+                                    <p:cond delay="0"/>
+                                  </p:stCondLst>
+                                  <p:childTnLst>
+                                    <p:set>
+                                      <p:cBhvr>
+                                        <p:cTn id="8" dur="1" fill="hold">
+                                          <p:stCondLst>
+                                            <p:cond delay="0"/>
+                                          </p:stCondLst>
+                                        </p:cTn>
+                                        <p:tgtEl>
+                                          <p:spTgt spid="3">
+                                            <p:txEl>
+                                              <p:pRg st="1" end="1"/>
+                                            </p:txEl>
+                                          </p:spTgt>
+                                        </p:tgtEl>
+                                        <p:attrNameLst>
+                                          <p:attrName>style.visibility</p:attrName>
+                                        </p:attrNameLst>
+                                      </p:cBhvr>
+                                      <p:to>
+                                        <p:strVal val="visible"/>
                                       </p:to>
                                     </p:set>
                                   </p:childTnLst>
@@ -5472,26 +7399,75 @@
                     </p:cTn>
                   </p:par>
                   <p:par>
-                    <p:cTn id="19" fill="hold">
+                    <p:cTn id="9" fill="hold">
                       <p:stCondLst>
                         <p:cond delay="indefinite"/>
                       </p:stCondLst>
                       <p:childTnLst>
                         <p:par>
-                          <p:cTn id="20" fill="hold">
+                          <p:cTn id="10" fill="hold">
                             <p:stCondLst>
                               <p:cond delay="0"/>
                             </p:stCondLst>
                             <p:childTnLst>
                               <p:par>
-                                <p:cTn id="21" presetID="1" presetClass="entr" presetSubtype="0" fill="hold" nodeType="clickEffect">
+                                <p:cTn id="11" presetID="1" presetClass="entr" presetSubtype="0" fill="hold" nodeType="clickEffect">
                                   <p:stCondLst>
                                     <p:cond delay="0"/>
                                   </p:stCondLst>
                                   <p:childTnLst>
                                     <p:set>
                                       <p:cBhvr>
-                                        <p:cTn id="22" dur="1" fill="hold">
+                                        <p:cTn id="12" dur="1" fill="hold">
+                                          <p:stCondLst>
+                                            <p:cond delay="0"/>
+                                          </p:stCondLst>
+                                        </p:cTn>
+                                        <p:tgtEl>
+                                          <p:spTgt spid="3">
+                                            <p:txEl>
+                                              <p:pRg st="2" end="2"/>
+                                            </p:txEl>
+                                          </p:spTgt>
+                                        </p:tgtEl>
+                                        <p:attrNameLst>
+                                          <p:attrName>style.visibility</p:attrName>
+                                        </p:attrNameLst>
+                                      </p:cBhvr>
+                                      <p:to>
+                                        <p:strVal val="visible"/>
+                                      </p:to>
+                                    </p:set>
+                                  </p:childTnLst>
+                                </p:cTn>
+                              </p:par>
+                            </p:childTnLst>
+                          </p:cTn>
+                        </p:par>
+                      </p:childTnLst>
+                    </p:cTn>
+                  </p:par>
+                  <p:par>
+                    <p:cTn id="13" fill="hold">
+                      <p:stCondLst>
+                        <p:cond delay="indefinite"/>
+                      </p:stCondLst>
+                      <p:childTnLst>
+                        <p:par>
+                          <p:cTn id="14" fill="hold">
+                            <p:stCondLst>
+                              <p:cond delay="0"/>
+                            </p:stCondLst>
+                            <p:childTnLst>
+                              <p:par>
+                                <p:cTn id="15" presetID="1" presetClass="entr" presetSubtype="0" fill="hold" nodeType="clickEffect">
+                                  <p:stCondLst>
+                                    <p:cond delay="0"/>
+                                  </p:stCondLst>
+                                  <p:childTnLst>
+                                    <p:set>
+                                      <p:cBhvr>
+                                        <p:cTn id="16" dur="1" fill="hold">
                                           <p:stCondLst>
                                             <p:cond delay="0"/>
                                           </p:stCondLst>
@@ -5514,8 +7490,75 @@
                                   </p:childTnLst>
                                 </p:cTn>
                               </p:par>
+                            </p:childTnLst>
+                          </p:cTn>
+                        </p:par>
+                      </p:childTnLst>
+                    </p:cTn>
+                  </p:par>
+                  <p:par>
+                    <p:cTn id="17" fill="hold">
+                      <p:stCondLst>
+                        <p:cond delay="indefinite"/>
+                      </p:stCondLst>
+                      <p:childTnLst>
+                        <p:par>
+                          <p:cTn id="18" fill="hold">
+                            <p:stCondLst>
+                              <p:cond delay="0"/>
+                            </p:stCondLst>
+                            <p:childTnLst>
                               <p:par>
-                                <p:cTn id="23" presetID="1" presetClass="entr" presetSubtype="0" fill="hold" nodeType="withEffect">
+                                <p:cTn id="19" presetID="1" presetClass="entr" presetSubtype="0" fill="hold" nodeType="clickEffect">
+                                  <p:stCondLst>
+                                    <p:cond delay="0"/>
+                                  </p:stCondLst>
+                                  <p:childTnLst>
+                                    <p:set>
+                                      <p:cBhvr>
+                                        <p:cTn id="20" dur="1" fill="hold">
+                                          <p:stCondLst>
+                                            <p:cond delay="0"/>
+                                          </p:stCondLst>
+                                        </p:cTn>
+                                        <p:tgtEl>
+                                          <p:spTgt spid="3">
+                                            <p:txEl>
+                                              <p:pRg st="4" end="4"/>
+                                            </p:txEl>
+                                          </p:spTgt>
+                                        </p:tgtEl>
+                                        <p:attrNameLst>
+                                          <p:attrName>style.visibility</p:attrName>
+                                        </p:attrNameLst>
+                                      </p:cBhvr>
+                                      <p:to>
+                                        <p:strVal val="visible"/>
+                                      </p:to>
+                                    </p:set>
+                                  </p:childTnLst>
+                                </p:cTn>
+                              </p:par>
+                            </p:childTnLst>
+                          </p:cTn>
+                        </p:par>
+                      </p:childTnLst>
+                    </p:cTn>
+                  </p:par>
+                  <p:par>
+                    <p:cTn id="21" fill="hold">
+                      <p:stCondLst>
+                        <p:cond delay="indefinite"/>
+                      </p:stCondLst>
+                      <p:childTnLst>
+                        <p:par>
+                          <p:cTn id="22" fill="hold">
+                            <p:stCondLst>
+                              <p:cond delay="0"/>
+                            </p:stCondLst>
+                            <p:childTnLst>
+                              <p:par>
+                                <p:cTn id="23" presetID="1" presetClass="entr" presetSubtype="0" fill="hold" nodeType="clickEffect">
                                   <p:stCondLst>
                                     <p:cond delay="0"/>
                                   </p:stCondLst>
@@ -5530,7 +7573,7 @@
                                         <p:tgtEl>
                                           <p:spTgt spid="3">
                                             <p:txEl>
-                                              <p:pRg st="4" end="4"/>
+                                              <p:pRg st="5" end="5"/>
                                             </p:txEl>
                                           </p:spTgt>
                                         </p:tgtEl>
@@ -5579,87 +7622,7 @@
                                         <p:tgtEl>
                                           <p:spTgt spid="3">
                                             <p:txEl>
-                                              <p:pRg st="5" end="5"/>
-                                            </p:txEl>
-                                          </p:spTgt>
-                                        </p:tgtEl>
-                                        <p:attrNameLst>
-                                          <p:attrName>style.visibility</p:attrName>
-                                        </p:attrNameLst>
-                                      </p:cBhvr>
-                                      <p:to>
-                                        <p:strVal val="visible"/>
-                                      </p:to>
-                                    </p:set>
-                                  </p:childTnLst>
-                                </p:cTn>
-                              </p:par>
-                            </p:childTnLst>
-                          </p:cTn>
-                        </p:par>
-                      </p:childTnLst>
-                    </p:cTn>
-                  </p:par>
-                  <p:par>
-                    <p:cTn id="29" fill="hold">
-                      <p:stCondLst>
-                        <p:cond delay="indefinite"/>
-                      </p:stCondLst>
-                      <p:childTnLst>
-                        <p:par>
-                          <p:cTn id="30" fill="hold">
-                            <p:stCondLst>
-                              <p:cond delay="0"/>
-                            </p:stCondLst>
-                            <p:childTnLst>
-                              <p:par>
-                                <p:cTn id="31" presetID="1" presetClass="entr" presetSubtype="0" fill="hold" nodeType="clickEffect">
-                                  <p:stCondLst>
-                                    <p:cond delay="0"/>
-                                  </p:stCondLst>
-                                  <p:childTnLst>
-                                    <p:set>
-                                      <p:cBhvr>
-                                        <p:cTn id="32" dur="1" fill="hold">
-                                          <p:stCondLst>
-                                            <p:cond delay="0"/>
-                                          </p:stCondLst>
-                                        </p:cTn>
-                                        <p:tgtEl>
-                                          <p:spTgt spid="3">
-                                            <p:txEl>
                                               <p:pRg st="6" end="6"/>
-                                            </p:txEl>
-                                          </p:spTgt>
-                                        </p:tgtEl>
-                                        <p:attrNameLst>
-                                          <p:attrName>style.visibility</p:attrName>
-                                        </p:attrNameLst>
-                                      </p:cBhvr>
-                                      <p:to>
-                                        <p:strVal val="visible"/>
-                                      </p:to>
-                                    </p:set>
-                                  </p:childTnLst>
-                                </p:cTn>
-                              </p:par>
-                              <p:par>
-                                <p:cTn id="33" presetID="1" presetClass="entr" presetSubtype="0" fill="hold" nodeType="withEffect">
-                                  <p:stCondLst>
-                                    <p:cond delay="0"/>
-                                  </p:stCondLst>
-                                  <p:childTnLst>
-                                    <p:set>
-                                      <p:cBhvr>
-                                        <p:cTn id="34" dur="1" fill="hold">
-                                          <p:stCondLst>
-                                            <p:cond delay="0"/>
-                                          </p:stCondLst>
-                                        </p:cTn>
-                                        <p:tgtEl>
-                                          <p:spTgt spid="3">
-                                            <p:txEl>
-                                              <p:pRg st="7" end="7"/>
                                             </p:txEl>
                                           </p:spTgt>
                                         </p:tgtEl>
@@ -5701,226 +7664,7 @@
         </p:cTn>
       </p:par>
     </p:tnLst>
-    <p:bldLst>
-      <p:bldP spid="4" grpId="0" animBg="1"/>
-    </p:bldLst>
   </p:timing>
-</p:sld>
-</file>
-
-<file path=ppt/slides/slide7.xml><?xml version="1.0" encoding="utf-8"?>
-<p:sld xmlns:a="http://schemas.openxmlformats.org/drawingml/2006/main" xmlns:r="http://schemas.openxmlformats.org/officeDocument/2006/relationships" xmlns:p="http://schemas.openxmlformats.org/presentationml/2006/main">
-  <p:cSld>
-    <p:spTree>
-      <p:nvGrpSpPr>
-        <p:cNvPr id="1" name=""/>
-        <p:cNvGrpSpPr/>
-        <p:nvPr/>
-      </p:nvGrpSpPr>
-      <p:grpSpPr>
-        <a:xfrm>
-          <a:off x="0" y="0"/>
-          <a:ext cx="0" cy="0"/>
-          <a:chOff x="0" y="0"/>
-          <a:chExt cx="0" cy="0"/>
-        </a:xfrm>
-      </p:grpSpPr>
-      <p:sp>
-        <p:nvSpPr>
-          <p:cNvPr id="2" name="Title 1"/>
-          <p:cNvSpPr>
-            <a:spLocks noGrp="1"/>
-          </p:cNvSpPr>
-          <p:nvPr>
-            <p:ph type="title"/>
-          </p:nvPr>
-        </p:nvSpPr>
-        <p:spPr/>
-        <p:txBody>
-          <a:bodyPr/>
-          <a:lstStyle/>
-          <a:p>
-            <a:r>
-              <a:rPr lang="en-CA" dirty="0" smtClean="0"/>
-              <a:t>Attempted Link</a:t>
-            </a:r>
-            <a:endParaRPr lang="en-CA" dirty="0"/>
-          </a:p>
-        </p:txBody>
-      </p:sp>
-      <p:sp>
-        <p:nvSpPr>
-          <p:cNvPr id="3" name="Content Placeholder 2"/>
-          <p:cNvSpPr>
-            <a:spLocks noGrp="1"/>
-          </p:cNvSpPr>
-          <p:nvPr>
-            <p:ph idx="1"/>
-          </p:nvPr>
-        </p:nvSpPr>
-        <p:spPr/>
-        <p:txBody>
-          <a:bodyPr/>
-          <a:lstStyle/>
-          <a:p>
-            <a:r>
-              <a:rPr lang="en-CA" dirty="0" smtClean="0"/>
-              <a:t>Perham &amp; Currie, 2014</a:t>
-            </a:r>
-          </a:p>
-          <a:p>
-            <a:pPr lvl="1"/>
-            <a:r>
-              <a:rPr lang="en-CA" dirty="0" smtClean="0"/>
-              <a:t>“These findings are not consistent with the music and cognition literature and instead concur with research on semantic auditory distraction”</a:t>
-            </a:r>
-            <a:endParaRPr lang="en-CA" dirty="0"/>
-          </a:p>
-        </p:txBody>
-      </p:sp>
-    </p:spTree>
-    <p:extLst>
-      <p:ext uri="{BB962C8B-B14F-4D97-AF65-F5344CB8AC3E}">
-        <p14:creationId xmlns:p14="http://schemas.microsoft.com/office/powerpoint/2010/main" val="2393477712"/>
-      </p:ext>
-    </p:extLst>
-  </p:cSld>
-  <p:clrMapOvr>
-    <a:masterClrMapping/>
-  </p:clrMapOvr>
-</p:sld>
-</file>
-
-<file path=ppt/slides/slide8.xml><?xml version="1.0" encoding="utf-8"?>
-<p:sld xmlns:a="http://schemas.openxmlformats.org/drawingml/2006/main" xmlns:r="http://schemas.openxmlformats.org/officeDocument/2006/relationships" xmlns:p="http://schemas.openxmlformats.org/presentationml/2006/main">
-  <p:cSld>
-    <p:spTree>
-      <p:nvGrpSpPr>
-        <p:cNvPr id="1" name=""/>
-        <p:cNvGrpSpPr/>
-        <p:nvPr/>
-      </p:nvGrpSpPr>
-      <p:grpSpPr>
-        <a:xfrm>
-          <a:off x="0" y="0"/>
-          <a:ext cx="0" cy="0"/>
-          <a:chOff x="0" y="0"/>
-          <a:chExt cx="0" cy="0"/>
-        </a:xfrm>
-      </p:grpSpPr>
-      <p:sp>
-        <p:nvSpPr>
-          <p:cNvPr id="2" name="Title 1"/>
-          <p:cNvSpPr>
-            <a:spLocks noGrp="1"/>
-          </p:cNvSpPr>
-          <p:nvPr>
-            <p:ph type="title"/>
-          </p:nvPr>
-        </p:nvSpPr>
-        <p:spPr/>
-        <p:txBody>
-          <a:bodyPr/>
-          <a:lstStyle/>
-          <a:p>
-            <a:r>
-              <a:rPr lang="en-CA" dirty="0" smtClean="0"/>
-              <a:t>Irrelevant Sound Effect (ISE)</a:t>
-            </a:r>
-            <a:endParaRPr lang="en-CA" dirty="0"/>
-          </a:p>
-        </p:txBody>
-      </p:sp>
-      <p:sp>
-        <p:nvSpPr>
-          <p:cNvPr id="3" name="Content Placeholder 2"/>
-          <p:cNvSpPr>
-            <a:spLocks noGrp="1"/>
-          </p:cNvSpPr>
-          <p:nvPr>
-            <p:ph idx="1"/>
-          </p:nvPr>
-        </p:nvSpPr>
-        <p:spPr/>
-        <p:txBody>
-          <a:bodyPr>
-            <a:normAutofit fontScale="77500" lnSpcReduction="20000"/>
-          </a:bodyPr>
-          <a:lstStyle/>
-          <a:p>
-            <a:r>
-              <a:rPr lang="en-CA" dirty="0"/>
-              <a:t>Explanations of the ISE can be roughly divided into </a:t>
-            </a:r>
-            <a:r>
-              <a:rPr lang="en-CA" dirty="0" smtClean="0"/>
-              <a:t>two types </a:t>
-            </a:r>
-            <a:r>
-              <a:rPr lang="en-CA" dirty="0"/>
-              <a:t>(Jones &amp; Tremblay, 2000). Firstly, there are those that propose that the impairment is because of the identity of the items in the task becoming confused with the identity of the items in the irrelevant sound (</a:t>
-            </a:r>
-            <a:r>
-              <a:rPr lang="en-CA" dirty="0" err="1"/>
-              <a:t>Baddeley</a:t>
-            </a:r>
-            <a:r>
-              <a:rPr lang="en-CA" dirty="0"/>
-              <a:t>, 1986; Neath, 2000) or that the sound attracts the participant’s attention, thus reducing available resources to perform the task (Cowan, 1995; Neath, 2000). However, these are refuted by </a:t>
-            </a:r>
-            <a:r>
-              <a:rPr lang="en-CA" dirty="0" smtClean="0"/>
-              <a:t>evidence </a:t>
-            </a:r>
-            <a:r>
-              <a:rPr lang="en-CA" dirty="0"/>
-              <a:t>showing that non-speech sounds also impair </a:t>
-            </a:r>
-            <a:r>
-              <a:rPr lang="en-CA" dirty="0" smtClean="0"/>
-              <a:t>performance </a:t>
-            </a:r>
-            <a:r>
-              <a:rPr lang="en-CA" dirty="0"/>
-              <a:t>(Jones &amp; </a:t>
-            </a:r>
-            <a:r>
-              <a:rPr lang="en-CA" dirty="0" err="1"/>
-              <a:t>Macken</a:t>
-            </a:r>
-            <a:r>
-              <a:rPr lang="en-CA" dirty="0"/>
-              <a:t>, 1993) and that the sound only impairs performance when the task involves </a:t>
-            </a:r>
-            <a:r>
-              <a:rPr lang="en-CA" dirty="0" err="1"/>
-              <a:t>seriation</a:t>
-            </a:r>
-            <a:r>
-              <a:rPr lang="en-CA" dirty="0"/>
-              <a:t> (tasks such as missing item and category recall do not show impairment: </a:t>
-            </a:r>
-            <a:r>
-              <a:rPr lang="en-CA" dirty="0" err="1"/>
-              <a:t>Beaman</a:t>
-            </a:r>
-            <a:r>
-              <a:rPr lang="en-CA" dirty="0"/>
-              <a:t> &amp; Jones, 1997; Perham, Banbury, &amp; Jones, 2007)</a:t>
-            </a:r>
-          </a:p>
-        </p:txBody>
-      </p:sp>
-    </p:spTree>
-    <p:extLst>
-      <p:ext uri="{BB962C8B-B14F-4D97-AF65-F5344CB8AC3E}">
-        <p14:creationId xmlns:p14="http://schemas.microsoft.com/office/powerpoint/2010/main" val="922382312"/>
-      </p:ext>
-    </p:extLst>
-  </p:cSld>
-  <p:clrMapOvr>
-    <a:masterClrMapping/>
-  </p:clrMapOvr>
 </p:sld>
 </file>
 
@@ -5956,33 +7700,34 @@
           <a:bodyPr/>
           <a:lstStyle/>
           <a:p>
+            <a:endParaRPr lang="en-CA"/>
+          </a:p>
+        </p:txBody>
+      </p:sp>
+      <p:sp>
+        <p:nvSpPr>
+          <p:cNvPr id="3" name="Content Placeholder 2"/>
+          <p:cNvSpPr>
+            <a:spLocks noGrp="1"/>
+          </p:cNvSpPr>
+          <p:nvPr>
+            <p:ph idx="1"/>
+          </p:nvPr>
+        </p:nvSpPr>
+        <p:spPr/>
+        <p:txBody>
+          <a:bodyPr/>
+          <a:lstStyle/>
+          <a:p>
             <a:r>
               <a:rPr lang="en-CA" dirty="0" smtClean="0"/>
-              <a:t>Arousal on music</a:t>
-            </a:r>
-            <a:endParaRPr lang="en-CA" dirty="0"/>
-          </a:p>
-        </p:txBody>
-      </p:sp>
-      <p:sp>
-        <p:nvSpPr>
-          <p:cNvPr id="3" name="Content Placeholder 2"/>
-          <p:cNvSpPr>
-            <a:spLocks noGrp="1"/>
-          </p:cNvSpPr>
-          <p:nvPr>
-            <p:ph idx="1"/>
-          </p:nvPr>
-        </p:nvSpPr>
-        <p:spPr/>
-        <p:txBody>
-          <a:bodyPr/>
-          <a:lstStyle/>
-          <a:p>
-            <a:r>
-              <a:rPr lang="en-CA" dirty="0" smtClean="0"/>
-              <a:t>Playing music then doing task</a:t>
-            </a:r>
+              <a:t>How can we take a more systematic approach to uncovering the relationship between music listening and cognitive functioning?</a:t>
+            </a:r>
+          </a:p>
+          <a:p>
+            <a:pPr marL="0" indent="0">
+              <a:buNone/>
+            </a:pPr>
             <a:endParaRPr lang="en-CA" dirty="0"/>
           </a:p>
         </p:txBody>
@@ -5990,13 +7735,20 @@
     </p:spTree>
     <p:extLst>
       <p:ext uri="{BB962C8B-B14F-4D97-AF65-F5344CB8AC3E}">
-        <p14:creationId xmlns:p14="http://schemas.microsoft.com/office/powerpoint/2010/main" val="999537132"/>
+        <p14:creationId xmlns:p14="http://schemas.microsoft.com/office/powerpoint/2010/main" val="3811136441"/>
       </p:ext>
     </p:extLst>
   </p:cSld>
   <p:clrMapOvr>
     <a:masterClrMapping/>
   </p:clrMapOvr>
+  <p:timing>
+    <p:tnLst>
+      <p:par>
+        <p:cTn xmlns:p14="http://schemas.microsoft.com/office/powerpoint/2010/main" id="1" dur="indefinite" restart="never" nodeType="tmRoot"/>
+      </p:par>
+    </p:tnLst>
+  </p:timing>
 </p:sld>
 </file>
 

--- a/Meetings/22.08.2016-LabRetreat.pptx
+++ b/Meetings/22.08.2016-LabRetreat.pptx
@@ -202,7 +202,7 @@
           <a:p>
             <a:fld id="{EB4E266A-4D22-8F44-80A9-CB89A014B13F}" type="datetimeFigureOut">
               <a:rPr lang="en-US" smtClean="0"/>
-              <a:t>16-08-18</a:t>
+              <a:t>16-08-22</a:t>
             </a:fld>
             <a:endParaRPr lang="en-CA"/>
           </a:p>
@@ -907,6 +907,369 @@
 </p:notes>
 </file>
 
+<file path=ppt/notesSlides/notesSlide4.xml><?xml version="1.0" encoding="utf-8"?>
+<p:notes xmlns:a="http://schemas.openxmlformats.org/drawingml/2006/main" xmlns:r="http://schemas.openxmlformats.org/officeDocument/2006/relationships" xmlns:p="http://schemas.openxmlformats.org/presentationml/2006/main">
+  <p:cSld>
+    <p:spTree>
+      <p:nvGrpSpPr>
+        <p:cNvPr id="1" name=""/>
+        <p:cNvGrpSpPr/>
+        <p:nvPr/>
+      </p:nvGrpSpPr>
+      <p:grpSpPr>
+        <a:xfrm>
+          <a:off x="0" y="0"/>
+          <a:ext cx="0" cy="0"/>
+          <a:chOff x="0" y="0"/>
+          <a:chExt cx="0" cy="0"/>
+        </a:xfrm>
+      </p:grpSpPr>
+      <p:sp>
+        <p:nvSpPr>
+          <p:cNvPr id="2" name="Slide Image Placeholder 1"/>
+          <p:cNvSpPr>
+            <a:spLocks noGrp="1" noRot="1" noChangeAspect="1"/>
+          </p:cNvSpPr>
+          <p:nvPr>
+            <p:ph type="sldImg"/>
+          </p:nvPr>
+        </p:nvSpPr>
+        <p:spPr/>
+      </p:sp>
+      <p:sp>
+        <p:nvSpPr>
+          <p:cNvPr id="3" name="Notes Placeholder 2"/>
+          <p:cNvSpPr>
+            <a:spLocks noGrp="1"/>
+          </p:cNvSpPr>
+          <p:nvPr>
+            <p:ph type="body" idx="1"/>
+          </p:nvPr>
+        </p:nvSpPr>
+        <p:spPr/>
+        <p:txBody>
+          <a:bodyPr/>
+          <a:lstStyle/>
+          <a:p>
+            <a:endParaRPr lang="en-CA"/>
+          </a:p>
+          <a:p>
+            <a:r>
+              <a:rPr lang="en-CA"/>
+              <a:t>----- Meeting Notes (16-08-22 16:39) -----</a:t>
+            </a:r>
+          </a:p>
+          <a:p>
+            <a:r>
+              <a:rPr lang="en-CA"/>
+              <a:t>green study - in between learning  - effect on recall - 2010 plos one</a:t>
+            </a:r>
+          </a:p>
+        </p:txBody>
+      </p:sp>
+      <p:sp>
+        <p:nvSpPr>
+          <p:cNvPr id="4" name="Slide Number Placeholder 3"/>
+          <p:cNvSpPr>
+            <a:spLocks noGrp="1"/>
+          </p:cNvSpPr>
+          <p:nvPr>
+            <p:ph type="sldNum" sz="quarter" idx="10"/>
+          </p:nvPr>
+        </p:nvSpPr>
+        <p:spPr/>
+        <p:txBody>
+          <a:bodyPr/>
+          <a:lstStyle/>
+          <a:p>
+            <a:fld id="{537A71D4-B03A-4E4C-A0D3-5F8BF4C8A4C4}" type="slidenum">
+              <a:rPr lang="en-CA" smtClean="0"/>
+              <a:t>8</a:t>
+            </a:fld>
+            <a:endParaRPr lang="en-CA"/>
+          </a:p>
+        </p:txBody>
+      </p:sp>
+    </p:spTree>
+    <p:extLst>
+      <p:ext uri="{BB962C8B-B14F-4D97-AF65-F5344CB8AC3E}">
+        <p14:creationId xmlns:p14="http://schemas.microsoft.com/office/powerpoint/2010/main" val="2467287707"/>
+      </p:ext>
+    </p:extLst>
+  </p:cSld>
+  <p:clrMapOvr>
+    <a:masterClrMapping/>
+  </p:clrMapOvr>
+</p:notes>
+</file>
+
+<file path=ppt/notesSlides/notesSlide5.xml><?xml version="1.0" encoding="utf-8"?>
+<p:notes xmlns:a="http://schemas.openxmlformats.org/drawingml/2006/main" xmlns:r="http://schemas.openxmlformats.org/officeDocument/2006/relationships" xmlns:p="http://schemas.openxmlformats.org/presentationml/2006/main">
+  <p:cSld>
+    <p:spTree>
+      <p:nvGrpSpPr>
+        <p:cNvPr id="1" name=""/>
+        <p:cNvGrpSpPr/>
+        <p:nvPr/>
+      </p:nvGrpSpPr>
+      <p:grpSpPr>
+        <a:xfrm>
+          <a:off x="0" y="0"/>
+          <a:ext cx="0" cy="0"/>
+          <a:chOff x="0" y="0"/>
+          <a:chExt cx="0" cy="0"/>
+        </a:xfrm>
+      </p:grpSpPr>
+      <p:sp>
+        <p:nvSpPr>
+          <p:cNvPr id="2" name="Slide Image Placeholder 1"/>
+          <p:cNvSpPr>
+            <a:spLocks noGrp="1" noRot="1" noChangeAspect="1"/>
+          </p:cNvSpPr>
+          <p:nvPr>
+            <p:ph type="sldImg"/>
+          </p:nvPr>
+        </p:nvSpPr>
+        <p:spPr/>
+      </p:sp>
+      <p:sp>
+        <p:nvSpPr>
+          <p:cNvPr id="3" name="Notes Placeholder 2"/>
+          <p:cNvSpPr>
+            <a:spLocks noGrp="1"/>
+          </p:cNvSpPr>
+          <p:nvPr>
+            <p:ph type="body" idx="1"/>
+          </p:nvPr>
+        </p:nvSpPr>
+        <p:spPr/>
+        <p:txBody>
+          <a:bodyPr/>
+          <a:lstStyle/>
+          <a:p>
+            <a:endParaRPr lang="en-CA"/>
+          </a:p>
+          <a:p>
+            <a:r>
+              <a:rPr lang="en-CA"/>
+              <a:t>----- Meeting Notes (16-08-22 16:53) -----</a:t>
+            </a:r>
+          </a:p>
+          <a:p>
+            <a:r>
+              <a:rPr lang="en-CA"/>
+              <a:t>the degree which someone is entrained to the music and their ability to do the task. - predict distraction with EEG</a:t>
+            </a:r>
+          </a:p>
+          <a:p>
+            <a:endParaRPr lang="en-CA"/>
+          </a:p>
+          <a:p>
+            <a:r>
+              <a:rPr lang="en-CA"/>
+              <a:t>cocktail party lit - speech and noise lit (forward/backward speech)</a:t>
+            </a:r>
+          </a:p>
+          <a:p>
+            <a:endParaRPr lang="en-CA"/>
+          </a:p>
+          <a:p>
+            <a:r>
+              <a:rPr lang="en-CA"/>
+              <a:t>music as an enhancer</a:t>
+            </a:r>
+          </a:p>
+          <a:p>
+            <a:endParaRPr lang="en-CA"/>
+          </a:p>
+          <a:p>
+            <a:r>
+              <a:rPr lang="en-CA"/>
+              <a:t>does it come through in the passive listening</a:t>
+            </a:r>
+          </a:p>
+          <a:p>
+            <a:endParaRPr lang="en-CA"/>
+          </a:p>
+          <a:p>
+            <a:r>
+              <a:rPr lang="en-CA"/>
+              <a:t>making things more or less distracting through familiarity</a:t>
+            </a:r>
+          </a:p>
+          <a:p>
+            <a:endParaRPr lang="en-CA"/>
+          </a:p>
+          <a:p>
+            <a:r>
+              <a:rPr lang="en-CA"/>
+              <a:t>suni Patal - pnas - informational masking - musicians</a:t>
+            </a:r>
+          </a:p>
+          <a:p>
+            <a:endParaRPr lang="en-CA"/>
+          </a:p>
+          <a:p>
+            <a:r>
+              <a:rPr lang="en-CA"/>
+              <a:t>sven madas - informational masking - acoustical vs semantic info - is it the semantic content of the lyrics that is interfering with comprehension -</a:t>
+            </a:r>
+          </a:p>
+          <a:p>
+            <a:r>
+              <a:rPr lang="en-CA"/>
+              <a:t>why are lyrics distracting - which kinds of lyrics</a:t>
+            </a:r>
+          </a:p>
+          <a:p>
+            <a:endParaRPr lang="en-CA"/>
+          </a:p>
+          <a:p>
+            <a:r>
+              <a:rPr lang="en-CA"/>
+              <a:t>changing state effect - </a:t>
+            </a:r>
+          </a:p>
+        </p:txBody>
+      </p:sp>
+      <p:sp>
+        <p:nvSpPr>
+          <p:cNvPr id="4" name="Slide Number Placeholder 3"/>
+          <p:cNvSpPr>
+            <a:spLocks noGrp="1"/>
+          </p:cNvSpPr>
+          <p:nvPr>
+            <p:ph type="sldNum" sz="quarter" idx="10"/>
+          </p:nvPr>
+        </p:nvSpPr>
+        <p:spPr/>
+        <p:txBody>
+          <a:bodyPr/>
+          <a:lstStyle/>
+          <a:p>
+            <a:fld id="{537A71D4-B03A-4E4C-A0D3-5F8BF4C8A4C4}" type="slidenum">
+              <a:rPr lang="en-CA" smtClean="0"/>
+              <a:t>10</a:t>
+            </a:fld>
+            <a:endParaRPr lang="en-CA"/>
+          </a:p>
+        </p:txBody>
+      </p:sp>
+    </p:spTree>
+    <p:extLst>
+      <p:ext uri="{BB962C8B-B14F-4D97-AF65-F5344CB8AC3E}">
+        <p14:creationId xmlns:p14="http://schemas.microsoft.com/office/powerpoint/2010/main" val="4065208281"/>
+      </p:ext>
+    </p:extLst>
+  </p:cSld>
+  <p:clrMapOvr>
+    <a:masterClrMapping/>
+  </p:clrMapOvr>
+</p:notes>
+</file>
+
+<file path=ppt/notesSlides/notesSlide6.xml><?xml version="1.0" encoding="utf-8"?>
+<p:notes xmlns:a="http://schemas.openxmlformats.org/drawingml/2006/main" xmlns:r="http://schemas.openxmlformats.org/officeDocument/2006/relationships" xmlns:p="http://schemas.openxmlformats.org/presentationml/2006/main">
+  <p:cSld>
+    <p:spTree>
+      <p:nvGrpSpPr>
+        <p:cNvPr id="1" name=""/>
+        <p:cNvGrpSpPr/>
+        <p:nvPr/>
+      </p:nvGrpSpPr>
+      <p:grpSpPr>
+        <a:xfrm>
+          <a:off x="0" y="0"/>
+          <a:ext cx="0" cy="0"/>
+          <a:chOff x="0" y="0"/>
+          <a:chExt cx="0" cy="0"/>
+        </a:xfrm>
+      </p:grpSpPr>
+      <p:sp>
+        <p:nvSpPr>
+          <p:cNvPr id="2" name="Slide Image Placeholder 1"/>
+          <p:cNvSpPr>
+            <a:spLocks noGrp="1" noRot="1" noChangeAspect="1"/>
+          </p:cNvSpPr>
+          <p:nvPr>
+            <p:ph type="sldImg"/>
+          </p:nvPr>
+        </p:nvSpPr>
+        <p:spPr/>
+      </p:sp>
+      <p:sp>
+        <p:nvSpPr>
+          <p:cNvPr id="3" name="Notes Placeholder 2"/>
+          <p:cNvSpPr>
+            <a:spLocks noGrp="1"/>
+          </p:cNvSpPr>
+          <p:nvPr>
+            <p:ph type="body" idx="1"/>
+          </p:nvPr>
+        </p:nvSpPr>
+        <p:spPr/>
+        <p:txBody>
+          <a:bodyPr/>
+          <a:lstStyle/>
+          <a:p>
+            <a:endParaRPr lang="en-CA"/>
+          </a:p>
+          <a:p>
+            <a:r>
+              <a:rPr lang="en-CA"/>
+              <a:t>----- Meeting Notes (16-08-22 16:39) -----</a:t>
+            </a:r>
+          </a:p>
+          <a:p>
+            <a:r>
+              <a:rPr lang="en-CA"/>
+              <a:t>habit of listening to music</a:t>
+            </a:r>
+          </a:p>
+          <a:p>
+            <a:r>
+              <a:rPr lang="en-CA"/>
+              <a:t>lots of variables</a:t>
+            </a:r>
+          </a:p>
+        </p:txBody>
+      </p:sp>
+      <p:sp>
+        <p:nvSpPr>
+          <p:cNvPr id="4" name="Slide Number Placeholder 3"/>
+          <p:cNvSpPr>
+            <a:spLocks noGrp="1"/>
+          </p:cNvSpPr>
+          <p:nvPr>
+            <p:ph type="sldNum" sz="quarter" idx="10"/>
+          </p:nvPr>
+        </p:nvSpPr>
+        <p:spPr/>
+        <p:txBody>
+          <a:bodyPr/>
+          <a:lstStyle/>
+          <a:p>
+            <a:fld id="{537A71D4-B03A-4E4C-A0D3-5F8BF4C8A4C4}" type="slidenum">
+              <a:rPr lang="en-CA" smtClean="0"/>
+              <a:t>11</a:t>
+            </a:fld>
+            <a:endParaRPr lang="en-CA"/>
+          </a:p>
+        </p:txBody>
+      </p:sp>
+    </p:spTree>
+    <p:extLst>
+      <p:ext uri="{BB962C8B-B14F-4D97-AF65-F5344CB8AC3E}">
+        <p14:creationId xmlns:p14="http://schemas.microsoft.com/office/powerpoint/2010/main" val="3234978909"/>
+      </p:ext>
+    </p:extLst>
+  </p:cSld>
+  <p:clrMapOvr>
+    <a:masterClrMapping/>
+  </p:clrMapOvr>
+</p:notes>
+</file>
+
 <file path=ppt/slideLayouts/slideLayout1.xml><?xml version="1.0" encoding="utf-8"?>
 <p:sldLayout xmlns:a="http://schemas.openxmlformats.org/drawingml/2006/main" xmlns:r="http://schemas.openxmlformats.org/officeDocument/2006/relationships" xmlns:p="http://schemas.openxmlformats.org/presentationml/2006/main" type="title" preserve="1">
   <p:cSld name="Title Slide">
@@ -1088,7 +1451,7 @@
           <a:p>
             <a:fld id="{EB181B1E-577E-6746-9E87-E40B031F55A3}" type="datetimeFigureOut">
               <a:rPr lang="en-US" smtClean="0"/>
-              <a:t>16-08-18</a:t>
+              <a:t>16-08-22</a:t>
             </a:fld>
             <a:endParaRPr lang="en-CA"/>
           </a:p>
@@ -1258,7 +1621,7 @@
           <a:p>
             <a:fld id="{EB181B1E-577E-6746-9E87-E40B031F55A3}" type="datetimeFigureOut">
               <a:rPr lang="en-US" smtClean="0"/>
-              <a:t>16-08-18</a:t>
+              <a:t>16-08-22</a:t>
             </a:fld>
             <a:endParaRPr lang="en-CA"/>
           </a:p>
@@ -1438,7 +1801,7 @@
           <a:p>
             <a:fld id="{EB181B1E-577E-6746-9E87-E40B031F55A3}" type="datetimeFigureOut">
               <a:rPr lang="en-US" smtClean="0"/>
-              <a:t>16-08-18</a:t>
+              <a:t>16-08-22</a:t>
             </a:fld>
             <a:endParaRPr lang="en-CA"/>
           </a:p>
@@ -1608,7 +1971,7 @@
           <a:p>
             <a:fld id="{EB181B1E-577E-6746-9E87-E40B031F55A3}" type="datetimeFigureOut">
               <a:rPr lang="en-US" smtClean="0"/>
-              <a:t>16-08-18</a:t>
+              <a:t>16-08-22</a:t>
             </a:fld>
             <a:endParaRPr lang="en-CA"/>
           </a:p>
@@ -1854,7 +2217,7 @@
           <a:p>
             <a:fld id="{EB181B1E-577E-6746-9E87-E40B031F55A3}" type="datetimeFigureOut">
               <a:rPr lang="en-US" smtClean="0"/>
-              <a:t>16-08-18</a:t>
+              <a:t>16-08-22</a:t>
             </a:fld>
             <a:endParaRPr lang="en-CA"/>
           </a:p>
@@ -2142,7 +2505,7 @@
           <a:p>
             <a:fld id="{EB181B1E-577E-6746-9E87-E40B031F55A3}" type="datetimeFigureOut">
               <a:rPr lang="en-US" smtClean="0"/>
-              <a:t>16-08-18</a:t>
+              <a:t>16-08-22</a:t>
             </a:fld>
             <a:endParaRPr lang="en-CA"/>
           </a:p>
@@ -2564,7 +2927,7 @@
           <a:p>
             <a:fld id="{EB181B1E-577E-6746-9E87-E40B031F55A3}" type="datetimeFigureOut">
               <a:rPr lang="en-US" smtClean="0"/>
-              <a:t>16-08-18</a:t>
+              <a:t>16-08-22</a:t>
             </a:fld>
             <a:endParaRPr lang="en-CA"/>
           </a:p>
@@ -2682,7 +3045,7 @@
           <a:p>
             <a:fld id="{EB181B1E-577E-6746-9E87-E40B031F55A3}" type="datetimeFigureOut">
               <a:rPr lang="en-US" smtClean="0"/>
-              <a:t>16-08-18</a:t>
+              <a:t>16-08-22</a:t>
             </a:fld>
             <a:endParaRPr lang="en-CA"/>
           </a:p>
@@ -2777,7 +3140,7 @@
           <a:p>
             <a:fld id="{EB181B1E-577E-6746-9E87-E40B031F55A3}" type="datetimeFigureOut">
               <a:rPr lang="en-US" smtClean="0"/>
-              <a:t>16-08-18</a:t>
+              <a:t>16-08-22</a:t>
             </a:fld>
             <a:endParaRPr lang="en-CA"/>
           </a:p>
@@ -3054,7 +3417,7 @@
           <a:p>
             <a:fld id="{EB181B1E-577E-6746-9E87-E40B031F55A3}" type="datetimeFigureOut">
               <a:rPr lang="en-US" smtClean="0"/>
-              <a:t>16-08-18</a:t>
+              <a:t>16-08-22</a:t>
             </a:fld>
             <a:endParaRPr lang="en-CA"/>
           </a:p>
@@ -3307,7 +3670,7 @@
           <a:p>
             <a:fld id="{EB181B1E-577E-6746-9E87-E40B031F55A3}" type="datetimeFigureOut">
               <a:rPr lang="en-US" smtClean="0"/>
-              <a:t>16-08-18</a:t>
+              <a:t>16-08-22</a:t>
             </a:fld>
             <a:endParaRPr lang="en-CA"/>
           </a:p>
@@ -3520,7 +3883,7 @@
           <a:p>
             <a:fld id="{EB181B1E-577E-6746-9E87-E40B031F55A3}" type="datetimeFigureOut">
               <a:rPr lang="en-US" smtClean="0"/>
-              <a:t>16-08-18</a:t>
+              <a:t>16-08-22</a:t>
             </a:fld>
             <a:endParaRPr lang="en-CA"/>
           </a:p>
@@ -3912,19 +4275,7 @@
           <a:p>
             <a:r>
               <a:rPr lang="en-CA" dirty="0" smtClean="0"/>
-              <a:t>Effect of </a:t>
-            </a:r>
-            <a:r>
-              <a:rPr lang="en-CA" dirty="0" smtClean="0"/>
-              <a:t>music </a:t>
-            </a:r>
-            <a:r>
-              <a:rPr lang="en-CA" dirty="0" smtClean="0"/>
-              <a:t>on </a:t>
-            </a:r>
-            <a:r>
-              <a:rPr lang="en-CA" dirty="0" smtClean="0"/>
-              <a:t>cognitive functions</a:t>
+              <a:t>Effect of music on cognitive functions</a:t>
             </a:r>
             <a:endParaRPr lang="en-CA" dirty="0"/>
           </a:p>
@@ -5353,11 +5704,7 @@
           <a:p>
             <a:r>
               <a:rPr lang="en-CA" dirty="0" smtClean="0"/>
-              <a:t>Performance </a:t>
-            </a:r>
-            <a:r>
-              <a:rPr lang="en-CA" dirty="0" smtClean="0"/>
-              <a:t>after Mozart music was higher than after listening to a relaxation tape or silence</a:t>
+              <a:t>Performance after Mozart music was higher than after listening to a relaxation tape or silence</a:t>
             </a:r>
           </a:p>
           <a:p>
@@ -5570,11 +5917,7 @@
             </a:br>
             <a:r>
               <a:rPr lang="en-CA" sz="3400" dirty="0" smtClean="0"/>
-              <a:t>Conflicting </a:t>
-            </a:r>
-            <a:r>
-              <a:rPr lang="en-CA" sz="3400" dirty="0" smtClean="0"/>
-              <a:t>results but some things come out</a:t>
+              <a:t>Conflicting results but some things come out</a:t>
             </a:r>
             <a:endParaRPr lang="en-CA" sz="3400" dirty="0"/>
           </a:p>
@@ -5660,26 +6003,85 @@
             </a:r>
             <a:r>
               <a:rPr lang="en-CA" sz="2100" dirty="0" err="1" smtClean="0"/>
-              <a:t>Freeburne</a:t>
+              <a:t>Furnham</a:t>
             </a:r>
             <a:r>
               <a:rPr lang="en-CA" sz="2100" dirty="0" smtClean="0"/>
-              <a:t> &amp; </a:t>
+              <a:t> </a:t>
+            </a:r>
+            <a:r>
+              <a:rPr lang="en-CA" sz="2100" dirty="0" smtClean="0"/>
+              <a:t>&amp; </a:t>
+            </a:r>
+            <a:r>
+              <a:rPr lang="en-CA" sz="2100" dirty="0" err="1" smtClean="0"/>
+              <a:t>Strbac</a:t>
+            </a:r>
+            <a:r>
+              <a:rPr lang="en-CA" sz="2100" dirty="0" smtClean="0"/>
+              <a:t>, 2002; </a:t>
+            </a:r>
+            <a:r>
+              <a:rPr lang="en-CA" sz="2100" dirty="0" smtClean="0"/>
+              <a:t>Perham </a:t>
+            </a:r>
+            <a:r>
+              <a:rPr lang="en-CA" sz="2100" dirty="0" smtClean="0"/>
+              <a:t>&amp; Currie, </a:t>
             </a:r>
             <a:r>
               <a:rPr lang="en-CA" sz="2100" dirty="0"/>
-              <a:t>F</a:t>
+              <a:t>2014; </a:t>
             </a:r>
             <a:r>
               <a:rPr lang="en-CA" sz="2100" dirty="0" smtClean="0"/>
-              <a:t>leischer, 1952; </a:t>
-            </a:r>
+              <a:t/>
+            </a:r>
+            <a:br>
+              <a:rPr lang="en-CA" sz="2100" dirty="0" smtClean="0"/>
+            </a:br>
             <a:r>
               <a:rPr lang="en-CA" sz="2100" dirty="0" err="1" smtClean="0"/>
               <a:t>Furnham</a:t>
             </a:r>
             <a:r>
+              <a:rPr lang="en-CA" sz="2100" dirty="0" smtClean="0"/>
+              <a:t> </a:t>
+            </a:r>
+            <a:r>
               <a:rPr lang="en-CA" sz="2100" dirty="0"/>
+              <a:t>&amp; </a:t>
+            </a:r>
+            <a:r>
+              <a:rPr lang="en-CA" sz="2100" dirty="0" smtClean="0"/>
+              <a:t>Bradley, 1997</a:t>
+            </a:r>
+            <a:endParaRPr lang="en-CA" sz="2100" dirty="0" smtClean="0"/>
+          </a:p>
+          <a:p>
+            <a:pPr lvl="1"/>
+            <a:r>
+              <a:rPr lang="en-CA" sz="2100" dirty="0" smtClean="0"/>
+              <a:t>Don’t Agree: </a:t>
+            </a:r>
+            <a:r>
+              <a:rPr lang="en-CA" sz="2100" dirty="0" err="1"/>
+              <a:t>Freeburne</a:t>
+            </a:r>
+            <a:r>
+              <a:rPr lang="en-CA" sz="2100" dirty="0"/>
+              <a:t> &amp; Fleischer, </a:t>
+            </a:r>
+            <a:r>
+              <a:rPr lang="en-CA" sz="2100" dirty="0" smtClean="0"/>
+              <a:t>1952; </a:t>
+            </a:r>
+            <a:r>
+              <a:rPr lang="en-CA" sz="2100" dirty="0" err="1" smtClean="0"/>
+              <a:t>Furnham</a:t>
+            </a:r>
+            <a:r>
+              <a:rPr lang="en-CA" sz="2100" dirty="0" smtClean="0"/>
               <a:t> </a:t>
             </a:r>
             <a:r>
@@ -5688,84 +6090,19 @@
             </a:r>
             <a:r>
               <a:rPr lang="en-CA" sz="2100" dirty="0" err="1" smtClean="0"/>
-              <a:t>Strbac</a:t>
+              <a:t>Allass</a:t>
             </a:r>
             <a:r>
               <a:rPr lang="en-CA" sz="2100" dirty="0" smtClean="0"/>
-              <a:t>, 2002; </a:t>
+              <a:t>, 1999</a:t>
             </a:r>
             <a:endParaRPr lang="en-CA" sz="2100" dirty="0" smtClean="0"/>
           </a:p>
           <a:p>
-            <a:pPr marL="457200" lvl="1" indent="0">
-              <a:buNone/>
-            </a:pPr>
-            <a:r>
-              <a:rPr lang="en-CA" sz="2100" dirty="0"/>
-              <a:t>	</a:t>
-            </a:r>
+            <a:pPr lvl="1"/>
             <a:r>
               <a:rPr lang="en-CA" sz="2100" dirty="0" smtClean="0"/>
-              <a:t>Perham </a:t>
-            </a:r>
-            <a:r>
-              <a:rPr lang="en-CA" sz="2100" dirty="0" smtClean="0"/>
-              <a:t>&amp; Currie, </a:t>
-            </a:r>
-            <a:r>
-              <a:rPr lang="en-CA" sz="2100" dirty="0"/>
-              <a:t>2014; </a:t>
-            </a:r>
-            <a:r>
-              <a:rPr lang="en-CA" sz="2100" dirty="0" err="1" smtClean="0"/>
-              <a:t>Furnham</a:t>
-            </a:r>
-            <a:r>
-              <a:rPr lang="en-CA" sz="2100" dirty="0" smtClean="0"/>
-              <a:t> </a:t>
-            </a:r>
-            <a:r>
-              <a:rPr lang="en-CA" sz="2100" dirty="0"/>
-              <a:t>&amp; </a:t>
-            </a:r>
-            <a:r>
-              <a:rPr lang="en-CA" sz="2100" dirty="0" err="1"/>
-              <a:t>Allass</a:t>
-            </a:r>
-            <a:r>
-              <a:rPr lang="en-CA" sz="2100" dirty="0"/>
-              <a:t>, 1999</a:t>
-            </a:r>
-            <a:endParaRPr lang="en-CA" sz="2100" dirty="0" smtClean="0"/>
-          </a:p>
-          <a:p>
-            <a:pPr lvl="1"/>
-            <a:r>
-              <a:rPr lang="en-CA" sz="2100" dirty="0" smtClean="0"/>
-              <a:t>Don’t Agree: </a:t>
-            </a:r>
-            <a:r>
-              <a:rPr lang="en-CA" sz="2100" dirty="0" err="1" smtClean="0"/>
-              <a:t>Furnham</a:t>
-            </a:r>
-            <a:r>
-              <a:rPr lang="en-CA" sz="2100" dirty="0" smtClean="0"/>
-              <a:t> &amp; Bradley, </a:t>
-            </a:r>
-            <a:r>
-              <a:rPr lang="en-CA" sz="2100" dirty="0" smtClean="0"/>
-              <a:t>1997</a:t>
-            </a:r>
-          </a:p>
-          <a:p>
-            <a:pPr lvl="1"/>
-            <a:r>
-              <a:rPr lang="en-CA" sz="2100" dirty="0" smtClean="0"/>
-              <a:t>Comprehension </a:t>
-            </a:r>
-            <a:r>
-              <a:rPr lang="en-CA" sz="2100" dirty="0" smtClean="0"/>
-              <a:t>increased during calm music with lyrics: </a:t>
+              <a:t>Comprehension increased during calm music with lyrics: </a:t>
             </a:r>
             <a:r>
               <a:rPr lang="en-CA" sz="2100" dirty="0" err="1" smtClean="0"/>
@@ -5773,11 +6110,7 @@
             </a:r>
             <a:r>
               <a:rPr lang="en-CA" sz="2100" dirty="0" smtClean="0"/>
-              <a:t> et al., </a:t>
-            </a:r>
-            <a:r>
-              <a:rPr lang="en-CA" sz="2100" dirty="0" smtClean="0"/>
-              <a:t>2002</a:t>
+              <a:t> et al., 2002</a:t>
             </a:r>
           </a:p>
           <a:p>
@@ -5806,7 +6139,6 @@
               <a:rPr lang="en-CA" sz="2100" dirty="0" smtClean="0"/>
               <a:t>2011</a:t>
             </a:r>
-            <a:endParaRPr lang="en-CA" sz="2100" dirty="0" smtClean="0"/>
           </a:p>
           <a:p>
             <a:r>
@@ -6229,15 +6561,33 @@
                                   </p:childTnLst>
                                 </p:cTn>
                               </p:par>
+                            </p:childTnLst>
+                          </p:cTn>
+                        </p:par>
+                      </p:childTnLst>
+                    </p:cTn>
+                  </p:par>
+                  <p:par>
+                    <p:cTn id="21" fill="hold">
+                      <p:stCondLst>
+                        <p:cond delay="indefinite"/>
+                      </p:stCondLst>
+                      <p:childTnLst>
+                        <p:par>
+                          <p:cTn id="22" fill="hold">
+                            <p:stCondLst>
+                              <p:cond delay="0"/>
+                            </p:stCondLst>
+                            <p:childTnLst>
                               <p:par>
-                                <p:cTn id="21" presetID="1" presetClass="entr" presetSubtype="0" fill="hold" nodeType="withEffect">
+                                <p:cTn id="23" presetID="1" presetClass="entr" presetSubtype="0" fill="hold" nodeType="clickEffect">
                                   <p:stCondLst>
                                     <p:cond delay="0"/>
                                   </p:stCondLst>
                                   <p:childTnLst>
                                     <p:set>
                                       <p:cBhvr>
-                                        <p:cTn id="22" dur="1" fill="hold">
+                                        <p:cTn id="24" dur="1" fill="hold">
                                           <p:stCondLst>
                                             <p:cond delay="0"/>
                                           </p:stCondLst>
@@ -6267,26 +6617,26 @@
                     </p:cTn>
                   </p:par>
                   <p:par>
-                    <p:cTn id="23" fill="hold">
+                    <p:cTn id="25" fill="hold">
                       <p:stCondLst>
                         <p:cond delay="indefinite"/>
                       </p:stCondLst>
                       <p:childTnLst>
                         <p:par>
-                          <p:cTn id="24" fill="hold">
+                          <p:cTn id="26" fill="hold">
                             <p:stCondLst>
                               <p:cond delay="0"/>
                             </p:stCondLst>
                             <p:childTnLst>
                               <p:par>
-                                <p:cTn id="25" presetID="1" presetClass="entr" presetSubtype="0" fill="hold" nodeType="clickEffect">
+                                <p:cTn id="27" presetID="1" presetClass="entr" presetSubtype="0" fill="hold" nodeType="clickEffect">
                                   <p:stCondLst>
                                     <p:cond delay="0"/>
                                   </p:stCondLst>
                                   <p:childTnLst>
                                     <p:set>
                                       <p:cBhvr>
-                                        <p:cTn id="26" dur="1" fill="hold">
+                                        <p:cTn id="28" dur="1" fill="hold">
                                           <p:stCondLst>
                                             <p:cond delay="0"/>
                                           </p:stCondLst>
@@ -6316,26 +6666,26 @@
                     </p:cTn>
                   </p:par>
                   <p:par>
-                    <p:cTn id="27" fill="hold">
+                    <p:cTn id="29" fill="hold">
                       <p:stCondLst>
                         <p:cond delay="indefinite"/>
                       </p:stCondLst>
                       <p:childTnLst>
                         <p:par>
-                          <p:cTn id="28" fill="hold">
+                          <p:cTn id="30" fill="hold">
                             <p:stCondLst>
                               <p:cond delay="0"/>
                             </p:stCondLst>
                             <p:childTnLst>
                               <p:par>
-                                <p:cTn id="29" presetID="1" presetClass="entr" presetSubtype="0" fill="hold" nodeType="clickEffect">
+                                <p:cTn id="31" presetID="1" presetClass="entr" presetSubtype="0" fill="hold" nodeType="clickEffect">
                                   <p:stCondLst>
                                     <p:cond delay="0"/>
                                   </p:stCondLst>
                                   <p:childTnLst>
                                     <p:set>
                                       <p:cBhvr>
-                                        <p:cTn id="30" dur="1" fill="hold">
+                                        <p:cTn id="32" dur="1" fill="hold">
                                           <p:stCondLst>
                                             <p:cond delay="0"/>
                                           </p:stCondLst>
@@ -6365,26 +6715,26 @@
                     </p:cTn>
                   </p:par>
                   <p:par>
-                    <p:cTn id="31" fill="hold">
+                    <p:cTn id="33" fill="hold">
                       <p:stCondLst>
                         <p:cond delay="indefinite"/>
                       </p:stCondLst>
                       <p:childTnLst>
                         <p:par>
-                          <p:cTn id="32" fill="hold">
+                          <p:cTn id="34" fill="hold">
                             <p:stCondLst>
                               <p:cond delay="0"/>
                             </p:stCondLst>
                             <p:childTnLst>
                               <p:par>
-                                <p:cTn id="33" presetID="1" presetClass="entr" presetSubtype="0" fill="hold" nodeType="clickEffect">
+                                <p:cTn id="35" presetID="1" presetClass="entr" presetSubtype="0" fill="hold" nodeType="clickEffect">
                                   <p:stCondLst>
                                     <p:cond delay="0"/>
                                   </p:stCondLst>
                                   <p:childTnLst>
                                     <p:set>
                                       <p:cBhvr>
-                                        <p:cTn id="34" dur="1" fill="hold">
+                                        <p:cTn id="36" dur="1" fill="hold">
                                           <p:stCondLst>
                                             <p:cond delay="0"/>
                                           </p:stCondLst>
@@ -6407,26 +6757,8 @@
                                   </p:childTnLst>
                                 </p:cTn>
                               </p:par>
-                            </p:childTnLst>
-                          </p:cTn>
-                        </p:par>
-                      </p:childTnLst>
-                    </p:cTn>
-                  </p:par>
-                  <p:par>
-                    <p:cTn id="35" fill="hold">
-                      <p:stCondLst>
-                        <p:cond delay="indefinite"/>
-                      </p:stCondLst>
-                      <p:childTnLst>
-                        <p:par>
-                          <p:cTn id="36" fill="hold">
-                            <p:stCondLst>
-                              <p:cond delay="0"/>
-                            </p:stCondLst>
-                            <p:childTnLst>
                               <p:par>
-                                <p:cTn id="37" presetID="1" presetClass="entr" presetSubtype="0" fill="hold" nodeType="clickEffect">
+                                <p:cTn id="37" presetID="1" presetClass="entr" presetSubtype="0" fill="hold" nodeType="withEffect">
                                   <p:stCondLst>
                                     <p:cond delay="0"/>
                                   </p:stCondLst>
@@ -6456,37 +6788,6 @@
                                   </p:childTnLst>
                                 </p:cTn>
                               </p:par>
-                              <p:par>
-                                <p:cTn id="39" presetID="1" presetClass="entr" presetSubtype="0" fill="hold" nodeType="withEffect">
-                                  <p:stCondLst>
-                                    <p:cond delay="0"/>
-                                  </p:stCondLst>
-                                  <p:childTnLst>
-                                    <p:set>
-                                      <p:cBhvr>
-                                        <p:cTn id="40" dur="1" fill="hold">
-                                          <p:stCondLst>
-                                            <p:cond delay="0"/>
-                                          </p:stCondLst>
-                                        </p:cTn>
-                                        <p:tgtEl>
-                                          <p:spTgt spid="3">
-                                            <p:txEl>
-                                              <p:pRg st="9" end="9"/>
-                                            </p:txEl>
-                                          </p:spTgt>
-                                        </p:tgtEl>
-                                        <p:attrNameLst>
-                                          <p:attrName>style.visibility</p:attrName>
-                                        </p:attrNameLst>
-                                      </p:cBhvr>
-                                      <p:to>
-                                        <p:strVal val="visible"/>
-                                      </p:to>
-                                    </p:set>
-                                  </p:childTnLst>
-                                </p:cTn>
-                              </p:par>
                             </p:childTnLst>
                           </p:cTn>
                         </p:par>
@@ -6494,26 +6795,26 @@
                     </p:cTn>
                   </p:par>
                   <p:par>
-                    <p:cTn id="41" fill="hold">
+                    <p:cTn id="39" fill="hold">
                       <p:stCondLst>
                         <p:cond delay="indefinite"/>
                       </p:stCondLst>
                       <p:childTnLst>
                         <p:par>
-                          <p:cTn id="42" fill="hold">
+                          <p:cTn id="40" fill="hold">
                             <p:stCondLst>
                               <p:cond delay="0"/>
                             </p:stCondLst>
                             <p:childTnLst>
                               <p:par>
-                                <p:cTn id="43" presetID="1" presetClass="entr" presetSubtype="0" fill="hold" grpId="0" nodeType="clickEffect">
+                                <p:cTn id="41" presetID="1" presetClass="entr" presetSubtype="0" fill="hold" grpId="0" nodeType="clickEffect">
                                   <p:stCondLst>
                                     <p:cond delay="0"/>
                                   </p:stCondLst>
                                   <p:childTnLst>
                                     <p:set>
                                       <p:cBhvr>
-                                        <p:cTn id="44" dur="1" fill="hold">
+                                        <p:cTn id="42" dur="1" fill="hold">
                                           <p:stCondLst>
                                             <p:cond delay="0"/>
                                           </p:stCondLst>
@@ -7249,7 +7550,6 @@
               <a:rPr lang="en-CA" sz="1900" dirty="0" smtClean="0"/>
               <a:t>usain, 2001)</a:t>
             </a:r>
-            <a:endParaRPr lang="en-CA" sz="1900" dirty="0" smtClean="0"/>
           </a:p>
         </p:txBody>
       </p:sp>
